--- a/CSYE7200 Scala Final Presentation Slides.pptx
+++ b/CSYE7200 Scala Final Presentation Slides.pptx
@@ -5,54 +5,55 @@
     <p:sldMasterId id="2147483660" r:id="rId1"/>
   </p:sldMasterIdLst>
   <p:notesMasterIdLst>
-    <p:notesMasterId r:id="rId47"/>
+    <p:notesMasterId r:id="rId48"/>
   </p:notesMasterIdLst>
   <p:sldIdLst>
     <p:sldId id="256" r:id="rId2"/>
     <p:sldId id="257" r:id="rId3"/>
     <p:sldId id="258" r:id="rId4"/>
     <p:sldId id="259" r:id="rId5"/>
-    <p:sldId id="300" r:id="rId6"/>
-    <p:sldId id="260" r:id="rId7"/>
-    <p:sldId id="261" r:id="rId8"/>
-    <p:sldId id="262" r:id="rId9"/>
-    <p:sldId id="263" r:id="rId10"/>
-    <p:sldId id="264" r:id="rId11"/>
-    <p:sldId id="265" r:id="rId12"/>
-    <p:sldId id="266" r:id="rId13"/>
-    <p:sldId id="267" r:id="rId14"/>
-    <p:sldId id="268" r:id="rId15"/>
-    <p:sldId id="269" r:id="rId16"/>
-    <p:sldId id="270" r:id="rId17"/>
-    <p:sldId id="271" r:id="rId18"/>
-    <p:sldId id="272" r:id="rId19"/>
-    <p:sldId id="273" r:id="rId20"/>
-    <p:sldId id="274" r:id="rId21"/>
-    <p:sldId id="275" r:id="rId22"/>
-    <p:sldId id="276" r:id="rId23"/>
-    <p:sldId id="277" r:id="rId24"/>
-    <p:sldId id="278" r:id="rId25"/>
-    <p:sldId id="279" r:id="rId26"/>
-    <p:sldId id="280" r:id="rId27"/>
-    <p:sldId id="281" r:id="rId28"/>
-    <p:sldId id="282" r:id="rId29"/>
-    <p:sldId id="283" r:id="rId30"/>
-    <p:sldId id="284" r:id="rId31"/>
-    <p:sldId id="285" r:id="rId32"/>
-    <p:sldId id="286" r:id="rId33"/>
-    <p:sldId id="287" r:id="rId34"/>
-    <p:sldId id="288" r:id="rId35"/>
-    <p:sldId id="289" r:id="rId36"/>
-    <p:sldId id="290" r:id="rId37"/>
-    <p:sldId id="291" r:id="rId38"/>
-    <p:sldId id="292" r:id="rId39"/>
-    <p:sldId id="293" r:id="rId40"/>
-    <p:sldId id="294" r:id="rId41"/>
-    <p:sldId id="295" r:id="rId42"/>
-    <p:sldId id="296" r:id="rId43"/>
-    <p:sldId id="297" r:id="rId44"/>
-    <p:sldId id="298" r:id="rId45"/>
-    <p:sldId id="299" r:id="rId46"/>
+    <p:sldId id="260" r:id="rId6"/>
+    <p:sldId id="261" r:id="rId7"/>
+    <p:sldId id="262" r:id="rId8"/>
+    <p:sldId id="263" r:id="rId9"/>
+    <p:sldId id="264" r:id="rId10"/>
+    <p:sldId id="265" r:id="rId11"/>
+    <p:sldId id="266" r:id="rId12"/>
+    <p:sldId id="267" r:id="rId13"/>
+    <p:sldId id="268" r:id="rId14"/>
+    <p:sldId id="269" r:id="rId15"/>
+    <p:sldId id="270" r:id="rId16"/>
+    <p:sldId id="271" r:id="rId17"/>
+    <p:sldId id="272" r:id="rId18"/>
+    <p:sldId id="273" r:id="rId19"/>
+    <p:sldId id="274" r:id="rId20"/>
+    <p:sldId id="275" r:id="rId21"/>
+    <p:sldId id="276" r:id="rId22"/>
+    <p:sldId id="277" r:id="rId23"/>
+    <p:sldId id="278" r:id="rId24"/>
+    <p:sldId id="279" r:id="rId25"/>
+    <p:sldId id="280" r:id="rId26"/>
+    <p:sldId id="281" r:id="rId27"/>
+    <p:sldId id="282" r:id="rId28"/>
+    <p:sldId id="283" r:id="rId29"/>
+    <p:sldId id="284" r:id="rId30"/>
+    <p:sldId id="285" r:id="rId31"/>
+    <p:sldId id="286" r:id="rId32"/>
+    <p:sldId id="287" r:id="rId33"/>
+    <p:sldId id="288" r:id="rId34"/>
+    <p:sldId id="289" r:id="rId35"/>
+    <p:sldId id="290" r:id="rId36"/>
+    <p:sldId id="291" r:id="rId37"/>
+    <p:sldId id="292" r:id="rId38"/>
+    <p:sldId id="293" r:id="rId39"/>
+    <p:sldId id="294" r:id="rId40"/>
+    <p:sldId id="295" r:id="rId41"/>
+    <p:sldId id="296" r:id="rId42"/>
+    <p:sldId id="297" r:id="rId43"/>
+    <p:sldId id="298" r:id="rId44"/>
+    <p:sldId id="299" r:id="rId45"/>
+    <p:sldId id="300" r:id="rId46"/>
+    <p:sldId id="301" r:id="rId47"/>
   </p:sldIdLst>
   <p:sldSz cx="9144000" cy="5143500" type="screen16x9"/>
   <p:notesSz cx="6858000" cy="9144000"/>
@@ -624,7 +625,7 @@
   <p:cSld>
     <p:spTree>
       <p:nvGrpSpPr>
-        <p:cNvPr id="1" name="Shape 166"/>
+        <p:cNvPr id="1" name="Shape 167"/>
         <p:cNvGrpSpPr/>
         <p:nvPr/>
       </p:nvGrpSpPr>
@@ -638,7 +639,7 @@
       </p:grpSpPr>
       <p:sp>
         <p:nvSpPr>
-          <p:cNvPr id="167" name="Shape 167"/>
+          <p:cNvPr id="168" name="Shape 168"/>
           <p:cNvSpPr>
             <a:spLocks noGrp="1" noRot="1" noChangeAspect="1"/>
           </p:cNvSpPr>
@@ -679,7 +680,7 @@
       </p:sp>
       <p:sp>
         <p:nvSpPr>
-          <p:cNvPr id="168" name="Shape 168"/>
+          <p:cNvPr id="169" name="Shape 169"/>
           <p:cNvSpPr txBox="1">
             <a:spLocks noGrp="1"/>
           </p:cNvSpPr>
@@ -725,7 +726,7 @@
   <p:cSld>
     <p:spTree>
       <p:nvGrpSpPr>
-        <p:cNvPr id="1" name="Shape 173"/>
+        <p:cNvPr id="1" name="Shape 175"/>
         <p:cNvGrpSpPr/>
         <p:nvPr/>
       </p:nvGrpSpPr>
@@ -739,7 +740,7 @@
       </p:grpSpPr>
       <p:sp>
         <p:nvSpPr>
-          <p:cNvPr id="174" name="Shape 174"/>
+          <p:cNvPr id="176" name="Shape 176"/>
           <p:cNvSpPr>
             <a:spLocks noGrp="1" noRot="1" noChangeAspect="1"/>
           </p:cNvSpPr>
@@ -780,7 +781,7 @@
       </p:sp>
       <p:sp>
         <p:nvSpPr>
-          <p:cNvPr id="175" name="Shape 175"/>
+          <p:cNvPr id="177" name="Shape 177"/>
           <p:cNvSpPr txBox="1">
             <a:spLocks noGrp="1"/>
           </p:cNvSpPr>
@@ -826,7 +827,7 @@
   <p:cSld>
     <p:spTree>
       <p:nvGrpSpPr>
-        <p:cNvPr id="1" name="Shape 178"/>
+        <p:cNvPr id="1" name="Shape 183"/>
         <p:cNvGrpSpPr/>
         <p:nvPr/>
       </p:nvGrpSpPr>
@@ -840,7 +841,7 @@
       </p:grpSpPr>
       <p:sp>
         <p:nvSpPr>
-          <p:cNvPr id="179" name="Shape 179"/>
+          <p:cNvPr id="184" name="Shape 184"/>
           <p:cNvSpPr>
             <a:spLocks noGrp="1" noRot="1" noChangeAspect="1"/>
           </p:cNvSpPr>
@@ -881,7 +882,7 @@
       </p:sp>
       <p:sp>
         <p:nvSpPr>
-          <p:cNvPr id="180" name="Shape 180"/>
+          <p:cNvPr id="185" name="Shape 185"/>
           <p:cNvSpPr txBox="1">
             <a:spLocks noGrp="1"/>
           </p:cNvSpPr>
@@ -927,7 +928,7 @@
   <p:cSld>
     <p:spTree>
       <p:nvGrpSpPr>
-        <p:cNvPr id="1" name="Shape 186"/>
+        <p:cNvPr id="1" name="Shape 188"/>
         <p:cNvGrpSpPr/>
         <p:nvPr/>
       </p:nvGrpSpPr>
@@ -941,7 +942,7 @@
       </p:grpSpPr>
       <p:sp>
         <p:nvSpPr>
-          <p:cNvPr id="187" name="Shape 187"/>
+          <p:cNvPr id="189" name="Shape 189"/>
           <p:cNvSpPr>
             <a:spLocks noGrp="1" noRot="1" noChangeAspect="1"/>
           </p:cNvSpPr>
@@ -982,7 +983,7 @@
       </p:sp>
       <p:sp>
         <p:nvSpPr>
-          <p:cNvPr id="188" name="Shape 188"/>
+          <p:cNvPr id="190" name="Shape 190"/>
           <p:cNvSpPr txBox="1">
             <a:spLocks noGrp="1"/>
           </p:cNvSpPr>
@@ -1028,7 +1029,7 @@
   <p:cSld>
     <p:spTree>
       <p:nvGrpSpPr>
-        <p:cNvPr id="1" name="Shape 194"/>
+        <p:cNvPr id="1" name="Shape 196"/>
         <p:cNvGrpSpPr/>
         <p:nvPr/>
       </p:nvGrpSpPr>
@@ -1042,7 +1043,7 @@
       </p:grpSpPr>
       <p:sp>
         <p:nvSpPr>
-          <p:cNvPr id="195" name="Shape 195"/>
+          <p:cNvPr id="197" name="Shape 197"/>
           <p:cNvSpPr>
             <a:spLocks noGrp="1" noRot="1" noChangeAspect="1"/>
           </p:cNvSpPr>
@@ -1083,7 +1084,7 @@
       </p:sp>
       <p:sp>
         <p:nvSpPr>
-          <p:cNvPr id="196" name="Shape 196"/>
+          <p:cNvPr id="198" name="Shape 198"/>
           <p:cNvSpPr txBox="1">
             <a:spLocks noGrp="1"/>
           </p:cNvSpPr>
@@ -1129,7 +1130,7 @@
   <p:cSld>
     <p:spTree>
       <p:nvGrpSpPr>
-        <p:cNvPr id="1" name="Shape 202"/>
+        <p:cNvPr id="1" name="Shape 204"/>
         <p:cNvGrpSpPr/>
         <p:nvPr/>
       </p:nvGrpSpPr>
@@ -1143,7 +1144,7 @@
       </p:grpSpPr>
       <p:sp>
         <p:nvSpPr>
-          <p:cNvPr id="203" name="Shape 203"/>
+          <p:cNvPr id="205" name="Shape 205"/>
           <p:cNvSpPr>
             <a:spLocks noGrp="1" noRot="1" noChangeAspect="1"/>
           </p:cNvSpPr>
@@ -1184,7 +1185,7 @@
       </p:sp>
       <p:sp>
         <p:nvSpPr>
-          <p:cNvPr id="204" name="Shape 204"/>
+          <p:cNvPr id="206" name="Shape 206"/>
           <p:cNvSpPr txBox="1">
             <a:spLocks noGrp="1"/>
           </p:cNvSpPr>
@@ -1230,7 +1231,7 @@
   <p:cSld>
     <p:spTree>
       <p:nvGrpSpPr>
-        <p:cNvPr id="1" name="Shape 210"/>
+        <p:cNvPr id="1" name="Shape 212"/>
         <p:cNvGrpSpPr/>
         <p:nvPr/>
       </p:nvGrpSpPr>
@@ -1244,7 +1245,7 @@
       </p:grpSpPr>
       <p:sp>
         <p:nvSpPr>
-          <p:cNvPr id="211" name="Shape 211"/>
+          <p:cNvPr id="213" name="Shape 213"/>
           <p:cNvSpPr>
             <a:spLocks noGrp="1" noRot="1" noChangeAspect="1"/>
           </p:cNvSpPr>
@@ -1285,7 +1286,7 @@
       </p:sp>
       <p:sp>
         <p:nvSpPr>
-          <p:cNvPr id="212" name="Shape 212"/>
+          <p:cNvPr id="214" name="Shape 214"/>
           <p:cNvSpPr txBox="1">
             <a:spLocks noGrp="1"/>
           </p:cNvSpPr>
@@ -1331,7 +1332,7 @@
   <p:cSld>
     <p:spTree>
       <p:nvGrpSpPr>
-        <p:cNvPr id="1" name="Shape 217"/>
+        <p:cNvPr id="1" name="Shape 220"/>
         <p:cNvGrpSpPr/>
         <p:nvPr/>
       </p:nvGrpSpPr>
@@ -1345,7 +1346,7 @@
       </p:grpSpPr>
       <p:sp>
         <p:nvSpPr>
-          <p:cNvPr id="218" name="Shape 218"/>
+          <p:cNvPr id="221" name="Shape 221"/>
           <p:cNvSpPr>
             <a:spLocks noGrp="1" noRot="1" noChangeAspect="1"/>
           </p:cNvSpPr>
@@ -1386,7 +1387,7 @@
       </p:sp>
       <p:sp>
         <p:nvSpPr>
-          <p:cNvPr id="219" name="Shape 219"/>
+          <p:cNvPr id="222" name="Shape 222"/>
           <p:cNvSpPr txBox="1">
             <a:spLocks noGrp="1"/>
           </p:cNvSpPr>
@@ -1432,7 +1433,7 @@
   <p:cSld>
     <p:spTree>
       <p:nvGrpSpPr>
-        <p:cNvPr id="1" name="Shape 224"/>
+        <p:cNvPr id="1" name="Shape 228"/>
         <p:cNvGrpSpPr/>
         <p:nvPr/>
       </p:nvGrpSpPr>
@@ -1446,7 +1447,7 @@
       </p:grpSpPr>
       <p:sp>
         <p:nvSpPr>
-          <p:cNvPr id="225" name="Shape 225"/>
+          <p:cNvPr id="229" name="Shape 229"/>
           <p:cNvSpPr>
             <a:spLocks noGrp="1" noRot="1" noChangeAspect="1"/>
           </p:cNvSpPr>
@@ -1487,7 +1488,7 @@
       </p:sp>
       <p:sp>
         <p:nvSpPr>
-          <p:cNvPr id="226" name="Shape 226"/>
+          <p:cNvPr id="230" name="Shape 230"/>
           <p:cNvSpPr txBox="1">
             <a:spLocks noGrp="1"/>
           </p:cNvSpPr>
@@ -1533,7 +1534,7 @@
   <p:cSld>
     <p:spTree>
       <p:nvGrpSpPr>
-        <p:cNvPr id="1" name="Shape 231"/>
+        <p:cNvPr id="1" name="Shape 236"/>
         <p:cNvGrpSpPr/>
         <p:nvPr/>
       </p:nvGrpSpPr>
@@ -1547,7 +1548,7 @@
       </p:grpSpPr>
       <p:sp>
         <p:nvSpPr>
-          <p:cNvPr id="232" name="Shape 232"/>
+          <p:cNvPr id="237" name="Shape 237"/>
           <p:cNvSpPr>
             <a:spLocks noGrp="1" noRot="1" noChangeAspect="1"/>
           </p:cNvSpPr>
@@ -1588,7 +1589,7 @@
       </p:sp>
       <p:sp>
         <p:nvSpPr>
-          <p:cNvPr id="233" name="Shape 233"/>
+          <p:cNvPr id="238" name="Shape 238"/>
           <p:cNvSpPr txBox="1">
             <a:spLocks noGrp="1"/>
           </p:cNvSpPr>
@@ -1735,7 +1736,7 @@
   <p:cSld>
     <p:spTree>
       <p:nvGrpSpPr>
-        <p:cNvPr id="1" name="Shape 238"/>
+        <p:cNvPr id="1" name="Shape 244"/>
         <p:cNvGrpSpPr/>
         <p:nvPr/>
       </p:nvGrpSpPr>
@@ -1749,7 +1750,7 @@
       </p:grpSpPr>
       <p:sp>
         <p:nvSpPr>
-          <p:cNvPr id="239" name="Shape 239"/>
+          <p:cNvPr id="245" name="Shape 245"/>
           <p:cNvSpPr>
             <a:spLocks noGrp="1" noRot="1" noChangeAspect="1"/>
           </p:cNvSpPr>
@@ -1790,7 +1791,7 @@
       </p:sp>
       <p:sp>
         <p:nvSpPr>
-          <p:cNvPr id="240" name="Shape 240"/>
+          <p:cNvPr id="246" name="Shape 246"/>
           <p:cNvSpPr txBox="1">
             <a:spLocks noGrp="1"/>
           </p:cNvSpPr>
@@ -1836,7 +1837,7 @@
   <p:cSld>
     <p:spTree>
       <p:nvGrpSpPr>
-        <p:cNvPr id="1" name="Shape 245"/>
+        <p:cNvPr id="1" name="Shape 252"/>
         <p:cNvGrpSpPr/>
         <p:nvPr/>
       </p:nvGrpSpPr>
@@ -1850,7 +1851,7 @@
       </p:grpSpPr>
       <p:sp>
         <p:nvSpPr>
-          <p:cNvPr id="246" name="Shape 246"/>
+          <p:cNvPr id="253" name="Shape 253"/>
           <p:cNvSpPr>
             <a:spLocks noGrp="1" noRot="1" noChangeAspect="1"/>
           </p:cNvSpPr>
@@ -1891,7 +1892,7 @@
       </p:sp>
       <p:sp>
         <p:nvSpPr>
-          <p:cNvPr id="247" name="Shape 247"/>
+          <p:cNvPr id="254" name="Shape 254"/>
           <p:cNvSpPr txBox="1">
             <a:spLocks noGrp="1"/>
           </p:cNvSpPr>
@@ -1937,7 +1938,7 @@
   <p:cSld>
     <p:spTree>
       <p:nvGrpSpPr>
-        <p:cNvPr id="1" name="Shape 252"/>
+        <p:cNvPr id="1" name="Shape 260"/>
         <p:cNvGrpSpPr/>
         <p:nvPr/>
       </p:nvGrpSpPr>
@@ -1951,7 +1952,7 @@
       </p:grpSpPr>
       <p:sp>
         <p:nvSpPr>
-          <p:cNvPr id="253" name="Shape 253"/>
+          <p:cNvPr id="261" name="Shape 261"/>
           <p:cNvSpPr>
             <a:spLocks noGrp="1" noRot="1" noChangeAspect="1"/>
           </p:cNvSpPr>
@@ -1992,7 +1993,7 @@
       </p:sp>
       <p:sp>
         <p:nvSpPr>
-          <p:cNvPr id="254" name="Shape 254"/>
+          <p:cNvPr id="262" name="Shape 262"/>
           <p:cNvSpPr txBox="1">
             <a:spLocks noGrp="1"/>
           </p:cNvSpPr>
@@ -2038,7 +2039,7 @@
   <p:cSld>
     <p:spTree>
       <p:nvGrpSpPr>
-        <p:cNvPr id="1" name="Shape 259"/>
+        <p:cNvPr id="1" name="Shape 268"/>
         <p:cNvGrpSpPr/>
         <p:nvPr/>
       </p:nvGrpSpPr>
@@ -2052,7 +2053,7 @@
       </p:grpSpPr>
       <p:sp>
         <p:nvSpPr>
-          <p:cNvPr id="260" name="Shape 260"/>
+          <p:cNvPr id="269" name="Shape 269"/>
           <p:cNvSpPr>
             <a:spLocks noGrp="1" noRot="1" noChangeAspect="1"/>
           </p:cNvSpPr>
@@ -2093,7 +2094,7 @@
       </p:sp>
       <p:sp>
         <p:nvSpPr>
-          <p:cNvPr id="261" name="Shape 261"/>
+          <p:cNvPr id="270" name="Shape 270"/>
           <p:cNvSpPr txBox="1">
             <a:spLocks noGrp="1"/>
           </p:cNvSpPr>
@@ -2139,7 +2140,7 @@
   <p:cSld>
     <p:spTree>
       <p:nvGrpSpPr>
-        <p:cNvPr id="1" name="Shape 266"/>
+        <p:cNvPr id="1" name="Shape 276"/>
         <p:cNvGrpSpPr/>
         <p:nvPr/>
       </p:nvGrpSpPr>
@@ -2153,7 +2154,7 @@
       </p:grpSpPr>
       <p:sp>
         <p:nvSpPr>
-          <p:cNvPr id="267" name="Shape 267"/>
+          <p:cNvPr id="277" name="Shape 277"/>
           <p:cNvSpPr>
             <a:spLocks noGrp="1" noRot="1" noChangeAspect="1"/>
           </p:cNvSpPr>
@@ -2194,7 +2195,7 @@
       </p:sp>
       <p:sp>
         <p:nvSpPr>
-          <p:cNvPr id="268" name="Shape 268"/>
+          <p:cNvPr id="278" name="Shape 278"/>
           <p:cNvSpPr txBox="1">
             <a:spLocks noGrp="1"/>
           </p:cNvSpPr>
@@ -2240,7 +2241,7 @@
   <p:cSld>
     <p:spTree>
       <p:nvGrpSpPr>
-        <p:cNvPr id="1" name="Shape 273"/>
+        <p:cNvPr id="1" name="Shape 284"/>
         <p:cNvGrpSpPr/>
         <p:nvPr/>
       </p:nvGrpSpPr>
@@ -2254,7 +2255,7 @@
       </p:grpSpPr>
       <p:sp>
         <p:nvSpPr>
-          <p:cNvPr id="274" name="Shape 274"/>
+          <p:cNvPr id="285" name="Shape 285"/>
           <p:cNvSpPr>
             <a:spLocks noGrp="1" noRot="1" noChangeAspect="1"/>
           </p:cNvSpPr>
@@ -2295,7 +2296,7 @@
       </p:sp>
       <p:sp>
         <p:nvSpPr>
-          <p:cNvPr id="275" name="Shape 275"/>
+          <p:cNvPr id="286" name="Shape 286"/>
           <p:cNvSpPr txBox="1">
             <a:spLocks noGrp="1"/>
           </p:cNvSpPr>
@@ -2341,7 +2342,7 @@
   <p:cSld>
     <p:spTree>
       <p:nvGrpSpPr>
-        <p:cNvPr id="1" name="Shape 280"/>
+        <p:cNvPr id="1" name="Shape 292"/>
         <p:cNvGrpSpPr/>
         <p:nvPr/>
       </p:nvGrpSpPr>
@@ -2355,7 +2356,7 @@
       </p:grpSpPr>
       <p:sp>
         <p:nvSpPr>
-          <p:cNvPr id="281" name="Shape 281"/>
+          <p:cNvPr id="293" name="Shape 293"/>
           <p:cNvSpPr>
             <a:spLocks noGrp="1" noRot="1" noChangeAspect="1"/>
           </p:cNvSpPr>
@@ -2396,7 +2397,7 @@
       </p:sp>
       <p:sp>
         <p:nvSpPr>
-          <p:cNvPr id="282" name="Shape 282"/>
+          <p:cNvPr id="294" name="Shape 294"/>
           <p:cNvSpPr txBox="1">
             <a:spLocks noGrp="1"/>
           </p:cNvSpPr>
@@ -2442,7 +2443,7 @@
   <p:cSld>
     <p:spTree>
       <p:nvGrpSpPr>
-        <p:cNvPr id="1" name="Shape 285"/>
+        <p:cNvPr id="1" name="Shape 300"/>
         <p:cNvGrpSpPr/>
         <p:nvPr/>
       </p:nvGrpSpPr>
@@ -2456,7 +2457,7 @@
       </p:grpSpPr>
       <p:sp>
         <p:nvSpPr>
-          <p:cNvPr id="286" name="Shape 286"/>
+          <p:cNvPr id="301" name="Shape 301"/>
           <p:cNvSpPr>
             <a:spLocks noGrp="1" noRot="1" noChangeAspect="1"/>
           </p:cNvSpPr>
@@ -2497,7 +2498,7 @@
       </p:sp>
       <p:sp>
         <p:nvSpPr>
-          <p:cNvPr id="287" name="Shape 287"/>
+          <p:cNvPr id="302" name="Shape 302"/>
           <p:cNvSpPr txBox="1">
             <a:spLocks noGrp="1"/>
           </p:cNvSpPr>
@@ -2543,7 +2544,7 @@
   <p:cSld>
     <p:spTree>
       <p:nvGrpSpPr>
-        <p:cNvPr id="1" name="Shape 293"/>
+        <p:cNvPr id="1" name="Shape 305"/>
         <p:cNvGrpSpPr/>
         <p:nvPr/>
       </p:nvGrpSpPr>
@@ -2557,7 +2558,7 @@
       </p:grpSpPr>
       <p:sp>
         <p:nvSpPr>
-          <p:cNvPr id="294" name="Shape 294"/>
+          <p:cNvPr id="306" name="Shape 306"/>
           <p:cNvSpPr>
             <a:spLocks noGrp="1" noRot="1" noChangeAspect="1"/>
           </p:cNvSpPr>
@@ -2598,7 +2599,7 @@
       </p:sp>
       <p:sp>
         <p:nvSpPr>
-          <p:cNvPr id="295" name="Shape 295"/>
+          <p:cNvPr id="307" name="Shape 307"/>
           <p:cNvSpPr txBox="1">
             <a:spLocks noGrp="1"/>
           </p:cNvSpPr>
@@ -2644,7 +2645,7 @@
   <p:cSld>
     <p:spTree>
       <p:nvGrpSpPr>
-        <p:cNvPr id="1" name="Shape 299"/>
+        <p:cNvPr id="1" name="Shape 313"/>
         <p:cNvGrpSpPr/>
         <p:nvPr/>
       </p:nvGrpSpPr>
@@ -2658,7 +2659,7 @@
       </p:grpSpPr>
       <p:sp>
         <p:nvSpPr>
-          <p:cNvPr id="300" name="Shape 300"/>
+          <p:cNvPr id="314" name="Shape 314"/>
           <p:cNvSpPr>
             <a:spLocks noGrp="1" noRot="1" noChangeAspect="1"/>
           </p:cNvSpPr>
@@ -2699,7 +2700,7 @@
       </p:sp>
       <p:sp>
         <p:nvSpPr>
-          <p:cNvPr id="301" name="Shape 301"/>
+          <p:cNvPr id="315" name="Shape 315"/>
           <p:cNvSpPr txBox="1">
             <a:spLocks noGrp="1"/>
           </p:cNvSpPr>
@@ -2769,7 +2770,7 @@
         </p:nvSpPr>
         <p:spPr>
           <a:xfrm>
-            <a:off x="381000" y="685800"/>
+            <a:off x="381300" y="685800"/>
             <a:ext cx="6096000" cy="3429000"/>
           </a:xfrm>
           <a:custGeom>
@@ -2846,7 +2847,7 @@
   <p:cSld>
     <p:spTree>
       <p:nvGrpSpPr>
-        <p:cNvPr id="1" name="Shape 305"/>
+        <p:cNvPr id="1" name="Shape 319"/>
         <p:cNvGrpSpPr/>
         <p:nvPr/>
       </p:nvGrpSpPr>
@@ -2860,7 +2861,7 @@
       </p:grpSpPr>
       <p:sp>
         <p:nvSpPr>
-          <p:cNvPr id="306" name="Shape 306"/>
+          <p:cNvPr id="320" name="Shape 320"/>
           <p:cNvSpPr>
             <a:spLocks noGrp="1" noRot="1" noChangeAspect="1"/>
           </p:cNvSpPr>
@@ -2901,7 +2902,7 @@
       </p:sp>
       <p:sp>
         <p:nvSpPr>
-          <p:cNvPr id="307" name="Shape 307"/>
+          <p:cNvPr id="321" name="Shape 321"/>
           <p:cNvSpPr txBox="1">
             <a:spLocks noGrp="1"/>
           </p:cNvSpPr>
@@ -2947,7 +2948,7 @@
   <p:cSld>
     <p:spTree>
       <p:nvGrpSpPr>
-        <p:cNvPr id="1" name="Shape 311"/>
+        <p:cNvPr id="1" name="Shape 325"/>
         <p:cNvGrpSpPr/>
         <p:nvPr/>
       </p:nvGrpSpPr>
@@ -2961,7 +2962,7 @@
       </p:grpSpPr>
       <p:sp>
         <p:nvSpPr>
-          <p:cNvPr id="312" name="Shape 312"/>
+          <p:cNvPr id="326" name="Shape 326"/>
           <p:cNvSpPr>
             <a:spLocks noGrp="1" noRot="1" noChangeAspect="1"/>
           </p:cNvSpPr>
@@ -3002,7 +3003,7 @@
       </p:sp>
       <p:sp>
         <p:nvSpPr>
-          <p:cNvPr id="313" name="Shape 313"/>
+          <p:cNvPr id="327" name="Shape 327"/>
           <p:cNvSpPr txBox="1">
             <a:spLocks noGrp="1"/>
           </p:cNvSpPr>
@@ -3048,7 +3049,7 @@
   <p:cSld>
     <p:spTree>
       <p:nvGrpSpPr>
-        <p:cNvPr id="1" name="Shape 317"/>
+        <p:cNvPr id="1" name="Shape 331"/>
         <p:cNvGrpSpPr/>
         <p:nvPr/>
       </p:nvGrpSpPr>
@@ -3062,7 +3063,7 @@
       </p:grpSpPr>
       <p:sp>
         <p:nvSpPr>
-          <p:cNvPr id="318" name="Shape 318"/>
+          <p:cNvPr id="332" name="Shape 332"/>
           <p:cNvSpPr>
             <a:spLocks noGrp="1" noRot="1" noChangeAspect="1"/>
           </p:cNvSpPr>
@@ -3103,7 +3104,7 @@
       </p:sp>
       <p:sp>
         <p:nvSpPr>
-          <p:cNvPr id="319" name="Shape 319"/>
+          <p:cNvPr id="333" name="Shape 333"/>
           <p:cNvSpPr txBox="1">
             <a:spLocks noGrp="1"/>
           </p:cNvSpPr>
@@ -3149,7 +3150,7 @@
   <p:cSld>
     <p:spTree>
       <p:nvGrpSpPr>
-        <p:cNvPr id="1" name="Shape 323"/>
+        <p:cNvPr id="1" name="Shape 337"/>
         <p:cNvGrpSpPr/>
         <p:nvPr/>
       </p:nvGrpSpPr>
@@ -3163,7 +3164,7 @@
       </p:grpSpPr>
       <p:sp>
         <p:nvSpPr>
-          <p:cNvPr id="324" name="Shape 324"/>
+          <p:cNvPr id="338" name="Shape 338"/>
           <p:cNvSpPr>
             <a:spLocks noGrp="1" noRot="1" noChangeAspect="1"/>
           </p:cNvSpPr>
@@ -3204,7 +3205,7 @@
       </p:sp>
       <p:sp>
         <p:nvSpPr>
-          <p:cNvPr id="325" name="Shape 325"/>
+          <p:cNvPr id="339" name="Shape 339"/>
           <p:cNvSpPr txBox="1">
             <a:spLocks noGrp="1"/>
           </p:cNvSpPr>
@@ -3227,7 +3228,7 @@
           </a:bodyPr>
           <a:lstStyle/>
           <a:p>
-            <a:pPr lvl="0">
+            <a:pPr lvl="0" rtl="0">
               <a:spcBef>
                 <a:spcPts val="0"/>
               </a:spcBef>
@@ -3250,7 +3251,7 @@
   <p:cSld>
     <p:spTree>
       <p:nvGrpSpPr>
-        <p:cNvPr id="1" name="Shape 328"/>
+        <p:cNvPr id="1" name="Shape 343"/>
         <p:cNvGrpSpPr/>
         <p:nvPr/>
       </p:nvGrpSpPr>
@@ -3264,7 +3265,7 @@
       </p:grpSpPr>
       <p:sp>
         <p:nvSpPr>
-          <p:cNvPr id="329" name="Shape 329"/>
+          <p:cNvPr id="344" name="Shape 344"/>
           <p:cNvSpPr>
             <a:spLocks noGrp="1" noRot="1" noChangeAspect="1"/>
           </p:cNvSpPr>
@@ -3305,7 +3306,7 @@
       </p:sp>
       <p:sp>
         <p:nvSpPr>
-          <p:cNvPr id="330" name="Shape 330"/>
+          <p:cNvPr id="345" name="Shape 345"/>
           <p:cNvSpPr txBox="1">
             <a:spLocks noGrp="1"/>
           </p:cNvSpPr>
@@ -3351,7 +3352,7 @@
   <p:cSld>
     <p:spTree>
       <p:nvGrpSpPr>
-        <p:cNvPr id="1" name="Shape 356"/>
+        <p:cNvPr id="1" name="Shape 348"/>
         <p:cNvGrpSpPr/>
         <p:nvPr/>
       </p:nvGrpSpPr>
@@ -3365,7 +3366,7 @@
       </p:grpSpPr>
       <p:sp>
         <p:nvSpPr>
-          <p:cNvPr id="357" name="Shape 357"/>
+          <p:cNvPr id="349" name="Shape 349"/>
           <p:cNvSpPr>
             <a:spLocks noGrp="1" noRot="1" noChangeAspect="1"/>
           </p:cNvSpPr>
@@ -3406,7 +3407,7 @@
       </p:sp>
       <p:sp>
         <p:nvSpPr>
-          <p:cNvPr id="358" name="Shape 358"/>
+          <p:cNvPr id="350" name="Shape 350"/>
           <p:cNvSpPr txBox="1">
             <a:spLocks noGrp="1"/>
           </p:cNvSpPr>
@@ -3452,7 +3453,7 @@
   <p:cSld>
     <p:spTree>
       <p:nvGrpSpPr>
-        <p:cNvPr id="1" name="Shape 366"/>
+        <p:cNvPr id="1" name="Shape 376"/>
         <p:cNvGrpSpPr/>
         <p:nvPr/>
       </p:nvGrpSpPr>
@@ -3466,7 +3467,7 @@
       </p:grpSpPr>
       <p:sp>
         <p:nvSpPr>
-          <p:cNvPr id="367" name="Shape 367"/>
+          <p:cNvPr id="377" name="Shape 377"/>
           <p:cNvSpPr>
             <a:spLocks noGrp="1" noRot="1" noChangeAspect="1"/>
           </p:cNvSpPr>
@@ -3507,7 +3508,7 @@
       </p:sp>
       <p:sp>
         <p:nvSpPr>
-          <p:cNvPr id="368" name="Shape 368"/>
+          <p:cNvPr id="378" name="Shape 378"/>
           <p:cNvSpPr txBox="1">
             <a:spLocks noGrp="1"/>
           </p:cNvSpPr>
@@ -3553,7 +3554,7 @@
   <p:cSld>
     <p:spTree>
       <p:nvGrpSpPr>
-        <p:cNvPr id="1" name="Shape 373"/>
+        <p:cNvPr id="1" name="Shape 386"/>
         <p:cNvGrpSpPr/>
         <p:nvPr/>
       </p:nvGrpSpPr>
@@ -3567,7 +3568,7 @@
       </p:grpSpPr>
       <p:sp>
         <p:nvSpPr>
-          <p:cNvPr id="374" name="Shape 374"/>
+          <p:cNvPr id="387" name="Shape 387"/>
           <p:cNvSpPr>
             <a:spLocks noGrp="1" noRot="1" noChangeAspect="1"/>
           </p:cNvSpPr>
@@ -3608,7 +3609,7 @@
       </p:sp>
       <p:sp>
         <p:nvSpPr>
-          <p:cNvPr id="375" name="Shape 375"/>
+          <p:cNvPr id="388" name="Shape 388"/>
           <p:cNvSpPr txBox="1">
             <a:spLocks noGrp="1"/>
           </p:cNvSpPr>
@@ -3654,7 +3655,7 @@
   <p:cSld>
     <p:spTree>
       <p:nvGrpSpPr>
-        <p:cNvPr id="1" name="Shape 381"/>
+        <p:cNvPr id="1" name="Shape 393"/>
         <p:cNvGrpSpPr/>
         <p:nvPr/>
       </p:nvGrpSpPr>
@@ -3668,7 +3669,7 @@
       </p:grpSpPr>
       <p:sp>
         <p:nvSpPr>
-          <p:cNvPr id="382" name="Shape 382"/>
+          <p:cNvPr id="394" name="Shape 394"/>
           <p:cNvSpPr>
             <a:spLocks noGrp="1" noRot="1" noChangeAspect="1"/>
           </p:cNvSpPr>
@@ -3709,7 +3710,7 @@
       </p:sp>
       <p:sp>
         <p:nvSpPr>
-          <p:cNvPr id="383" name="Shape 383"/>
+          <p:cNvPr id="395" name="Shape 395"/>
           <p:cNvSpPr txBox="1">
             <a:spLocks noGrp="1"/>
           </p:cNvSpPr>
@@ -3755,7 +3756,7 @@
   <p:cSld>
     <p:spTree>
       <p:nvGrpSpPr>
-        <p:cNvPr id="1" name="Shape 387"/>
+        <p:cNvPr id="1" name="Shape 401"/>
         <p:cNvGrpSpPr/>
         <p:nvPr/>
       </p:nvGrpSpPr>
@@ -3769,7 +3770,7 @@
       </p:grpSpPr>
       <p:sp>
         <p:nvSpPr>
-          <p:cNvPr id="388" name="Shape 388"/>
+          <p:cNvPr id="402" name="Shape 402"/>
           <p:cNvSpPr>
             <a:spLocks noGrp="1" noRot="1" noChangeAspect="1"/>
           </p:cNvSpPr>
@@ -3810,7 +3811,7 @@
       </p:sp>
       <p:sp>
         <p:nvSpPr>
-          <p:cNvPr id="389" name="Shape 389"/>
+          <p:cNvPr id="403" name="Shape 403"/>
           <p:cNvSpPr txBox="1">
             <a:spLocks noGrp="1"/>
           </p:cNvSpPr>
@@ -3856,7 +3857,7 @@
   <p:cSld>
     <p:spTree>
       <p:nvGrpSpPr>
-        <p:cNvPr id="1" name="Shape 128"/>
+        <p:cNvPr id="1" name="Shape 129"/>
         <p:cNvGrpSpPr/>
         <p:nvPr/>
       </p:nvGrpSpPr>
@@ -3870,7 +3871,7 @@
       </p:grpSpPr>
       <p:sp>
         <p:nvSpPr>
-          <p:cNvPr id="129" name="Shape 129"/>
+          <p:cNvPr id="130" name="Shape 130"/>
           <p:cNvSpPr>
             <a:spLocks noGrp="1" noRot="1" noChangeAspect="1"/>
           </p:cNvSpPr>
@@ -3911,7 +3912,7 @@
       </p:sp>
       <p:sp>
         <p:nvSpPr>
-          <p:cNvPr id="130" name="Shape 130"/>
+          <p:cNvPr id="131" name="Shape 131"/>
           <p:cNvSpPr txBox="1">
             <a:spLocks noGrp="1"/>
           </p:cNvSpPr>
@@ -3957,7 +3958,7 @@
   <p:cSld>
     <p:spTree>
       <p:nvGrpSpPr>
-        <p:cNvPr id="1" name="Shape 393"/>
+        <p:cNvPr id="1" name="Shape 407"/>
         <p:cNvGrpSpPr/>
         <p:nvPr/>
       </p:nvGrpSpPr>
@@ -3971,7 +3972,7 @@
       </p:grpSpPr>
       <p:sp>
         <p:nvSpPr>
-          <p:cNvPr id="394" name="Shape 394"/>
+          <p:cNvPr id="408" name="Shape 408"/>
           <p:cNvSpPr>
             <a:spLocks noGrp="1" noRot="1" noChangeAspect="1"/>
           </p:cNvSpPr>
@@ -4012,7 +4013,7 @@
       </p:sp>
       <p:sp>
         <p:nvSpPr>
-          <p:cNvPr id="395" name="Shape 395"/>
+          <p:cNvPr id="409" name="Shape 409"/>
           <p:cNvSpPr txBox="1">
             <a:spLocks noGrp="1"/>
           </p:cNvSpPr>
@@ -4058,7 +4059,7 @@
   <p:cSld>
     <p:spTree>
       <p:nvGrpSpPr>
-        <p:cNvPr id="1" name="Shape 401"/>
+        <p:cNvPr id="1" name="Shape 413"/>
         <p:cNvGrpSpPr/>
         <p:nvPr/>
       </p:nvGrpSpPr>
@@ -4072,7 +4073,7 @@
       </p:grpSpPr>
       <p:sp>
         <p:nvSpPr>
-          <p:cNvPr id="402" name="Shape 402"/>
+          <p:cNvPr id="414" name="Shape 414"/>
           <p:cNvSpPr>
             <a:spLocks noGrp="1" noRot="1" noChangeAspect="1"/>
           </p:cNvSpPr>
@@ -4113,7 +4114,7 @@
       </p:sp>
       <p:sp>
         <p:nvSpPr>
-          <p:cNvPr id="403" name="Shape 403"/>
+          <p:cNvPr id="415" name="Shape 415"/>
           <p:cNvSpPr txBox="1">
             <a:spLocks noGrp="1"/>
           </p:cNvSpPr>
@@ -4159,7 +4160,7 @@
   <p:cSld>
     <p:spTree>
       <p:nvGrpSpPr>
-        <p:cNvPr id="1" name="Shape 409"/>
+        <p:cNvPr id="1" name="Shape 421"/>
         <p:cNvGrpSpPr/>
         <p:nvPr/>
       </p:nvGrpSpPr>
@@ -4173,7 +4174,7 @@
       </p:grpSpPr>
       <p:sp>
         <p:nvSpPr>
-          <p:cNvPr id="410" name="Shape 410"/>
+          <p:cNvPr id="422" name="Shape 422"/>
           <p:cNvSpPr>
             <a:spLocks noGrp="1" noRot="1" noChangeAspect="1"/>
           </p:cNvSpPr>
@@ -4214,7 +4215,7 @@
       </p:sp>
       <p:sp>
         <p:nvSpPr>
-          <p:cNvPr id="411" name="Shape 411"/>
+          <p:cNvPr id="423" name="Shape 423"/>
           <p:cNvSpPr txBox="1">
             <a:spLocks noGrp="1"/>
           </p:cNvSpPr>
@@ -4237,7 +4238,7 @@
           </a:bodyPr>
           <a:lstStyle/>
           <a:p>
-            <a:pPr lvl="0" rtl="0">
+            <a:pPr lvl="0">
               <a:spcBef>
                 <a:spcPts val="0"/>
               </a:spcBef>
@@ -4260,7 +4261,7 @@
   <p:cSld>
     <p:spTree>
       <p:nvGrpSpPr>
-        <p:cNvPr id="1" name="Shape 415"/>
+        <p:cNvPr id="1" name="Shape 429"/>
         <p:cNvGrpSpPr/>
         <p:nvPr/>
       </p:nvGrpSpPr>
@@ -4274,7 +4275,7 @@
       </p:grpSpPr>
       <p:sp>
         <p:nvSpPr>
-          <p:cNvPr id="416" name="Shape 416"/>
+          <p:cNvPr id="430" name="Shape 430"/>
           <p:cNvSpPr>
             <a:spLocks noGrp="1" noRot="1" noChangeAspect="1"/>
           </p:cNvSpPr>
@@ -4315,7 +4316,7 @@
       </p:sp>
       <p:sp>
         <p:nvSpPr>
-          <p:cNvPr id="417" name="Shape 417"/>
+          <p:cNvPr id="431" name="Shape 431"/>
           <p:cNvSpPr txBox="1">
             <a:spLocks noGrp="1"/>
           </p:cNvSpPr>
@@ -4361,7 +4362,7 @@
   <p:cSld>
     <p:spTree>
       <p:nvGrpSpPr>
-        <p:cNvPr id="1" name="Shape 421"/>
+        <p:cNvPr id="1" name="Shape 435"/>
         <p:cNvGrpSpPr/>
         <p:nvPr/>
       </p:nvGrpSpPr>
@@ -4375,7 +4376,7 @@
       </p:grpSpPr>
       <p:sp>
         <p:nvSpPr>
-          <p:cNvPr id="422" name="Shape 422"/>
+          <p:cNvPr id="436" name="Shape 436"/>
           <p:cNvSpPr>
             <a:spLocks noGrp="1" noRot="1" noChangeAspect="1"/>
           </p:cNvSpPr>
@@ -4416,7 +4417,7 @@
       </p:sp>
       <p:sp>
         <p:nvSpPr>
-          <p:cNvPr id="423" name="Shape 423"/>
+          <p:cNvPr id="437" name="Shape 437"/>
           <p:cNvSpPr txBox="1">
             <a:spLocks noGrp="1"/>
           </p:cNvSpPr>
@@ -4457,12 +4458,12 @@
 </p:notes>
 </file>
 
-<file path=ppt/notesSlides/notesSlide5.xml><?xml version="1.0" encoding="utf-8"?>
+<file path=ppt/notesSlides/notesSlide45.xml><?xml version="1.0" encoding="utf-8"?>
 <p:notes xmlns:a="http://schemas.openxmlformats.org/drawingml/2006/main" xmlns:r="http://schemas.openxmlformats.org/officeDocument/2006/relationships" xmlns:p="http://schemas.openxmlformats.org/presentationml/2006/main" showMasterSp="0" showMasterPhAnim="0">
   <p:cSld>
     <p:spTree>
       <p:nvGrpSpPr>
-        <p:cNvPr id="1" name="Shape 134"/>
+        <p:cNvPr id="1" name="Shape 441"/>
         <p:cNvGrpSpPr/>
         <p:nvPr/>
       </p:nvGrpSpPr>
@@ -4476,7 +4477,7 @@
       </p:grpSpPr>
       <p:sp>
         <p:nvSpPr>
-          <p:cNvPr id="135" name="Shape 135"/>
+          <p:cNvPr id="442" name="Shape 442"/>
           <p:cNvSpPr>
             <a:spLocks noGrp="1" noRot="1" noChangeAspect="1"/>
           </p:cNvSpPr>
@@ -4517,7 +4518,209 @@
       </p:sp>
       <p:sp>
         <p:nvSpPr>
+          <p:cNvPr id="443" name="Shape 443"/>
+          <p:cNvSpPr txBox="1">
+            <a:spLocks noGrp="1"/>
+          </p:cNvSpPr>
+          <p:nvPr>
+            <p:ph type="body" idx="1"/>
+          </p:nvPr>
+        </p:nvSpPr>
+        <p:spPr>
+          <a:xfrm>
+            <a:off x="685800" y="4343400"/>
+            <a:ext cx="5486400" cy="4114800"/>
+          </a:xfrm>
+          <a:prstGeom prst="rect">
+            <a:avLst/>
+          </a:prstGeom>
+        </p:spPr>
+        <p:txBody>
+          <a:bodyPr lIns="91425" tIns="91425" rIns="91425" bIns="91425" anchor="t" anchorCtr="0">
+            <a:noAutofit/>
+          </a:bodyPr>
+          <a:lstStyle/>
+          <a:p>
+            <a:pPr lvl="0" rtl="0">
+              <a:spcBef>
+                <a:spcPts val="0"/>
+              </a:spcBef>
+              <a:buNone/>
+            </a:pPr>
+            <a:endParaRPr/>
+          </a:p>
+        </p:txBody>
+      </p:sp>
+    </p:spTree>
+  </p:cSld>
+  <p:clrMapOvr>
+    <a:masterClrMapping/>
+  </p:clrMapOvr>
+</p:notes>
+</file>
+
+<file path=ppt/notesSlides/notesSlide46.xml><?xml version="1.0" encoding="utf-8"?>
+<p:notes xmlns:a="http://schemas.openxmlformats.org/drawingml/2006/main" xmlns:r="http://schemas.openxmlformats.org/officeDocument/2006/relationships" xmlns:p="http://schemas.openxmlformats.org/presentationml/2006/main" showMasterSp="0" showMasterPhAnim="0">
+  <p:cSld>
+    <p:spTree>
+      <p:nvGrpSpPr>
+        <p:cNvPr id="1" name="Shape 447"/>
+        <p:cNvGrpSpPr/>
+        <p:nvPr/>
+      </p:nvGrpSpPr>
+      <p:grpSpPr>
+        <a:xfrm>
+          <a:off x="0" y="0"/>
+          <a:ext cx="0" cy="0"/>
+          <a:chOff x="0" y="0"/>
+          <a:chExt cx="0" cy="0"/>
+        </a:xfrm>
+      </p:grpSpPr>
+      <p:sp>
+        <p:nvSpPr>
+          <p:cNvPr id="448" name="Shape 448"/>
+          <p:cNvSpPr>
+            <a:spLocks noGrp="1" noRot="1" noChangeAspect="1"/>
+          </p:cNvSpPr>
+          <p:nvPr>
+            <p:ph type="sldImg" idx="2"/>
+          </p:nvPr>
+        </p:nvSpPr>
+        <p:spPr>
+          <a:xfrm>
+            <a:off x="381300" y="685800"/>
+            <a:ext cx="6096000" cy="3429000"/>
+          </a:xfrm>
+          <a:custGeom>
+            <a:avLst/>
+            <a:gdLst/>
+            <a:ahLst/>
+            <a:cxnLst/>
+            <a:rect l="0" t="0" r="0" b="0"/>
+            <a:pathLst>
+              <a:path w="120000" h="120000" extrusionOk="0">
+                <a:moveTo>
+                  <a:pt x="0" y="0"/>
+                </a:moveTo>
+                <a:lnTo>
+                  <a:pt x="120000" y="0"/>
+                </a:lnTo>
+                <a:lnTo>
+                  <a:pt x="120000" y="120000"/>
+                </a:lnTo>
+                <a:lnTo>
+                  <a:pt x="0" y="120000"/>
+                </a:lnTo>
+                <a:close/>
+              </a:path>
+            </a:pathLst>
+          </a:custGeom>
+        </p:spPr>
+      </p:sp>
+      <p:sp>
+        <p:nvSpPr>
+          <p:cNvPr id="449" name="Shape 449"/>
+          <p:cNvSpPr txBox="1">
+            <a:spLocks noGrp="1"/>
+          </p:cNvSpPr>
+          <p:nvPr>
+            <p:ph type="body" idx="1"/>
+          </p:nvPr>
+        </p:nvSpPr>
+        <p:spPr>
+          <a:xfrm>
+            <a:off x="685800" y="4343400"/>
+            <a:ext cx="5486400" cy="4114800"/>
+          </a:xfrm>
+          <a:prstGeom prst="rect">
+            <a:avLst/>
+          </a:prstGeom>
+        </p:spPr>
+        <p:txBody>
+          <a:bodyPr lIns="91425" tIns="91425" rIns="91425" bIns="91425" anchor="t" anchorCtr="0">
+            <a:noAutofit/>
+          </a:bodyPr>
+          <a:lstStyle/>
+          <a:p>
+            <a:pPr lvl="0" rtl="0">
+              <a:spcBef>
+                <a:spcPts val="0"/>
+              </a:spcBef>
+              <a:buNone/>
+            </a:pPr>
+            <a:endParaRPr/>
+          </a:p>
+        </p:txBody>
+      </p:sp>
+    </p:spTree>
+  </p:cSld>
+  <p:clrMapOvr>
+    <a:masterClrMapping/>
+  </p:clrMapOvr>
+</p:notes>
+</file>
+
+<file path=ppt/notesSlides/notesSlide5.xml><?xml version="1.0" encoding="utf-8"?>
+<p:notes xmlns:a="http://schemas.openxmlformats.org/drawingml/2006/main" xmlns:r="http://schemas.openxmlformats.org/officeDocument/2006/relationships" xmlns:p="http://schemas.openxmlformats.org/presentationml/2006/main" showMasterSp="0" showMasterPhAnim="0">
+  <p:cSld>
+    <p:spTree>
+      <p:nvGrpSpPr>
+        <p:cNvPr id="1" name="Shape 135"/>
+        <p:cNvGrpSpPr/>
+        <p:nvPr/>
+      </p:nvGrpSpPr>
+      <p:grpSpPr>
+        <a:xfrm>
+          <a:off x="0" y="0"/>
+          <a:ext cx="0" cy="0"/>
+          <a:chOff x="0" y="0"/>
+          <a:chExt cx="0" cy="0"/>
+        </a:xfrm>
+      </p:grpSpPr>
+      <p:sp>
+        <p:nvSpPr>
           <p:cNvPr id="136" name="Shape 136"/>
+          <p:cNvSpPr>
+            <a:spLocks noGrp="1" noRot="1" noChangeAspect="1"/>
+          </p:cNvSpPr>
+          <p:nvPr>
+            <p:ph type="sldImg" idx="2"/>
+          </p:nvPr>
+        </p:nvSpPr>
+        <p:spPr>
+          <a:xfrm>
+            <a:off x="381300" y="685800"/>
+            <a:ext cx="6096000" cy="3429000"/>
+          </a:xfrm>
+          <a:custGeom>
+            <a:avLst/>
+            <a:gdLst/>
+            <a:ahLst/>
+            <a:cxnLst/>
+            <a:rect l="0" t="0" r="0" b="0"/>
+            <a:pathLst>
+              <a:path w="120000" h="120000" extrusionOk="0">
+                <a:moveTo>
+                  <a:pt x="0" y="0"/>
+                </a:moveTo>
+                <a:lnTo>
+                  <a:pt x="120000" y="0"/>
+                </a:lnTo>
+                <a:lnTo>
+                  <a:pt x="120000" y="120000"/>
+                </a:lnTo>
+                <a:lnTo>
+                  <a:pt x="0" y="120000"/>
+                </a:lnTo>
+                <a:close/>
+              </a:path>
+            </a:pathLst>
+          </a:custGeom>
+        </p:spPr>
+      </p:sp>
+      <p:sp>
+        <p:nvSpPr>
+          <p:cNvPr id="137" name="Shape 137"/>
           <p:cNvSpPr txBox="1">
             <a:spLocks noGrp="1"/>
           </p:cNvSpPr>
@@ -4843,7 +5046,7 @@
           </a:bodyPr>
           <a:lstStyle/>
           <a:p>
-            <a:pPr lvl="0" rtl="0">
+            <a:pPr lvl="0">
               <a:spcBef>
                 <a:spcPts val="0"/>
               </a:spcBef>
@@ -11531,7 +11734,7 @@
   <p:cSld>
     <p:spTree>
       <p:nvGrpSpPr>
-        <p:cNvPr id="1" name="Shape 162"/>
+        <p:cNvPr id="1" name="Shape 170"/>
         <p:cNvGrpSpPr/>
         <p:nvPr/>
       </p:nvGrpSpPr>
@@ -11545,7 +11748,7 @@
       </p:grpSpPr>
       <p:sp>
         <p:nvSpPr>
-          <p:cNvPr id="163" name="Shape 163"/>
+          <p:cNvPr id="171" name="Shape 171"/>
           <p:cNvSpPr txBox="1">
             <a:spLocks noGrp="1"/>
           </p:cNvSpPr>
@@ -11583,7 +11786,7 @@
       </p:sp>
       <p:sp>
         <p:nvSpPr>
-          <p:cNvPr id="164" name="Shape 164"/>
+          <p:cNvPr id="172" name="Shape 172"/>
           <p:cNvSpPr txBox="1">
             <a:spLocks noGrp="1"/>
           </p:cNvSpPr>
@@ -11666,7 +11869,7 @@
       </p:sp>
       <p:pic>
         <p:nvPicPr>
-          <p:cNvPr id="165" name="Shape 165"/>
+          <p:cNvPr id="173" name="Shape 173"/>
           <p:cNvPicPr preferRelativeResize="0"/>
           <p:nvPr/>
         </p:nvPicPr>
@@ -11692,6 +11895,145 @@
           </a:ln>
         </p:spPr>
       </p:pic>
+      <p:graphicFrame>
+        <p:nvGraphicFramePr>
+          <p:cNvPr id="174" name="Shape 174"/>
+          <p:cNvGraphicFramePr/>
+          <p:nvPr/>
+        </p:nvGraphicFramePr>
+        <p:xfrm>
+          <a:off x="4496575" y="4305675"/>
+          <a:ext cx="3544950" cy="457170"/>
+        </p:xfrm>
+        <a:graphic>
+          <a:graphicData uri="http://schemas.openxmlformats.org/drawingml/2006/table">
+            <a:tbl>
+              <a:tblPr>
+                <a:noFill/>
+                <a:tableStyleId>{BE830A24-B3AD-4CCF-8FEA-9583EB577766}</a:tableStyleId>
+              </a:tblPr>
+              <a:tblGrid>
+                <a:gridCol w="1106375"/>
+                <a:gridCol w="2438575"/>
+              </a:tblGrid>
+              <a:tr h="381000">
+                <a:tc>
+                  <a:txBody>
+                    <a:bodyPr/>
+                    <a:lstStyle/>
+                    <a:p>
+                      <a:pPr lvl="0" algn="ctr" rtl="0">
+                        <a:spcBef>
+                          <a:spcPts val="0"/>
+                        </a:spcBef>
+                        <a:buNone/>
+                      </a:pPr>
+                      <a:r>
+                        <a:rPr lang="en" sz="1800"/>
+                        <a:t>id</a:t>
+                      </a:r>
+                    </a:p>
+                  </a:txBody>
+                  <a:tcPr marL="91425" marR="91425" marT="91425" marB="91425" anchor="ctr">
+                    <a:lnL w="38100" cap="flat" cmpd="sng">
+                      <a:solidFill>
+                        <a:srgbClr val="FF9900"/>
+                      </a:solidFill>
+                      <a:prstDash val="solid"/>
+                      <a:round/>
+                      <a:headEnd type="none" w="med" len="med"/>
+                      <a:tailEnd type="none" w="med" len="med"/>
+                    </a:lnL>
+                    <a:lnR w="38100" cap="flat" cmpd="sng">
+                      <a:solidFill>
+                        <a:srgbClr val="FF9900"/>
+                      </a:solidFill>
+                      <a:prstDash val="solid"/>
+                      <a:round/>
+                      <a:headEnd type="none" w="med" len="med"/>
+                      <a:tailEnd type="none" w="med" len="med"/>
+                    </a:lnR>
+                    <a:lnT w="38100" cap="flat" cmpd="sng">
+                      <a:solidFill>
+                        <a:srgbClr val="FF9900"/>
+                      </a:solidFill>
+                      <a:prstDash val="solid"/>
+                      <a:round/>
+                      <a:headEnd type="none" w="med" len="med"/>
+                      <a:tailEnd type="none" w="med" len="med"/>
+                    </a:lnT>
+                    <a:lnB w="38100" cap="flat" cmpd="sng">
+                      <a:solidFill>
+                        <a:srgbClr val="FF9900"/>
+                      </a:solidFill>
+                      <a:prstDash val="solid"/>
+                      <a:round/>
+                      <a:headEnd type="none" w="med" len="med"/>
+                      <a:tailEnd type="none" w="med" len="med"/>
+                    </a:lnB>
+                  </a:tcPr>
+                </a:tc>
+                <a:tc>
+                  <a:txBody>
+                    <a:bodyPr/>
+                    <a:lstStyle/>
+                    <a:p>
+                      <a:pPr lvl="0" algn="ctr" rtl="0">
+                        <a:spcBef>
+                          <a:spcPts val="0"/>
+                        </a:spcBef>
+                        <a:buNone/>
+                      </a:pPr>
+                      <a:r>
+                        <a:rPr lang="en" sz="1800"/>
+                        <a:t>parentPathToRoot</a:t>
+                      </a:r>
+                    </a:p>
+                  </a:txBody>
+                  <a:tcPr marL="91425" marR="91425" marT="91425" marB="91425" anchor="ctr">
+                    <a:lnL w="38100" cap="flat" cmpd="sng">
+                      <a:solidFill>
+                        <a:srgbClr val="FF9900"/>
+                      </a:solidFill>
+                      <a:prstDash val="solid"/>
+                      <a:round/>
+                      <a:headEnd type="none" w="med" len="med"/>
+                      <a:tailEnd type="none" w="med" len="med"/>
+                    </a:lnL>
+                    <a:lnR w="38100" cap="flat" cmpd="sng">
+                      <a:solidFill>
+                        <a:srgbClr val="FF9900"/>
+                      </a:solidFill>
+                      <a:prstDash val="solid"/>
+                      <a:round/>
+                      <a:headEnd type="none" w="med" len="med"/>
+                      <a:tailEnd type="none" w="med" len="med"/>
+                    </a:lnR>
+                    <a:lnT w="38100" cap="flat" cmpd="sng">
+                      <a:solidFill>
+                        <a:srgbClr val="FF9900"/>
+                      </a:solidFill>
+                      <a:prstDash val="solid"/>
+                      <a:round/>
+                      <a:headEnd type="none" w="med" len="med"/>
+                      <a:tailEnd type="none" w="med" len="med"/>
+                    </a:lnT>
+                    <a:lnB w="38100" cap="flat" cmpd="sng">
+                      <a:solidFill>
+                        <a:srgbClr val="FF9900"/>
+                      </a:solidFill>
+                      <a:prstDash val="solid"/>
+                      <a:round/>
+                      <a:headEnd type="none" w="med" len="med"/>
+                      <a:tailEnd type="none" w="med" len="med"/>
+                    </a:lnB>
+                  </a:tcPr>
+                </a:tc>
+              </a:tr>
+            </a:tbl>
+          </a:graphicData>
+        </a:graphic>
+      </p:graphicFrame>
     </p:spTree>
   </p:cSld>
   <p:clrMapOvr>
@@ -11705,7 +12047,7 @@
   <p:cSld>
     <p:spTree>
       <p:nvGrpSpPr>
-        <p:cNvPr id="1" name="Shape 169"/>
+        <p:cNvPr id="1" name="Shape 178"/>
         <p:cNvGrpSpPr/>
         <p:nvPr/>
       </p:nvGrpSpPr>
@@ -11719,7 +12061,7 @@
       </p:grpSpPr>
       <p:sp>
         <p:nvSpPr>
-          <p:cNvPr id="170" name="Shape 170"/>
+          <p:cNvPr id="179" name="Shape 179"/>
           <p:cNvSpPr txBox="1">
             <a:spLocks noGrp="1"/>
           </p:cNvSpPr>
@@ -11757,7 +12099,7 @@
       </p:sp>
       <p:sp>
         <p:nvSpPr>
-          <p:cNvPr id="171" name="Shape 171"/>
+          <p:cNvPr id="180" name="Shape 180"/>
           <p:cNvSpPr txBox="1">
             <a:spLocks noGrp="1"/>
           </p:cNvSpPr>
@@ -11840,7 +12182,7 @@
       </p:sp>
       <p:pic>
         <p:nvPicPr>
-          <p:cNvPr id="172" name="Shape 172"/>
+          <p:cNvPr id="181" name="Shape 181"/>
           <p:cNvPicPr preferRelativeResize="0"/>
           <p:nvPr/>
         </p:nvPicPr>
@@ -11854,7 +12196,7 @@
         </p:blipFill>
         <p:spPr>
           <a:xfrm>
-            <a:off x="2889450" y="772625"/>
+            <a:off x="2889450" y="544025"/>
             <a:ext cx="6140200" cy="3598250"/>
           </a:xfrm>
           <a:prstGeom prst="rect">
@@ -11866,6 +12208,145 @@
           </a:ln>
         </p:spPr>
       </p:pic>
+      <p:graphicFrame>
+        <p:nvGraphicFramePr>
+          <p:cNvPr id="182" name="Shape 182"/>
+          <p:cNvGraphicFramePr/>
+          <p:nvPr/>
+        </p:nvGraphicFramePr>
+        <p:xfrm>
+          <a:off x="4496575" y="4305675"/>
+          <a:ext cx="3544950" cy="457170"/>
+        </p:xfrm>
+        <a:graphic>
+          <a:graphicData uri="http://schemas.openxmlformats.org/drawingml/2006/table">
+            <a:tbl>
+              <a:tblPr>
+                <a:noFill/>
+                <a:tableStyleId>{BE830A24-B3AD-4CCF-8FEA-9583EB577766}</a:tableStyleId>
+              </a:tblPr>
+              <a:tblGrid>
+                <a:gridCol w="1106375"/>
+                <a:gridCol w="2438575"/>
+              </a:tblGrid>
+              <a:tr h="381000">
+                <a:tc>
+                  <a:txBody>
+                    <a:bodyPr/>
+                    <a:lstStyle/>
+                    <a:p>
+                      <a:pPr lvl="0" algn="ctr" rtl="0">
+                        <a:spcBef>
+                          <a:spcPts val="0"/>
+                        </a:spcBef>
+                        <a:buNone/>
+                      </a:pPr>
+                      <a:r>
+                        <a:rPr lang="en" sz="1800"/>
+                        <a:t>id</a:t>
+                      </a:r>
+                    </a:p>
+                  </a:txBody>
+                  <a:tcPr marL="91425" marR="91425" marT="91425" marB="91425" anchor="ctr">
+                    <a:lnL w="38100" cap="flat" cmpd="sng">
+                      <a:solidFill>
+                        <a:srgbClr val="FF9900"/>
+                      </a:solidFill>
+                      <a:prstDash val="solid"/>
+                      <a:round/>
+                      <a:headEnd type="none" w="med" len="med"/>
+                      <a:tailEnd type="none" w="med" len="med"/>
+                    </a:lnL>
+                    <a:lnR w="38100" cap="flat" cmpd="sng">
+                      <a:solidFill>
+                        <a:srgbClr val="FF9900"/>
+                      </a:solidFill>
+                      <a:prstDash val="solid"/>
+                      <a:round/>
+                      <a:headEnd type="none" w="med" len="med"/>
+                      <a:tailEnd type="none" w="med" len="med"/>
+                    </a:lnR>
+                    <a:lnT w="38100" cap="flat" cmpd="sng">
+                      <a:solidFill>
+                        <a:srgbClr val="FF9900"/>
+                      </a:solidFill>
+                      <a:prstDash val="solid"/>
+                      <a:round/>
+                      <a:headEnd type="none" w="med" len="med"/>
+                      <a:tailEnd type="none" w="med" len="med"/>
+                    </a:lnT>
+                    <a:lnB w="38100" cap="flat" cmpd="sng">
+                      <a:solidFill>
+                        <a:srgbClr val="FF9900"/>
+                      </a:solidFill>
+                      <a:prstDash val="solid"/>
+                      <a:round/>
+                      <a:headEnd type="none" w="med" len="med"/>
+                      <a:tailEnd type="none" w="med" len="med"/>
+                    </a:lnB>
+                  </a:tcPr>
+                </a:tc>
+                <a:tc>
+                  <a:txBody>
+                    <a:bodyPr/>
+                    <a:lstStyle/>
+                    <a:p>
+                      <a:pPr lvl="0" algn="ctr" rtl="0">
+                        <a:spcBef>
+                          <a:spcPts val="0"/>
+                        </a:spcBef>
+                        <a:buNone/>
+                      </a:pPr>
+                      <a:r>
+                        <a:rPr lang="en" sz="1800"/>
+                        <a:t>parentPathToRoot</a:t>
+                      </a:r>
+                    </a:p>
+                  </a:txBody>
+                  <a:tcPr marL="91425" marR="91425" marT="91425" marB="91425" anchor="ctr">
+                    <a:lnL w="38100" cap="flat" cmpd="sng">
+                      <a:solidFill>
+                        <a:srgbClr val="FF9900"/>
+                      </a:solidFill>
+                      <a:prstDash val="solid"/>
+                      <a:round/>
+                      <a:headEnd type="none" w="med" len="med"/>
+                      <a:tailEnd type="none" w="med" len="med"/>
+                    </a:lnL>
+                    <a:lnR w="38100" cap="flat" cmpd="sng">
+                      <a:solidFill>
+                        <a:srgbClr val="FF9900"/>
+                      </a:solidFill>
+                      <a:prstDash val="solid"/>
+                      <a:round/>
+                      <a:headEnd type="none" w="med" len="med"/>
+                      <a:tailEnd type="none" w="med" len="med"/>
+                    </a:lnR>
+                    <a:lnT w="38100" cap="flat" cmpd="sng">
+                      <a:solidFill>
+                        <a:srgbClr val="FF9900"/>
+                      </a:solidFill>
+                      <a:prstDash val="solid"/>
+                      <a:round/>
+                      <a:headEnd type="none" w="med" len="med"/>
+                      <a:tailEnd type="none" w="med" len="med"/>
+                    </a:lnT>
+                    <a:lnB w="38100" cap="flat" cmpd="sng">
+                      <a:solidFill>
+                        <a:srgbClr val="FF9900"/>
+                      </a:solidFill>
+                      <a:prstDash val="solid"/>
+                      <a:round/>
+                      <a:headEnd type="none" w="med" len="med"/>
+                      <a:tailEnd type="none" w="med" len="med"/>
+                    </a:lnB>
+                  </a:tcPr>
+                </a:tc>
+              </a:tr>
+            </a:tbl>
+          </a:graphicData>
+        </a:graphic>
+      </p:graphicFrame>
     </p:spTree>
   </p:cSld>
   <p:clrMapOvr>
@@ -11879,7 +12360,7 @@
   <p:cSld>
     <p:spTree>
       <p:nvGrpSpPr>
-        <p:cNvPr id="1" name="Shape 176"/>
+        <p:cNvPr id="1" name="Shape 186"/>
         <p:cNvGrpSpPr/>
         <p:nvPr/>
       </p:nvGrpSpPr>
@@ -11893,7 +12374,7 @@
       </p:grpSpPr>
       <p:sp>
         <p:nvSpPr>
-          <p:cNvPr id="177" name="Shape 177"/>
+          <p:cNvPr id="187" name="Shape 187"/>
           <p:cNvSpPr txBox="1">
             <a:spLocks noGrp="1"/>
           </p:cNvSpPr>
@@ -11942,7 +12423,7 @@
   <p:cSld>
     <p:spTree>
       <p:nvGrpSpPr>
-        <p:cNvPr id="1" name="Shape 181"/>
+        <p:cNvPr id="1" name="Shape 191"/>
         <p:cNvGrpSpPr/>
         <p:nvPr/>
       </p:nvGrpSpPr>
@@ -11956,7 +12437,7 @@
       </p:grpSpPr>
       <p:sp>
         <p:nvSpPr>
-          <p:cNvPr id="182" name="Shape 182"/>
+          <p:cNvPr id="192" name="Shape 192"/>
           <p:cNvSpPr txBox="1">
             <a:spLocks noGrp="1"/>
           </p:cNvSpPr>
@@ -11994,7 +12475,7 @@
       </p:sp>
       <p:sp>
         <p:nvSpPr>
-          <p:cNvPr id="183" name="Shape 183"/>
+          <p:cNvPr id="193" name="Shape 193"/>
           <p:cNvSpPr txBox="1">
             <a:spLocks noGrp="1"/>
           </p:cNvSpPr>
@@ -12106,7 +12587,7 @@
       </p:sp>
       <p:sp>
         <p:nvSpPr>
-          <p:cNvPr id="184" name="Shape 184"/>
+          <p:cNvPr id="194" name="Shape 194"/>
           <p:cNvSpPr txBox="1"/>
           <p:nvPr/>
         </p:nvSpPr>
@@ -12157,7 +12638,7 @@
       </p:sp>
       <p:pic>
         <p:nvPicPr>
-          <p:cNvPr id="185" name="Shape 185"/>
+          <p:cNvPr id="195" name="Shape 195"/>
           <p:cNvPicPr preferRelativeResize="0"/>
           <p:nvPr/>
         </p:nvPicPr>
@@ -12196,7 +12677,7 @@
   <p:cSld>
     <p:spTree>
       <p:nvGrpSpPr>
-        <p:cNvPr id="1" name="Shape 189"/>
+        <p:cNvPr id="1" name="Shape 199"/>
         <p:cNvGrpSpPr/>
         <p:nvPr/>
       </p:nvGrpSpPr>
@@ -12210,7 +12691,7 @@
       </p:grpSpPr>
       <p:sp>
         <p:nvSpPr>
-          <p:cNvPr id="190" name="Shape 190"/>
+          <p:cNvPr id="200" name="Shape 200"/>
           <p:cNvSpPr txBox="1">
             <a:spLocks noGrp="1"/>
           </p:cNvSpPr>
@@ -12248,7 +12729,7 @@
       </p:sp>
       <p:sp>
         <p:nvSpPr>
-          <p:cNvPr id="191" name="Shape 191"/>
+          <p:cNvPr id="201" name="Shape 201"/>
           <p:cNvSpPr txBox="1">
             <a:spLocks noGrp="1"/>
           </p:cNvSpPr>
@@ -12360,7 +12841,7 @@
       </p:sp>
       <p:sp>
         <p:nvSpPr>
-          <p:cNvPr id="192" name="Shape 192"/>
+          <p:cNvPr id="202" name="Shape 202"/>
           <p:cNvSpPr txBox="1"/>
           <p:nvPr/>
         </p:nvSpPr>
@@ -12411,7 +12892,7 @@
       </p:sp>
       <p:pic>
         <p:nvPicPr>
-          <p:cNvPr id="193" name="Shape 193"/>
+          <p:cNvPr id="203" name="Shape 203"/>
           <p:cNvPicPr preferRelativeResize="0"/>
           <p:nvPr/>
         </p:nvPicPr>
@@ -12450,7 +12931,7 @@
   <p:cSld>
     <p:spTree>
       <p:nvGrpSpPr>
-        <p:cNvPr id="1" name="Shape 197"/>
+        <p:cNvPr id="1" name="Shape 207"/>
         <p:cNvGrpSpPr/>
         <p:nvPr/>
       </p:nvGrpSpPr>
@@ -12464,7 +12945,7 @@
       </p:grpSpPr>
       <p:sp>
         <p:nvSpPr>
-          <p:cNvPr id="198" name="Shape 198"/>
+          <p:cNvPr id="208" name="Shape 208"/>
           <p:cNvSpPr txBox="1">
             <a:spLocks noGrp="1"/>
           </p:cNvSpPr>
@@ -12502,7 +12983,7 @@
       </p:sp>
       <p:sp>
         <p:nvSpPr>
-          <p:cNvPr id="199" name="Shape 199"/>
+          <p:cNvPr id="209" name="Shape 209"/>
           <p:cNvSpPr txBox="1">
             <a:spLocks noGrp="1"/>
           </p:cNvSpPr>
@@ -12614,7 +13095,7 @@
       </p:sp>
       <p:sp>
         <p:nvSpPr>
-          <p:cNvPr id="200" name="Shape 200"/>
+          <p:cNvPr id="210" name="Shape 210"/>
           <p:cNvSpPr txBox="1"/>
           <p:nvPr/>
         </p:nvSpPr>
@@ -12665,7 +13146,7 @@
       </p:sp>
       <p:pic>
         <p:nvPicPr>
-          <p:cNvPr id="201" name="Shape 201"/>
+          <p:cNvPr id="211" name="Shape 211"/>
           <p:cNvPicPr preferRelativeResize="0"/>
           <p:nvPr/>
         </p:nvPicPr>
@@ -12704,7 +13185,7 @@
   <p:cSld>
     <p:spTree>
       <p:nvGrpSpPr>
-        <p:cNvPr id="1" name="Shape 205"/>
+        <p:cNvPr id="1" name="Shape 215"/>
         <p:cNvGrpSpPr/>
         <p:nvPr/>
       </p:nvGrpSpPr>
@@ -12718,7 +13199,7 @@
       </p:grpSpPr>
       <p:sp>
         <p:nvSpPr>
-          <p:cNvPr id="206" name="Shape 206"/>
+          <p:cNvPr id="216" name="Shape 216"/>
           <p:cNvSpPr txBox="1">
             <a:spLocks noGrp="1"/>
           </p:cNvSpPr>
@@ -12756,7 +13237,7 @@
       </p:sp>
       <p:sp>
         <p:nvSpPr>
-          <p:cNvPr id="207" name="Shape 207"/>
+          <p:cNvPr id="217" name="Shape 217"/>
           <p:cNvSpPr txBox="1">
             <a:spLocks noGrp="1"/>
           </p:cNvSpPr>
@@ -12868,7 +13349,7 @@
       </p:sp>
       <p:sp>
         <p:nvSpPr>
-          <p:cNvPr id="208" name="Shape 208"/>
+          <p:cNvPr id="218" name="Shape 218"/>
           <p:cNvSpPr txBox="1"/>
           <p:nvPr/>
         </p:nvSpPr>
@@ -12904,7 +13385,7 @@
               <a:buNone/>
             </a:pPr>
             <a:r>
-              <a:rPr lang="en" b="1" dirty="0">
+              <a:rPr lang="en" b="1">
                 <a:solidFill>
                   <a:srgbClr val="FF9900"/>
                 </a:solidFill>
@@ -12919,7 +13400,7 @@
       </p:sp>
       <p:pic>
         <p:nvPicPr>
-          <p:cNvPr id="209" name="Shape 209"/>
+          <p:cNvPr id="219" name="Shape 219"/>
           <p:cNvPicPr preferRelativeResize="0"/>
           <p:nvPr/>
         </p:nvPicPr>
@@ -12958,7 +13439,7 @@
   <p:cSld>
     <p:spTree>
       <p:nvGrpSpPr>
-        <p:cNvPr id="1" name="Shape 213"/>
+        <p:cNvPr id="1" name="Shape 223"/>
         <p:cNvGrpSpPr/>
         <p:nvPr/>
       </p:nvGrpSpPr>
@@ -12972,7 +13453,7 @@
       </p:grpSpPr>
       <p:sp>
         <p:nvSpPr>
-          <p:cNvPr id="214" name="Shape 214"/>
+          <p:cNvPr id="224" name="Shape 224"/>
           <p:cNvSpPr txBox="1">
             <a:spLocks noGrp="1"/>
           </p:cNvSpPr>
@@ -13010,7 +13491,7 @@
       </p:sp>
       <p:sp>
         <p:nvSpPr>
-          <p:cNvPr id="215" name="Shape 215"/>
+          <p:cNvPr id="225" name="Shape 225"/>
           <p:cNvSpPr txBox="1">
             <a:spLocks noGrp="1"/>
           </p:cNvSpPr>
@@ -13154,7 +13635,7 @@
       </p:sp>
       <p:pic>
         <p:nvPicPr>
-          <p:cNvPr id="216" name="Shape 216"/>
+          <p:cNvPr id="226" name="Shape 226"/>
           <p:cNvPicPr preferRelativeResize="0"/>
           <p:nvPr/>
         </p:nvPicPr>
@@ -13180,6 +13661,202 @@
           </a:ln>
         </p:spPr>
       </p:pic>
+      <p:graphicFrame>
+        <p:nvGraphicFramePr>
+          <p:cNvPr id="227" name="Shape 227"/>
+          <p:cNvGraphicFramePr/>
+          <p:nvPr/>
+        </p:nvGraphicFramePr>
+        <p:xfrm>
+          <a:off x="3658375" y="4305675"/>
+          <a:ext cx="4661400" cy="457170"/>
+        </p:xfrm>
+        <a:graphic>
+          <a:graphicData uri="http://schemas.openxmlformats.org/drawingml/2006/table">
+            <a:tbl>
+              <a:tblPr>
+                <a:noFill/>
+                <a:tableStyleId>{BE830A24-B3AD-4CCF-8FEA-9583EB577766}</a:tableStyleId>
+              </a:tblPr>
+              <a:tblGrid>
+                <a:gridCol w="1553800"/>
+                <a:gridCol w="1553800"/>
+                <a:gridCol w="1553800"/>
+              </a:tblGrid>
+              <a:tr h="381000">
+                <a:tc>
+                  <a:txBody>
+                    <a:bodyPr/>
+                    <a:lstStyle/>
+                    <a:p>
+                      <a:pPr lvl="0" algn="ctr" rtl="0">
+                        <a:spcBef>
+                          <a:spcPts val="0"/>
+                        </a:spcBef>
+                        <a:buNone/>
+                      </a:pPr>
+                      <a:r>
+                        <a:rPr lang="en" sz="1800"/>
+                        <a:t>src</a:t>
+                      </a:r>
+                    </a:p>
+                  </a:txBody>
+                  <a:tcPr marL="91425" marR="91425" marT="91425" marB="91425" anchor="ctr">
+                    <a:lnL w="38100" cap="flat" cmpd="sng">
+                      <a:solidFill>
+                        <a:srgbClr val="FF9900"/>
+                      </a:solidFill>
+                      <a:prstDash val="solid"/>
+                      <a:round/>
+                      <a:headEnd type="none" w="med" len="med"/>
+                      <a:tailEnd type="none" w="med" len="med"/>
+                    </a:lnL>
+                    <a:lnR w="38100" cap="flat" cmpd="sng">
+                      <a:solidFill>
+                        <a:srgbClr val="FF9900"/>
+                      </a:solidFill>
+                      <a:prstDash val="solid"/>
+                      <a:round/>
+                      <a:headEnd type="none" w="med" len="med"/>
+                      <a:tailEnd type="none" w="med" len="med"/>
+                    </a:lnR>
+                    <a:lnT w="38100" cap="flat" cmpd="sng">
+                      <a:solidFill>
+                        <a:srgbClr val="FF9900"/>
+                      </a:solidFill>
+                      <a:prstDash val="solid"/>
+                      <a:round/>
+                      <a:headEnd type="none" w="med" len="med"/>
+                      <a:tailEnd type="none" w="med" len="med"/>
+                    </a:lnT>
+                    <a:lnB w="38100" cap="flat" cmpd="sng">
+                      <a:solidFill>
+                        <a:srgbClr val="FF9900"/>
+                      </a:solidFill>
+                      <a:prstDash val="solid"/>
+                      <a:round/>
+                      <a:headEnd type="none" w="med" len="med"/>
+                      <a:tailEnd type="none" w="med" len="med"/>
+                    </a:lnB>
+                  </a:tcPr>
+                </a:tc>
+                <a:tc>
+                  <a:txBody>
+                    <a:bodyPr/>
+                    <a:lstStyle/>
+                    <a:p>
+                      <a:pPr lvl="0" algn="ctr" rtl="0">
+                        <a:spcBef>
+                          <a:spcPts val="0"/>
+                        </a:spcBef>
+                        <a:buNone/>
+                      </a:pPr>
+                      <a:r>
+                        <a:rPr lang="en" sz="1800"/>
+                        <a:t>dst</a:t>
+                      </a:r>
+                    </a:p>
+                  </a:txBody>
+                  <a:tcPr marL="91425" marR="91425" marT="91425" marB="91425" anchor="ctr">
+                    <a:lnL w="38100" cap="flat" cmpd="sng">
+                      <a:solidFill>
+                        <a:srgbClr val="FF9900"/>
+                      </a:solidFill>
+                      <a:prstDash val="solid"/>
+                      <a:round/>
+                      <a:headEnd type="none" w="med" len="med"/>
+                      <a:tailEnd type="none" w="med" len="med"/>
+                    </a:lnL>
+                    <a:lnR w="38100" cap="flat" cmpd="sng">
+                      <a:solidFill>
+                        <a:srgbClr val="FF9900"/>
+                      </a:solidFill>
+                      <a:prstDash val="solid"/>
+                      <a:round/>
+                      <a:headEnd type="none" w="med" len="med"/>
+                      <a:tailEnd type="none" w="med" len="med"/>
+                    </a:lnR>
+                    <a:lnT w="38100" cap="flat" cmpd="sng">
+                      <a:solidFill>
+                        <a:srgbClr val="FF9900"/>
+                      </a:solidFill>
+                      <a:prstDash val="solid"/>
+                      <a:round/>
+                      <a:headEnd type="none" w="med" len="med"/>
+                      <a:tailEnd type="none" w="med" len="med"/>
+                    </a:lnT>
+                    <a:lnB w="38100" cap="flat" cmpd="sng">
+                      <a:solidFill>
+                        <a:srgbClr val="FF9900"/>
+                      </a:solidFill>
+                      <a:prstDash val="solid"/>
+                      <a:round/>
+                      <a:headEnd type="none" w="med" len="med"/>
+                      <a:tailEnd type="none" w="med" len="med"/>
+                    </a:lnB>
+                  </a:tcPr>
+                </a:tc>
+                <a:tc>
+                  <a:txBody>
+                    <a:bodyPr/>
+                    <a:lstStyle/>
+                    <a:p>
+                      <a:pPr lvl="0" algn="ctr" rtl="0">
+                        <a:spcBef>
+                          <a:spcPts val="0"/>
+                        </a:spcBef>
+                        <a:buNone/>
+                      </a:pPr>
+                      <a:r>
+                        <a:rPr lang="en" sz="1800"/>
+                        <a:t>relationship</a:t>
+                      </a:r>
+                    </a:p>
+                  </a:txBody>
+                  <a:tcPr marL="91425" marR="91425" marT="91425" marB="91425" anchor="ctr">
+                    <a:lnL w="38100" cap="flat" cmpd="sng">
+                      <a:solidFill>
+                        <a:srgbClr val="FF9900"/>
+                      </a:solidFill>
+                      <a:prstDash val="solid"/>
+                      <a:round/>
+                      <a:headEnd type="none" w="med" len="med"/>
+                      <a:tailEnd type="none" w="med" len="med"/>
+                    </a:lnL>
+                    <a:lnR w="38100" cap="flat" cmpd="sng">
+                      <a:solidFill>
+                        <a:srgbClr val="FF9900"/>
+                      </a:solidFill>
+                      <a:prstDash val="solid"/>
+                      <a:round/>
+                      <a:headEnd type="none" w="med" len="med"/>
+                      <a:tailEnd type="none" w="med" len="med"/>
+                    </a:lnR>
+                    <a:lnT w="38100" cap="flat" cmpd="sng">
+                      <a:solidFill>
+                        <a:srgbClr val="FF9900"/>
+                      </a:solidFill>
+                      <a:prstDash val="solid"/>
+                      <a:round/>
+                      <a:headEnd type="none" w="med" len="med"/>
+                      <a:tailEnd type="none" w="med" len="med"/>
+                    </a:lnT>
+                    <a:lnB w="38100" cap="flat" cmpd="sng">
+                      <a:solidFill>
+                        <a:srgbClr val="FF9900"/>
+                      </a:solidFill>
+                      <a:prstDash val="solid"/>
+                      <a:round/>
+                      <a:headEnd type="none" w="med" len="med"/>
+                      <a:tailEnd type="none" w="med" len="med"/>
+                    </a:lnB>
+                  </a:tcPr>
+                </a:tc>
+              </a:tr>
+            </a:tbl>
+          </a:graphicData>
+        </a:graphic>
+      </p:graphicFrame>
     </p:spTree>
   </p:cSld>
   <p:clrMapOvr>
@@ -13193,7 +13870,7 @@
   <p:cSld>
     <p:spTree>
       <p:nvGrpSpPr>
-        <p:cNvPr id="1" name="Shape 220"/>
+        <p:cNvPr id="1" name="Shape 231"/>
         <p:cNvGrpSpPr/>
         <p:nvPr/>
       </p:nvGrpSpPr>
@@ -13207,7 +13884,7 @@
       </p:grpSpPr>
       <p:sp>
         <p:nvSpPr>
-          <p:cNvPr id="221" name="Shape 221"/>
+          <p:cNvPr id="232" name="Shape 232"/>
           <p:cNvSpPr txBox="1">
             <a:spLocks noGrp="1"/>
           </p:cNvSpPr>
@@ -13245,7 +13922,7 @@
       </p:sp>
       <p:sp>
         <p:nvSpPr>
-          <p:cNvPr id="222" name="Shape 222"/>
+          <p:cNvPr id="233" name="Shape 233"/>
           <p:cNvSpPr txBox="1">
             <a:spLocks noGrp="1"/>
           </p:cNvSpPr>
@@ -13389,7 +14066,7 @@
       </p:sp>
       <p:pic>
         <p:nvPicPr>
-          <p:cNvPr id="223" name="Shape 223"/>
+          <p:cNvPr id="234" name="Shape 234"/>
           <p:cNvPicPr preferRelativeResize="0"/>
           <p:nvPr/>
         </p:nvPicPr>
@@ -13415,6 +14092,202 @@
           </a:ln>
         </p:spPr>
       </p:pic>
+      <p:graphicFrame>
+        <p:nvGraphicFramePr>
+          <p:cNvPr id="235" name="Shape 235"/>
+          <p:cNvGraphicFramePr/>
+          <p:nvPr/>
+        </p:nvGraphicFramePr>
+        <p:xfrm>
+          <a:off x="3658375" y="4305675"/>
+          <a:ext cx="4661400" cy="457170"/>
+        </p:xfrm>
+        <a:graphic>
+          <a:graphicData uri="http://schemas.openxmlformats.org/drawingml/2006/table">
+            <a:tbl>
+              <a:tblPr>
+                <a:noFill/>
+                <a:tableStyleId>{BE830A24-B3AD-4CCF-8FEA-9583EB577766}</a:tableStyleId>
+              </a:tblPr>
+              <a:tblGrid>
+                <a:gridCol w="1553800"/>
+                <a:gridCol w="1553800"/>
+                <a:gridCol w="1553800"/>
+              </a:tblGrid>
+              <a:tr h="381000">
+                <a:tc>
+                  <a:txBody>
+                    <a:bodyPr/>
+                    <a:lstStyle/>
+                    <a:p>
+                      <a:pPr lvl="0" algn="ctr" rtl="0">
+                        <a:spcBef>
+                          <a:spcPts val="0"/>
+                        </a:spcBef>
+                        <a:buNone/>
+                      </a:pPr>
+                      <a:r>
+                        <a:rPr lang="en" sz="1800"/>
+                        <a:t>src</a:t>
+                      </a:r>
+                    </a:p>
+                  </a:txBody>
+                  <a:tcPr marL="91425" marR="91425" marT="91425" marB="91425" anchor="ctr">
+                    <a:lnL w="38100" cap="flat" cmpd="sng">
+                      <a:solidFill>
+                        <a:srgbClr val="FF9900"/>
+                      </a:solidFill>
+                      <a:prstDash val="solid"/>
+                      <a:round/>
+                      <a:headEnd type="none" w="med" len="med"/>
+                      <a:tailEnd type="none" w="med" len="med"/>
+                    </a:lnL>
+                    <a:lnR w="38100" cap="flat" cmpd="sng">
+                      <a:solidFill>
+                        <a:srgbClr val="FF9900"/>
+                      </a:solidFill>
+                      <a:prstDash val="solid"/>
+                      <a:round/>
+                      <a:headEnd type="none" w="med" len="med"/>
+                      <a:tailEnd type="none" w="med" len="med"/>
+                    </a:lnR>
+                    <a:lnT w="38100" cap="flat" cmpd="sng">
+                      <a:solidFill>
+                        <a:srgbClr val="FF9900"/>
+                      </a:solidFill>
+                      <a:prstDash val="solid"/>
+                      <a:round/>
+                      <a:headEnd type="none" w="med" len="med"/>
+                      <a:tailEnd type="none" w="med" len="med"/>
+                    </a:lnT>
+                    <a:lnB w="38100" cap="flat" cmpd="sng">
+                      <a:solidFill>
+                        <a:srgbClr val="FF9900"/>
+                      </a:solidFill>
+                      <a:prstDash val="solid"/>
+                      <a:round/>
+                      <a:headEnd type="none" w="med" len="med"/>
+                      <a:tailEnd type="none" w="med" len="med"/>
+                    </a:lnB>
+                  </a:tcPr>
+                </a:tc>
+                <a:tc>
+                  <a:txBody>
+                    <a:bodyPr/>
+                    <a:lstStyle/>
+                    <a:p>
+                      <a:pPr lvl="0" algn="ctr" rtl="0">
+                        <a:spcBef>
+                          <a:spcPts val="0"/>
+                        </a:spcBef>
+                        <a:buNone/>
+                      </a:pPr>
+                      <a:r>
+                        <a:rPr lang="en" sz="1800"/>
+                        <a:t>dst</a:t>
+                      </a:r>
+                    </a:p>
+                  </a:txBody>
+                  <a:tcPr marL="91425" marR="91425" marT="91425" marB="91425" anchor="ctr">
+                    <a:lnL w="38100" cap="flat" cmpd="sng">
+                      <a:solidFill>
+                        <a:srgbClr val="FF9900"/>
+                      </a:solidFill>
+                      <a:prstDash val="solid"/>
+                      <a:round/>
+                      <a:headEnd type="none" w="med" len="med"/>
+                      <a:tailEnd type="none" w="med" len="med"/>
+                    </a:lnL>
+                    <a:lnR w="38100" cap="flat" cmpd="sng">
+                      <a:solidFill>
+                        <a:srgbClr val="FF9900"/>
+                      </a:solidFill>
+                      <a:prstDash val="solid"/>
+                      <a:round/>
+                      <a:headEnd type="none" w="med" len="med"/>
+                      <a:tailEnd type="none" w="med" len="med"/>
+                    </a:lnR>
+                    <a:lnT w="38100" cap="flat" cmpd="sng">
+                      <a:solidFill>
+                        <a:srgbClr val="FF9900"/>
+                      </a:solidFill>
+                      <a:prstDash val="solid"/>
+                      <a:round/>
+                      <a:headEnd type="none" w="med" len="med"/>
+                      <a:tailEnd type="none" w="med" len="med"/>
+                    </a:lnT>
+                    <a:lnB w="38100" cap="flat" cmpd="sng">
+                      <a:solidFill>
+                        <a:srgbClr val="FF9900"/>
+                      </a:solidFill>
+                      <a:prstDash val="solid"/>
+                      <a:round/>
+                      <a:headEnd type="none" w="med" len="med"/>
+                      <a:tailEnd type="none" w="med" len="med"/>
+                    </a:lnB>
+                  </a:tcPr>
+                </a:tc>
+                <a:tc>
+                  <a:txBody>
+                    <a:bodyPr/>
+                    <a:lstStyle/>
+                    <a:p>
+                      <a:pPr lvl="0" algn="ctr" rtl="0">
+                        <a:spcBef>
+                          <a:spcPts val="0"/>
+                        </a:spcBef>
+                        <a:buNone/>
+                      </a:pPr>
+                      <a:r>
+                        <a:rPr lang="en" sz="1800"/>
+                        <a:t>relationship</a:t>
+                      </a:r>
+                    </a:p>
+                  </a:txBody>
+                  <a:tcPr marL="91425" marR="91425" marT="91425" marB="91425" anchor="ctr">
+                    <a:lnL w="38100" cap="flat" cmpd="sng">
+                      <a:solidFill>
+                        <a:srgbClr val="FF9900"/>
+                      </a:solidFill>
+                      <a:prstDash val="solid"/>
+                      <a:round/>
+                      <a:headEnd type="none" w="med" len="med"/>
+                      <a:tailEnd type="none" w="med" len="med"/>
+                    </a:lnL>
+                    <a:lnR w="38100" cap="flat" cmpd="sng">
+                      <a:solidFill>
+                        <a:srgbClr val="FF9900"/>
+                      </a:solidFill>
+                      <a:prstDash val="solid"/>
+                      <a:round/>
+                      <a:headEnd type="none" w="med" len="med"/>
+                      <a:tailEnd type="none" w="med" len="med"/>
+                    </a:lnR>
+                    <a:lnT w="38100" cap="flat" cmpd="sng">
+                      <a:solidFill>
+                        <a:srgbClr val="FF9900"/>
+                      </a:solidFill>
+                      <a:prstDash val="solid"/>
+                      <a:round/>
+                      <a:headEnd type="none" w="med" len="med"/>
+                      <a:tailEnd type="none" w="med" len="med"/>
+                    </a:lnT>
+                    <a:lnB w="38100" cap="flat" cmpd="sng">
+                      <a:solidFill>
+                        <a:srgbClr val="FF9900"/>
+                      </a:solidFill>
+                      <a:prstDash val="solid"/>
+                      <a:round/>
+                      <a:headEnd type="none" w="med" len="med"/>
+                      <a:tailEnd type="none" w="med" len="med"/>
+                    </a:lnB>
+                  </a:tcPr>
+                </a:tc>
+              </a:tr>
+            </a:tbl>
+          </a:graphicData>
+        </a:graphic>
+      </p:graphicFrame>
     </p:spTree>
   </p:cSld>
   <p:clrMapOvr>
@@ -13428,7 +14301,7 @@
   <p:cSld>
     <p:spTree>
       <p:nvGrpSpPr>
-        <p:cNvPr id="1" name="Shape 227"/>
+        <p:cNvPr id="1" name="Shape 239"/>
         <p:cNvGrpSpPr/>
         <p:nvPr/>
       </p:nvGrpSpPr>
@@ -13442,7 +14315,7 @@
       </p:grpSpPr>
       <p:sp>
         <p:nvSpPr>
-          <p:cNvPr id="228" name="Shape 228"/>
+          <p:cNvPr id="240" name="Shape 240"/>
           <p:cNvSpPr txBox="1">
             <a:spLocks noGrp="1"/>
           </p:cNvSpPr>
@@ -13480,7 +14353,7 @@
       </p:sp>
       <p:sp>
         <p:nvSpPr>
-          <p:cNvPr id="229" name="Shape 229"/>
+          <p:cNvPr id="241" name="Shape 241"/>
           <p:cNvSpPr txBox="1">
             <a:spLocks noGrp="1"/>
           </p:cNvSpPr>
@@ -13624,7 +14497,7 @@
       </p:sp>
       <p:pic>
         <p:nvPicPr>
-          <p:cNvPr id="230" name="Shape 230"/>
+          <p:cNvPr id="242" name="Shape 242"/>
           <p:cNvPicPr preferRelativeResize="0"/>
           <p:nvPr/>
         </p:nvPicPr>
@@ -13650,6 +14523,202 @@
           </a:ln>
         </p:spPr>
       </p:pic>
+      <p:graphicFrame>
+        <p:nvGraphicFramePr>
+          <p:cNvPr id="243" name="Shape 243"/>
+          <p:cNvGraphicFramePr/>
+          <p:nvPr/>
+        </p:nvGraphicFramePr>
+        <p:xfrm>
+          <a:off x="3658375" y="4305675"/>
+          <a:ext cx="4661400" cy="457170"/>
+        </p:xfrm>
+        <a:graphic>
+          <a:graphicData uri="http://schemas.openxmlformats.org/drawingml/2006/table">
+            <a:tbl>
+              <a:tblPr>
+                <a:noFill/>
+                <a:tableStyleId>{BE830A24-B3AD-4CCF-8FEA-9583EB577766}</a:tableStyleId>
+              </a:tblPr>
+              <a:tblGrid>
+                <a:gridCol w="1553800"/>
+                <a:gridCol w="1553800"/>
+                <a:gridCol w="1553800"/>
+              </a:tblGrid>
+              <a:tr h="381000">
+                <a:tc>
+                  <a:txBody>
+                    <a:bodyPr/>
+                    <a:lstStyle/>
+                    <a:p>
+                      <a:pPr lvl="0" algn="ctr" rtl="0">
+                        <a:spcBef>
+                          <a:spcPts val="0"/>
+                        </a:spcBef>
+                        <a:buNone/>
+                      </a:pPr>
+                      <a:r>
+                        <a:rPr lang="en" sz="1800"/>
+                        <a:t>src</a:t>
+                      </a:r>
+                    </a:p>
+                  </a:txBody>
+                  <a:tcPr marL="91425" marR="91425" marT="91425" marB="91425" anchor="ctr">
+                    <a:lnL w="38100" cap="flat" cmpd="sng">
+                      <a:solidFill>
+                        <a:srgbClr val="FF9900"/>
+                      </a:solidFill>
+                      <a:prstDash val="solid"/>
+                      <a:round/>
+                      <a:headEnd type="none" w="med" len="med"/>
+                      <a:tailEnd type="none" w="med" len="med"/>
+                    </a:lnL>
+                    <a:lnR w="38100" cap="flat" cmpd="sng">
+                      <a:solidFill>
+                        <a:srgbClr val="FF9900"/>
+                      </a:solidFill>
+                      <a:prstDash val="solid"/>
+                      <a:round/>
+                      <a:headEnd type="none" w="med" len="med"/>
+                      <a:tailEnd type="none" w="med" len="med"/>
+                    </a:lnR>
+                    <a:lnT w="38100" cap="flat" cmpd="sng">
+                      <a:solidFill>
+                        <a:srgbClr val="FF9900"/>
+                      </a:solidFill>
+                      <a:prstDash val="solid"/>
+                      <a:round/>
+                      <a:headEnd type="none" w="med" len="med"/>
+                      <a:tailEnd type="none" w="med" len="med"/>
+                    </a:lnT>
+                    <a:lnB w="38100" cap="flat" cmpd="sng">
+                      <a:solidFill>
+                        <a:srgbClr val="FF9900"/>
+                      </a:solidFill>
+                      <a:prstDash val="solid"/>
+                      <a:round/>
+                      <a:headEnd type="none" w="med" len="med"/>
+                      <a:tailEnd type="none" w="med" len="med"/>
+                    </a:lnB>
+                  </a:tcPr>
+                </a:tc>
+                <a:tc>
+                  <a:txBody>
+                    <a:bodyPr/>
+                    <a:lstStyle/>
+                    <a:p>
+                      <a:pPr lvl="0" algn="ctr" rtl="0">
+                        <a:spcBef>
+                          <a:spcPts val="0"/>
+                        </a:spcBef>
+                        <a:buNone/>
+                      </a:pPr>
+                      <a:r>
+                        <a:rPr lang="en" sz="1800"/>
+                        <a:t>dst</a:t>
+                      </a:r>
+                    </a:p>
+                  </a:txBody>
+                  <a:tcPr marL="91425" marR="91425" marT="91425" marB="91425" anchor="ctr">
+                    <a:lnL w="38100" cap="flat" cmpd="sng">
+                      <a:solidFill>
+                        <a:srgbClr val="FF9900"/>
+                      </a:solidFill>
+                      <a:prstDash val="solid"/>
+                      <a:round/>
+                      <a:headEnd type="none" w="med" len="med"/>
+                      <a:tailEnd type="none" w="med" len="med"/>
+                    </a:lnL>
+                    <a:lnR w="38100" cap="flat" cmpd="sng">
+                      <a:solidFill>
+                        <a:srgbClr val="FF9900"/>
+                      </a:solidFill>
+                      <a:prstDash val="solid"/>
+                      <a:round/>
+                      <a:headEnd type="none" w="med" len="med"/>
+                      <a:tailEnd type="none" w="med" len="med"/>
+                    </a:lnR>
+                    <a:lnT w="38100" cap="flat" cmpd="sng">
+                      <a:solidFill>
+                        <a:srgbClr val="FF9900"/>
+                      </a:solidFill>
+                      <a:prstDash val="solid"/>
+                      <a:round/>
+                      <a:headEnd type="none" w="med" len="med"/>
+                      <a:tailEnd type="none" w="med" len="med"/>
+                    </a:lnT>
+                    <a:lnB w="38100" cap="flat" cmpd="sng">
+                      <a:solidFill>
+                        <a:srgbClr val="FF9900"/>
+                      </a:solidFill>
+                      <a:prstDash val="solid"/>
+                      <a:round/>
+                      <a:headEnd type="none" w="med" len="med"/>
+                      <a:tailEnd type="none" w="med" len="med"/>
+                    </a:lnB>
+                  </a:tcPr>
+                </a:tc>
+                <a:tc>
+                  <a:txBody>
+                    <a:bodyPr/>
+                    <a:lstStyle/>
+                    <a:p>
+                      <a:pPr lvl="0" algn="ctr" rtl="0">
+                        <a:spcBef>
+                          <a:spcPts val="0"/>
+                        </a:spcBef>
+                        <a:buNone/>
+                      </a:pPr>
+                      <a:r>
+                        <a:rPr lang="en" sz="1800"/>
+                        <a:t>relationship</a:t>
+                      </a:r>
+                    </a:p>
+                  </a:txBody>
+                  <a:tcPr marL="91425" marR="91425" marT="91425" marB="91425" anchor="ctr">
+                    <a:lnL w="38100" cap="flat" cmpd="sng">
+                      <a:solidFill>
+                        <a:srgbClr val="FF9900"/>
+                      </a:solidFill>
+                      <a:prstDash val="solid"/>
+                      <a:round/>
+                      <a:headEnd type="none" w="med" len="med"/>
+                      <a:tailEnd type="none" w="med" len="med"/>
+                    </a:lnL>
+                    <a:lnR w="38100" cap="flat" cmpd="sng">
+                      <a:solidFill>
+                        <a:srgbClr val="FF9900"/>
+                      </a:solidFill>
+                      <a:prstDash val="solid"/>
+                      <a:round/>
+                      <a:headEnd type="none" w="med" len="med"/>
+                      <a:tailEnd type="none" w="med" len="med"/>
+                    </a:lnR>
+                    <a:lnT w="38100" cap="flat" cmpd="sng">
+                      <a:solidFill>
+                        <a:srgbClr val="FF9900"/>
+                      </a:solidFill>
+                      <a:prstDash val="solid"/>
+                      <a:round/>
+                      <a:headEnd type="none" w="med" len="med"/>
+                      <a:tailEnd type="none" w="med" len="med"/>
+                    </a:lnT>
+                    <a:lnB w="38100" cap="flat" cmpd="sng">
+                      <a:solidFill>
+                        <a:srgbClr val="FF9900"/>
+                      </a:solidFill>
+                      <a:prstDash val="solid"/>
+                      <a:round/>
+                      <a:headEnd type="none" w="med" len="med"/>
+                      <a:tailEnd type="none" w="med" len="med"/>
+                    </a:lnB>
+                  </a:tcPr>
+                </a:tc>
+              </a:tr>
+            </a:tbl>
+          </a:graphicData>
+        </a:graphic>
+      </p:graphicFrame>
     </p:spTree>
   </p:cSld>
   <p:clrMapOvr>
@@ -13713,6 +14782,25 @@
           </a:p>
         </p:txBody>
       </p:sp>
+      <p:sp>
+        <p:nvSpPr>
+          <p:cNvPr id="2" name="Text Placeholder 1"/>
+          <p:cNvSpPr>
+            <a:spLocks noGrp="1"/>
+          </p:cNvSpPr>
+          <p:nvPr>
+            <p:ph type="body" idx="1"/>
+          </p:nvPr>
+        </p:nvSpPr>
+        <p:spPr/>
+        <p:txBody>
+          <a:bodyPr/>
+          <a:lstStyle/>
+          <a:p>
+            <a:endParaRPr lang="en-US"/>
+          </a:p>
+        </p:txBody>
+      </p:sp>
       <p:pic>
         <p:nvPicPr>
           <p:cNvPr id="3" name="Picture 2"/>
@@ -13735,8 +14823,8 @@
         </p:blipFill>
         <p:spPr>
           <a:xfrm>
-            <a:off x="823865" y="1690442"/>
-            <a:ext cx="5881784" cy="3335363"/>
+            <a:off x="471900" y="1944384"/>
+            <a:ext cx="4767000" cy="2659581"/>
           </a:xfrm>
           <a:prstGeom prst="rect">
             <a:avLst/>
@@ -13756,7 +14844,7 @@
   <p:cSld>
     <p:spTree>
       <p:nvGrpSpPr>
-        <p:cNvPr id="1" name="Shape 234"/>
+        <p:cNvPr id="1" name="Shape 247"/>
         <p:cNvGrpSpPr/>
         <p:nvPr/>
       </p:nvGrpSpPr>
@@ -13770,7 +14858,7 @@
       </p:grpSpPr>
       <p:sp>
         <p:nvSpPr>
-          <p:cNvPr id="235" name="Shape 235"/>
+          <p:cNvPr id="248" name="Shape 248"/>
           <p:cNvSpPr txBox="1">
             <a:spLocks noGrp="1"/>
           </p:cNvSpPr>
@@ -13808,7 +14896,7 @@
       </p:sp>
       <p:sp>
         <p:nvSpPr>
-          <p:cNvPr id="236" name="Shape 236"/>
+          <p:cNvPr id="249" name="Shape 249"/>
           <p:cNvSpPr txBox="1">
             <a:spLocks noGrp="1"/>
           </p:cNvSpPr>
@@ -13952,7 +15040,7 @@
       </p:sp>
       <p:pic>
         <p:nvPicPr>
-          <p:cNvPr id="237" name="Shape 237"/>
+          <p:cNvPr id="250" name="Shape 250"/>
           <p:cNvPicPr preferRelativeResize="0"/>
           <p:nvPr/>
         </p:nvPicPr>
@@ -13978,6 +15066,202 @@
           </a:ln>
         </p:spPr>
       </p:pic>
+      <p:graphicFrame>
+        <p:nvGraphicFramePr>
+          <p:cNvPr id="251" name="Shape 251"/>
+          <p:cNvGraphicFramePr/>
+          <p:nvPr/>
+        </p:nvGraphicFramePr>
+        <p:xfrm>
+          <a:off x="3658375" y="4305675"/>
+          <a:ext cx="4661400" cy="457170"/>
+        </p:xfrm>
+        <a:graphic>
+          <a:graphicData uri="http://schemas.openxmlformats.org/drawingml/2006/table">
+            <a:tbl>
+              <a:tblPr>
+                <a:noFill/>
+                <a:tableStyleId>{BE830A24-B3AD-4CCF-8FEA-9583EB577766}</a:tableStyleId>
+              </a:tblPr>
+              <a:tblGrid>
+                <a:gridCol w="1553800"/>
+                <a:gridCol w="1553800"/>
+                <a:gridCol w="1553800"/>
+              </a:tblGrid>
+              <a:tr h="381000">
+                <a:tc>
+                  <a:txBody>
+                    <a:bodyPr/>
+                    <a:lstStyle/>
+                    <a:p>
+                      <a:pPr lvl="0" algn="ctr" rtl="0">
+                        <a:spcBef>
+                          <a:spcPts val="0"/>
+                        </a:spcBef>
+                        <a:buNone/>
+                      </a:pPr>
+                      <a:r>
+                        <a:rPr lang="en" sz="1800"/>
+                        <a:t>src</a:t>
+                      </a:r>
+                    </a:p>
+                  </a:txBody>
+                  <a:tcPr marL="91425" marR="91425" marT="91425" marB="91425" anchor="ctr">
+                    <a:lnL w="38100" cap="flat" cmpd="sng">
+                      <a:solidFill>
+                        <a:srgbClr val="FF9900"/>
+                      </a:solidFill>
+                      <a:prstDash val="solid"/>
+                      <a:round/>
+                      <a:headEnd type="none" w="med" len="med"/>
+                      <a:tailEnd type="none" w="med" len="med"/>
+                    </a:lnL>
+                    <a:lnR w="38100" cap="flat" cmpd="sng">
+                      <a:solidFill>
+                        <a:srgbClr val="FF9900"/>
+                      </a:solidFill>
+                      <a:prstDash val="solid"/>
+                      <a:round/>
+                      <a:headEnd type="none" w="med" len="med"/>
+                      <a:tailEnd type="none" w="med" len="med"/>
+                    </a:lnR>
+                    <a:lnT w="38100" cap="flat" cmpd="sng">
+                      <a:solidFill>
+                        <a:srgbClr val="FF9900"/>
+                      </a:solidFill>
+                      <a:prstDash val="solid"/>
+                      <a:round/>
+                      <a:headEnd type="none" w="med" len="med"/>
+                      <a:tailEnd type="none" w="med" len="med"/>
+                    </a:lnT>
+                    <a:lnB w="38100" cap="flat" cmpd="sng">
+                      <a:solidFill>
+                        <a:srgbClr val="FF9900"/>
+                      </a:solidFill>
+                      <a:prstDash val="solid"/>
+                      <a:round/>
+                      <a:headEnd type="none" w="med" len="med"/>
+                      <a:tailEnd type="none" w="med" len="med"/>
+                    </a:lnB>
+                  </a:tcPr>
+                </a:tc>
+                <a:tc>
+                  <a:txBody>
+                    <a:bodyPr/>
+                    <a:lstStyle/>
+                    <a:p>
+                      <a:pPr lvl="0" algn="ctr" rtl="0">
+                        <a:spcBef>
+                          <a:spcPts val="0"/>
+                        </a:spcBef>
+                        <a:buNone/>
+                      </a:pPr>
+                      <a:r>
+                        <a:rPr lang="en" sz="1800"/>
+                        <a:t>dst</a:t>
+                      </a:r>
+                    </a:p>
+                  </a:txBody>
+                  <a:tcPr marL="91425" marR="91425" marT="91425" marB="91425" anchor="ctr">
+                    <a:lnL w="38100" cap="flat" cmpd="sng">
+                      <a:solidFill>
+                        <a:srgbClr val="FF9900"/>
+                      </a:solidFill>
+                      <a:prstDash val="solid"/>
+                      <a:round/>
+                      <a:headEnd type="none" w="med" len="med"/>
+                      <a:tailEnd type="none" w="med" len="med"/>
+                    </a:lnL>
+                    <a:lnR w="38100" cap="flat" cmpd="sng">
+                      <a:solidFill>
+                        <a:srgbClr val="FF9900"/>
+                      </a:solidFill>
+                      <a:prstDash val="solid"/>
+                      <a:round/>
+                      <a:headEnd type="none" w="med" len="med"/>
+                      <a:tailEnd type="none" w="med" len="med"/>
+                    </a:lnR>
+                    <a:lnT w="38100" cap="flat" cmpd="sng">
+                      <a:solidFill>
+                        <a:srgbClr val="FF9900"/>
+                      </a:solidFill>
+                      <a:prstDash val="solid"/>
+                      <a:round/>
+                      <a:headEnd type="none" w="med" len="med"/>
+                      <a:tailEnd type="none" w="med" len="med"/>
+                    </a:lnT>
+                    <a:lnB w="38100" cap="flat" cmpd="sng">
+                      <a:solidFill>
+                        <a:srgbClr val="FF9900"/>
+                      </a:solidFill>
+                      <a:prstDash val="solid"/>
+                      <a:round/>
+                      <a:headEnd type="none" w="med" len="med"/>
+                      <a:tailEnd type="none" w="med" len="med"/>
+                    </a:lnB>
+                  </a:tcPr>
+                </a:tc>
+                <a:tc>
+                  <a:txBody>
+                    <a:bodyPr/>
+                    <a:lstStyle/>
+                    <a:p>
+                      <a:pPr lvl="0" algn="ctr" rtl="0">
+                        <a:spcBef>
+                          <a:spcPts val="0"/>
+                        </a:spcBef>
+                        <a:buNone/>
+                      </a:pPr>
+                      <a:r>
+                        <a:rPr lang="en" sz="1800"/>
+                        <a:t>relationship</a:t>
+                      </a:r>
+                    </a:p>
+                  </a:txBody>
+                  <a:tcPr marL="91425" marR="91425" marT="91425" marB="91425" anchor="ctr">
+                    <a:lnL w="38100" cap="flat" cmpd="sng">
+                      <a:solidFill>
+                        <a:srgbClr val="FF9900"/>
+                      </a:solidFill>
+                      <a:prstDash val="solid"/>
+                      <a:round/>
+                      <a:headEnd type="none" w="med" len="med"/>
+                      <a:tailEnd type="none" w="med" len="med"/>
+                    </a:lnL>
+                    <a:lnR w="38100" cap="flat" cmpd="sng">
+                      <a:solidFill>
+                        <a:srgbClr val="FF9900"/>
+                      </a:solidFill>
+                      <a:prstDash val="solid"/>
+                      <a:round/>
+                      <a:headEnd type="none" w="med" len="med"/>
+                      <a:tailEnd type="none" w="med" len="med"/>
+                    </a:lnR>
+                    <a:lnT w="38100" cap="flat" cmpd="sng">
+                      <a:solidFill>
+                        <a:srgbClr val="FF9900"/>
+                      </a:solidFill>
+                      <a:prstDash val="solid"/>
+                      <a:round/>
+                      <a:headEnd type="none" w="med" len="med"/>
+                      <a:tailEnd type="none" w="med" len="med"/>
+                    </a:lnT>
+                    <a:lnB w="38100" cap="flat" cmpd="sng">
+                      <a:solidFill>
+                        <a:srgbClr val="FF9900"/>
+                      </a:solidFill>
+                      <a:prstDash val="solid"/>
+                      <a:round/>
+                      <a:headEnd type="none" w="med" len="med"/>
+                      <a:tailEnd type="none" w="med" len="med"/>
+                    </a:lnB>
+                  </a:tcPr>
+                </a:tc>
+              </a:tr>
+            </a:tbl>
+          </a:graphicData>
+        </a:graphic>
+      </p:graphicFrame>
     </p:spTree>
   </p:cSld>
   <p:clrMapOvr>
@@ -13987,476 +15271,6 @@
 </file>
 
 <file path=ppt/slides/slide21.xml><?xml version="1.0" encoding="utf-8"?>
-<p:sld xmlns:a="http://schemas.openxmlformats.org/drawingml/2006/main" xmlns:r="http://schemas.openxmlformats.org/officeDocument/2006/relationships" xmlns:p="http://schemas.openxmlformats.org/presentationml/2006/main">
-  <p:cSld>
-    <p:spTree>
-      <p:nvGrpSpPr>
-        <p:cNvPr id="1" name="Shape 241"/>
-        <p:cNvGrpSpPr/>
-        <p:nvPr/>
-      </p:nvGrpSpPr>
-      <p:grpSpPr>
-        <a:xfrm>
-          <a:off x="0" y="0"/>
-          <a:ext cx="0" cy="0"/>
-          <a:chOff x="0" y="0"/>
-          <a:chExt cx="0" cy="0"/>
-        </a:xfrm>
-      </p:grpSpPr>
-      <p:sp>
-        <p:nvSpPr>
-          <p:cNvPr id="242" name="Shape 242"/>
-          <p:cNvSpPr txBox="1">
-            <a:spLocks noGrp="1"/>
-          </p:cNvSpPr>
-          <p:nvPr>
-            <p:ph type="title"/>
-          </p:nvPr>
-        </p:nvSpPr>
-        <p:spPr>
-          <a:xfrm>
-            <a:off x="226077" y="510200"/>
-            <a:ext cx="2808000" cy="953400"/>
-          </a:xfrm>
-          <a:prstGeom prst="rect">
-            <a:avLst/>
-          </a:prstGeom>
-        </p:spPr>
-        <p:txBody>
-          <a:bodyPr lIns="91425" tIns="91425" rIns="91425" bIns="91425" anchor="b" anchorCtr="0">
-            <a:noAutofit/>
-          </a:bodyPr>
-          <a:lstStyle/>
-          <a:p>
-            <a:pPr lvl="0" rtl="0">
-              <a:spcBef>
-                <a:spcPts val="0"/>
-              </a:spcBef>
-              <a:buNone/>
-            </a:pPr>
-            <a:r>
-              <a:rPr lang="en" sz="3200"/>
-              <a:t>DataFrame Search</a:t>
-            </a:r>
-          </a:p>
-        </p:txBody>
-      </p:sp>
-      <p:sp>
-        <p:nvSpPr>
-          <p:cNvPr id="243" name="Shape 243"/>
-          <p:cNvSpPr txBox="1">
-            <a:spLocks noGrp="1"/>
-          </p:cNvSpPr>
-          <p:nvPr>
-            <p:ph type="body" idx="1"/>
-          </p:nvPr>
-        </p:nvSpPr>
-        <p:spPr>
-          <a:xfrm>
-            <a:off x="226075" y="1618200"/>
-            <a:ext cx="2808000" cy="3163500"/>
-          </a:xfrm>
-          <a:prstGeom prst="rect">
-            <a:avLst/>
-          </a:prstGeom>
-        </p:spPr>
-        <p:txBody>
-          <a:bodyPr lIns="91425" tIns="91425" rIns="91425" bIns="91425" anchor="t" anchorCtr="0">
-            <a:noAutofit/>
-          </a:bodyPr>
-          <a:lstStyle/>
-          <a:p>
-            <a:pPr lvl="0" rtl="0">
-              <a:spcBef>
-                <a:spcPts val="0"/>
-              </a:spcBef>
-              <a:buNone/>
-            </a:pPr>
-            <a:r>
-              <a:rPr lang="en" sz="2000">
-                <a:solidFill>
-                  <a:srgbClr val="F9F9F9"/>
-                </a:solidFill>
-              </a:rPr>
-              <a:t>1. getPathToRoot</a:t>
-            </a:r>
-          </a:p>
-          <a:p>
-            <a:pPr lvl="0" rtl="0">
-              <a:spcBef>
-                <a:spcPts val="0"/>
-              </a:spcBef>
-              <a:buNone/>
-            </a:pPr>
-            <a:r>
-              <a:rPr lang="en" sz="2000">
-                <a:solidFill>
-                  <a:srgbClr val="F9F9F9"/>
-                </a:solidFill>
-              </a:rPr>
-              <a:t>2. isSubTree</a:t>
-            </a:r>
-          </a:p>
-          <a:p>
-            <a:pPr lvl="0" rtl="0">
-              <a:spcBef>
-                <a:spcPts val="0"/>
-              </a:spcBef>
-              <a:buNone/>
-            </a:pPr>
-            <a:r>
-              <a:rPr lang="en" sz="2000">
-                <a:solidFill>
-                  <a:srgbClr val="F9F9F9"/>
-                </a:solidFill>
-              </a:rPr>
-              <a:t>3. getSiblings</a:t>
-            </a:r>
-          </a:p>
-          <a:p>
-            <a:pPr lvl="0" rtl="0">
-              <a:spcBef>
-                <a:spcPts val="0"/>
-              </a:spcBef>
-              <a:buNone/>
-            </a:pPr>
-            <a:r>
-              <a:rPr lang="en" sz="2000">
-                <a:solidFill>
-                  <a:srgbClr val="F9F9F9"/>
-                </a:solidFill>
-              </a:rPr>
-              <a:t>4. getChildren</a:t>
-            </a:r>
-          </a:p>
-          <a:p>
-            <a:pPr lvl="0" rtl="0">
-              <a:spcBef>
-                <a:spcPts val="0"/>
-              </a:spcBef>
-              <a:buNone/>
-            </a:pPr>
-            <a:r>
-              <a:rPr lang="en" sz="2000">
-                <a:solidFill>
-                  <a:srgbClr val="FF0000"/>
-                </a:solidFill>
-              </a:rPr>
-              <a:t>5. findVidByName</a:t>
-            </a:r>
-          </a:p>
-          <a:p>
-            <a:pPr lvl="0" rtl="0">
-              <a:spcBef>
-                <a:spcPts val="0"/>
-              </a:spcBef>
-              <a:buNone/>
-            </a:pPr>
-            <a:r>
-              <a:rPr lang="en" sz="2000">
-                <a:solidFill>
-                  <a:srgbClr val="F9F9F9"/>
-                </a:solidFill>
-              </a:rPr>
-              <a:t>6. findNameByVID</a:t>
-            </a:r>
-          </a:p>
-          <a:p>
-            <a:pPr lvl="0" rtl="0">
-              <a:spcBef>
-                <a:spcPts val="0"/>
-              </a:spcBef>
-              <a:buNone/>
-            </a:pPr>
-            <a:endParaRPr sz="2000">
-              <a:solidFill>
-                <a:srgbClr val="F9F9F9"/>
-              </a:solidFill>
-            </a:endParaRPr>
-          </a:p>
-          <a:p>
-            <a:pPr lvl="0" rtl="0">
-              <a:spcBef>
-                <a:spcPts val="0"/>
-              </a:spcBef>
-              <a:buNone/>
-            </a:pPr>
-            <a:endParaRPr/>
-          </a:p>
-        </p:txBody>
-      </p:sp>
-      <p:pic>
-        <p:nvPicPr>
-          <p:cNvPr id="244" name="Shape 244"/>
-          <p:cNvPicPr preferRelativeResize="0"/>
-          <p:nvPr/>
-        </p:nvPicPr>
-        <p:blipFill>
-          <a:blip r:embed="rId3">
-            <a:alphaModFix/>
-          </a:blip>
-          <a:stretch>
-            <a:fillRect/>
-          </a:stretch>
-        </p:blipFill>
-        <p:spPr>
-          <a:xfrm>
-            <a:off x="2440049" y="1157000"/>
-            <a:ext cx="6545574" cy="2973350"/>
-          </a:xfrm>
-          <a:prstGeom prst="rect">
-            <a:avLst/>
-          </a:prstGeom>
-          <a:noFill/>
-          <a:ln>
-            <a:noFill/>
-          </a:ln>
-        </p:spPr>
-      </p:pic>
-    </p:spTree>
-  </p:cSld>
-  <p:clrMapOvr>
-    <a:masterClrMapping/>
-  </p:clrMapOvr>
-</p:sld>
-</file>
-
-<file path=ppt/slides/slide22.xml><?xml version="1.0" encoding="utf-8"?>
-<p:sld xmlns:a="http://schemas.openxmlformats.org/drawingml/2006/main" xmlns:r="http://schemas.openxmlformats.org/officeDocument/2006/relationships" xmlns:p="http://schemas.openxmlformats.org/presentationml/2006/main">
-  <p:cSld>
-    <p:spTree>
-      <p:nvGrpSpPr>
-        <p:cNvPr id="1" name="Shape 248"/>
-        <p:cNvGrpSpPr/>
-        <p:nvPr/>
-      </p:nvGrpSpPr>
-      <p:grpSpPr>
-        <a:xfrm>
-          <a:off x="0" y="0"/>
-          <a:ext cx="0" cy="0"/>
-          <a:chOff x="0" y="0"/>
-          <a:chExt cx="0" cy="0"/>
-        </a:xfrm>
-      </p:grpSpPr>
-      <p:sp>
-        <p:nvSpPr>
-          <p:cNvPr id="249" name="Shape 249"/>
-          <p:cNvSpPr txBox="1">
-            <a:spLocks noGrp="1"/>
-          </p:cNvSpPr>
-          <p:nvPr>
-            <p:ph type="title"/>
-          </p:nvPr>
-        </p:nvSpPr>
-        <p:spPr>
-          <a:xfrm>
-            <a:off x="226077" y="510200"/>
-            <a:ext cx="2808000" cy="953400"/>
-          </a:xfrm>
-          <a:prstGeom prst="rect">
-            <a:avLst/>
-          </a:prstGeom>
-        </p:spPr>
-        <p:txBody>
-          <a:bodyPr lIns="91425" tIns="91425" rIns="91425" bIns="91425" anchor="b" anchorCtr="0">
-            <a:noAutofit/>
-          </a:bodyPr>
-          <a:lstStyle/>
-          <a:p>
-            <a:pPr lvl="0" rtl="0">
-              <a:spcBef>
-                <a:spcPts val="0"/>
-              </a:spcBef>
-              <a:buNone/>
-            </a:pPr>
-            <a:r>
-              <a:rPr lang="en" sz="3200"/>
-              <a:t>DataFrame Search</a:t>
-            </a:r>
-          </a:p>
-        </p:txBody>
-      </p:sp>
-      <p:sp>
-        <p:nvSpPr>
-          <p:cNvPr id="250" name="Shape 250"/>
-          <p:cNvSpPr txBox="1">
-            <a:spLocks noGrp="1"/>
-          </p:cNvSpPr>
-          <p:nvPr>
-            <p:ph type="body" idx="1"/>
-          </p:nvPr>
-        </p:nvSpPr>
-        <p:spPr>
-          <a:xfrm>
-            <a:off x="226075" y="1618200"/>
-            <a:ext cx="2808000" cy="3163500"/>
-          </a:xfrm>
-          <a:prstGeom prst="rect">
-            <a:avLst/>
-          </a:prstGeom>
-        </p:spPr>
-        <p:txBody>
-          <a:bodyPr lIns="91425" tIns="91425" rIns="91425" bIns="91425" anchor="t" anchorCtr="0">
-            <a:noAutofit/>
-          </a:bodyPr>
-          <a:lstStyle/>
-          <a:p>
-            <a:pPr lvl="0" rtl="0">
-              <a:spcBef>
-                <a:spcPts val="0"/>
-              </a:spcBef>
-              <a:buNone/>
-            </a:pPr>
-            <a:r>
-              <a:rPr lang="en" sz="2000">
-                <a:solidFill>
-                  <a:srgbClr val="F9F9F9"/>
-                </a:solidFill>
-              </a:rPr>
-              <a:t>1. getPathToRoot</a:t>
-            </a:r>
-          </a:p>
-          <a:p>
-            <a:pPr lvl="0" rtl="0">
-              <a:spcBef>
-                <a:spcPts val="0"/>
-              </a:spcBef>
-              <a:buNone/>
-            </a:pPr>
-            <a:r>
-              <a:rPr lang="en" sz="2000">
-                <a:solidFill>
-                  <a:srgbClr val="F9F9F9"/>
-                </a:solidFill>
-              </a:rPr>
-              <a:t>2. isSubTree</a:t>
-            </a:r>
-          </a:p>
-          <a:p>
-            <a:pPr lvl="0" rtl="0">
-              <a:spcBef>
-                <a:spcPts val="0"/>
-              </a:spcBef>
-              <a:buNone/>
-            </a:pPr>
-            <a:r>
-              <a:rPr lang="en" sz="2000">
-                <a:solidFill>
-                  <a:srgbClr val="F9F9F9"/>
-                </a:solidFill>
-              </a:rPr>
-              <a:t>3. getSiblings</a:t>
-            </a:r>
-          </a:p>
-          <a:p>
-            <a:pPr lvl="0" rtl="0">
-              <a:spcBef>
-                <a:spcPts val="0"/>
-              </a:spcBef>
-              <a:buNone/>
-            </a:pPr>
-            <a:r>
-              <a:rPr lang="en" sz="2000">
-                <a:solidFill>
-                  <a:srgbClr val="F9F9F9"/>
-                </a:solidFill>
-              </a:rPr>
-              <a:t>4. getChildren</a:t>
-            </a:r>
-          </a:p>
-          <a:p>
-            <a:pPr lvl="0" rtl="0">
-              <a:spcBef>
-                <a:spcPts val="0"/>
-              </a:spcBef>
-              <a:buNone/>
-            </a:pPr>
-            <a:r>
-              <a:rPr lang="en" sz="2000">
-                <a:solidFill>
-                  <a:srgbClr val="F9F9F9"/>
-                </a:solidFill>
-              </a:rPr>
-              <a:t>5. findVidByName</a:t>
-            </a:r>
-          </a:p>
-          <a:p>
-            <a:pPr lvl="0" rtl="0">
-              <a:spcBef>
-                <a:spcPts val="0"/>
-              </a:spcBef>
-              <a:buNone/>
-            </a:pPr>
-            <a:r>
-              <a:rPr lang="en" sz="2000">
-                <a:solidFill>
-                  <a:srgbClr val="FF0000"/>
-                </a:solidFill>
-              </a:rPr>
-              <a:t>6. findNameByVID</a:t>
-            </a:r>
-          </a:p>
-          <a:p>
-            <a:pPr lvl="0" rtl="0">
-              <a:spcBef>
-                <a:spcPts val="0"/>
-              </a:spcBef>
-              <a:buNone/>
-            </a:pPr>
-            <a:endParaRPr sz="2000">
-              <a:solidFill>
-                <a:srgbClr val="F9F9F9"/>
-              </a:solidFill>
-            </a:endParaRPr>
-          </a:p>
-          <a:p>
-            <a:pPr lvl="0" rtl="0">
-              <a:spcBef>
-                <a:spcPts val="0"/>
-              </a:spcBef>
-              <a:buNone/>
-            </a:pPr>
-            <a:endParaRPr/>
-          </a:p>
-        </p:txBody>
-      </p:sp>
-      <p:pic>
-        <p:nvPicPr>
-          <p:cNvPr id="251" name="Shape 251"/>
-          <p:cNvPicPr preferRelativeResize="0"/>
-          <p:nvPr/>
-        </p:nvPicPr>
-        <p:blipFill>
-          <a:blip r:embed="rId3">
-            <a:alphaModFix/>
-          </a:blip>
-          <a:stretch>
-            <a:fillRect/>
-          </a:stretch>
-        </p:blipFill>
-        <p:spPr>
-          <a:xfrm>
-            <a:off x="2415924" y="933850"/>
-            <a:ext cx="6508419" cy="3163500"/>
-          </a:xfrm>
-          <a:prstGeom prst="rect">
-            <a:avLst/>
-          </a:prstGeom>
-          <a:noFill/>
-          <a:ln>
-            <a:noFill/>
-          </a:ln>
-        </p:spPr>
-      </p:pic>
-    </p:spTree>
-  </p:cSld>
-  <p:clrMapOvr>
-    <a:masterClrMapping/>
-  </p:clrMapOvr>
-</p:sld>
-</file>
-
-<file path=ppt/slides/slide23.xml><?xml version="1.0" encoding="utf-8"?>
 <p:sld xmlns:a="http://schemas.openxmlformats.org/drawingml/2006/main" xmlns:r="http://schemas.openxmlformats.org/officeDocument/2006/relationships" xmlns:p="http://schemas.openxmlformats.org/presentationml/2006/main">
   <p:cSld>
     <p:spTree>
@@ -14485,8 +15299,8 @@
         </p:nvSpPr>
         <p:spPr>
           <a:xfrm>
-            <a:off x="226075" y="338225"/>
-            <a:ext cx="2808000" cy="1582500"/>
+            <a:off x="226077" y="510200"/>
+            <a:ext cx="2808000" cy="953400"/>
           </a:xfrm>
           <a:prstGeom prst="rect">
             <a:avLst/>
@@ -14498,7 +15312,7 @@
           </a:bodyPr>
           <a:lstStyle/>
           <a:p>
-            <a:pPr lvl="0">
+            <a:pPr lvl="0" rtl="0">
               <a:spcBef>
                 <a:spcPts val="0"/>
               </a:spcBef>
@@ -14506,26 +15320,7 @@
             </a:pPr>
             <a:r>
               <a:rPr lang="en" sz="3200"/>
-              <a:t>DataFrame</a:t>
-            </a:r>
-            <a:br>
-              <a:rPr lang="en" sz="3200"/>
-            </a:br>
-            <a:r>
-              <a:rPr lang="en" sz="3200"/>
-              <a:t>Indexing</a:t>
-            </a:r>
-          </a:p>
-          <a:p>
-            <a:pPr lvl="0" rtl="0">
-              <a:spcBef>
-                <a:spcPts val="0"/>
-              </a:spcBef>
-              <a:buNone/>
-            </a:pPr>
-            <a:r>
-              <a:rPr lang="en" sz="3200"/>
-              <a:t>Search</a:t>
+              <a:t>DataFrame Search</a:t>
             </a:r>
           </a:p>
         </p:txBody>
@@ -14542,8 +15337,8 @@
         </p:nvSpPr>
         <p:spPr>
           <a:xfrm>
-            <a:off x="226075" y="2075400"/>
-            <a:ext cx="2808000" cy="2262600"/>
+            <a:off x="226075" y="1618200"/>
+            <a:ext cx="2808000" cy="3163500"/>
           </a:xfrm>
           <a:prstGeom prst="rect">
             <a:avLst/>
@@ -14564,7 +15359,7 @@
             <a:r>
               <a:rPr lang="en" sz="2000">
                 <a:solidFill>
-                  <a:srgbClr val="FF0000"/>
+                  <a:srgbClr val="F9F9F9"/>
                 </a:solidFill>
               </a:rPr>
               <a:t>1. getPathToRoot</a:t>
@@ -14616,6 +15411,38 @@
                 </a:solidFill>
               </a:rPr>
               <a:t>4. getChildren</a:t>
+            </a:r>
+          </a:p>
+          <a:p>
+            <a:pPr lvl="0" rtl="0">
+              <a:spcBef>
+                <a:spcPts val="0"/>
+              </a:spcBef>
+              <a:buNone/>
+            </a:pPr>
+            <a:r>
+              <a:rPr lang="en" sz="2000">
+                <a:solidFill>
+                  <a:srgbClr val="FF0000"/>
+                </a:solidFill>
+              </a:rPr>
+              <a:t>5. findVidByName</a:t>
+            </a:r>
+          </a:p>
+          <a:p>
+            <a:pPr lvl="0" rtl="0">
+              <a:spcBef>
+                <a:spcPts val="0"/>
+              </a:spcBef>
+              <a:buNone/>
+            </a:pPr>
+            <a:r>
+              <a:rPr lang="en" sz="2000">
+                <a:solidFill>
+                  <a:srgbClr val="F9F9F9"/>
+                </a:solidFill>
+              </a:rPr>
+              <a:t>6. findNameByVID</a:t>
             </a:r>
           </a:p>
           <a:p>
@@ -14658,8 +15485,8 @@
         </p:blipFill>
         <p:spPr>
           <a:xfrm>
-            <a:off x="2546075" y="1162050"/>
-            <a:ext cx="6362700" cy="2819400"/>
+            <a:off x="2440049" y="1157000"/>
+            <a:ext cx="6545574" cy="2973350"/>
           </a:xfrm>
           <a:prstGeom prst="rect">
             <a:avLst/>
@@ -14670,6 +15497,994 @@
           </a:ln>
         </p:spPr>
       </p:pic>
+      <p:graphicFrame>
+        <p:nvGraphicFramePr>
+          <p:cNvPr id="259" name="Shape 259"/>
+          <p:cNvGraphicFramePr/>
+          <p:nvPr/>
+        </p:nvGraphicFramePr>
+        <p:xfrm>
+          <a:off x="3658375" y="4305675"/>
+          <a:ext cx="4661400" cy="457170"/>
+        </p:xfrm>
+        <a:graphic>
+          <a:graphicData uri="http://schemas.openxmlformats.org/drawingml/2006/table">
+            <a:tbl>
+              <a:tblPr>
+                <a:noFill/>
+                <a:tableStyleId>{BE830A24-B3AD-4CCF-8FEA-9583EB577766}</a:tableStyleId>
+              </a:tblPr>
+              <a:tblGrid>
+                <a:gridCol w="1553800"/>
+                <a:gridCol w="1553800"/>
+                <a:gridCol w="1553800"/>
+              </a:tblGrid>
+              <a:tr h="381000">
+                <a:tc>
+                  <a:txBody>
+                    <a:bodyPr/>
+                    <a:lstStyle/>
+                    <a:p>
+                      <a:pPr lvl="0" algn="ctr" rtl="0">
+                        <a:spcBef>
+                          <a:spcPts val="0"/>
+                        </a:spcBef>
+                        <a:buNone/>
+                      </a:pPr>
+                      <a:r>
+                        <a:rPr lang="en" sz="1800"/>
+                        <a:t>src</a:t>
+                      </a:r>
+                    </a:p>
+                  </a:txBody>
+                  <a:tcPr marL="91425" marR="91425" marT="91425" marB="91425" anchor="ctr">
+                    <a:lnL w="38100" cap="flat" cmpd="sng">
+                      <a:solidFill>
+                        <a:srgbClr val="FF9900"/>
+                      </a:solidFill>
+                      <a:prstDash val="solid"/>
+                      <a:round/>
+                      <a:headEnd type="none" w="med" len="med"/>
+                      <a:tailEnd type="none" w="med" len="med"/>
+                    </a:lnL>
+                    <a:lnR w="38100" cap="flat" cmpd="sng">
+                      <a:solidFill>
+                        <a:srgbClr val="FF9900"/>
+                      </a:solidFill>
+                      <a:prstDash val="solid"/>
+                      <a:round/>
+                      <a:headEnd type="none" w="med" len="med"/>
+                      <a:tailEnd type="none" w="med" len="med"/>
+                    </a:lnR>
+                    <a:lnT w="38100" cap="flat" cmpd="sng">
+                      <a:solidFill>
+                        <a:srgbClr val="FF9900"/>
+                      </a:solidFill>
+                      <a:prstDash val="solid"/>
+                      <a:round/>
+                      <a:headEnd type="none" w="med" len="med"/>
+                      <a:tailEnd type="none" w="med" len="med"/>
+                    </a:lnT>
+                    <a:lnB w="38100" cap="flat" cmpd="sng">
+                      <a:solidFill>
+                        <a:srgbClr val="FF9900"/>
+                      </a:solidFill>
+                      <a:prstDash val="solid"/>
+                      <a:round/>
+                      <a:headEnd type="none" w="med" len="med"/>
+                      <a:tailEnd type="none" w="med" len="med"/>
+                    </a:lnB>
+                  </a:tcPr>
+                </a:tc>
+                <a:tc>
+                  <a:txBody>
+                    <a:bodyPr/>
+                    <a:lstStyle/>
+                    <a:p>
+                      <a:pPr lvl="0" algn="ctr" rtl="0">
+                        <a:spcBef>
+                          <a:spcPts val="0"/>
+                        </a:spcBef>
+                        <a:buNone/>
+                      </a:pPr>
+                      <a:r>
+                        <a:rPr lang="en" sz="1800"/>
+                        <a:t>dst</a:t>
+                      </a:r>
+                    </a:p>
+                  </a:txBody>
+                  <a:tcPr marL="91425" marR="91425" marT="91425" marB="91425" anchor="ctr">
+                    <a:lnL w="38100" cap="flat" cmpd="sng">
+                      <a:solidFill>
+                        <a:srgbClr val="FF9900"/>
+                      </a:solidFill>
+                      <a:prstDash val="solid"/>
+                      <a:round/>
+                      <a:headEnd type="none" w="med" len="med"/>
+                      <a:tailEnd type="none" w="med" len="med"/>
+                    </a:lnL>
+                    <a:lnR w="38100" cap="flat" cmpd="sng">
+                      <a:solidFill>
+                        <a:srgbClr val="FF9900"/>
+                      </a:solidFill>
+                      <a:prstDash val="solid"/>
+                      <a:round/>
+                      <a:headEnd type="none" w="med" len="med"/>
+                      <a:tailEnd type="none" w="med" len="med"/>
+                    </a:lnR>
+                    <a:lnT w="38100" cap="flat" cmpd="sng">
+                      <a:solidFill>
+                        <a:srgbClr val="FF9900"/>
+                      </a:solidFill>
+                      <a:prstDash val="solid"/>
+                      <a:round/>
+                      <a:headEnd type="none" w="med" len="med"/>
+                      <a:tailEnd type="none" w="med" len="med"/>
+                    </a:lnT>
+                    <a:lnB w="38100" cap="flat" cmpd="sng">
+                      <a:solidFill>
+                        <a:srgbClr val="FF9900"/>
+                      </a:solidFill>
+                      <a:prstDash val="solid"/>
+                      <a:round/>
+                      <a:headEnd type="none" w="med" len="med"/>
+                      <a:tailEnd type="none" w="med" len="med"/>
+                    </a:lnB>
+                  </a:tcPr>
+                </a:tc>
+                <a:tc>
+                  <a:txBody>
+                    <a:bodyPr/>
+                    <a:lstStyle/>
+                    <a:p>
+                      <a:pPr lvl="0" algn="ctr" rtl="0">
+                        <a:spcBef>
+                          <a:spcPts val="0"/>
+                        </a:spcBef>
+                        <a:buNone/>
+                      </a:pPr>
+                      <a:r>
+                        <a:rPr lang="en" sz="1800"/>
+                        <a:t>relationship</a:t>
+                      </a:r>
+                    </a:p>
+                  </a:txBody>
+                  <a:tcPr marL="91425" marR="91425" marT="91425" marB="91425" anchor="ctr">
+                    <a:lnL w="38100" cap="flat" cmpd="sng">
+                      <a:solidFill>
+                        <a:srgbClr val="FF9900"/>
+                      </a:solidFill>
+                      <a:prstDash val="solid"/>
+                      <a:round/>
+                      <a:headEnd type="none" w="med" len="med"/>
+                      <a:tailEnd type="none" w="med" len="med"/>
+                    </a:lnL>
+                    <a:lnR w="38100" cap="flat" cmpd="sng">
+                      <a:solidFill>
+                        <a:srgbClr val="FF9900"/>
+                      </a:solidFill>
+                      <a:prstDash val="solid"/>
+                      <a:round/>
+                      <a:headEnd type="none" w="med" len="med"/>
+                      <a:tailEnd type="none" w="med" len="med"/>
+                    </a:lnR>
+                    <a:lnT w="38100" cap="flat" cmpd="sng">
+                      <a:solidFill>
+                        <a:srgbClr val="FF9900"/>
+                      </a:solidFill>
+                      <a:prstDash val="solid"/>
+                      <a:round/>
+                      <a:headEnd type="none" w="med" len="med"/>
+                      <a:tailEnd type="none" w="med" len="med"/>
+                    </a:lnT>
+                    <a:lnB w="38100" cap="flat" cmpd="sng">
+                      <a:solidFill>
+                        <a:srgbClr val="FF9900"/>
+                      </a:solidFill>
+                      <a:prstDash val="solid"/>
+                      <a:round/>
+                      <a:headEnd type="none" w="med" len="med"/>
+                      <a:tailEnd type="none" w="med" len="med"/>
+                    </a:lnB>
+                  </a:tcPr>
+                </a:tc>
+              </a:tr>
+            </a:tbl>
+          </a:graphicData>
+        </a:graphic>
+      </p:graphicFrame>
+    </p:spTree>
+  </p:cSld>
+  <p:clrMapOvr>
+    <a:masterClrMapping/>
+  </p:clrMapOvr>
+</p:sld>
+</file>
+
+<file path=ppt/slides/slide22.xml><?xml version="1.0" encoding="utf-8"?>
+<p:sld xmlns:a="http://schemas.openxmlformats.org/drawingml/2006/main" xmlns:r="http://schemas.openxmlformats.org/officeDocument/2006/relationships" xmlns:p="http://schemas.openxmlformats.org/presentationml/2006/main">
+  <p:cSld>
+    <p:spTree>
+      <p:nvGrpSpPr>
+        <p:cNvPr id="1" name="Shape 263"/>
+        <p:cNvGrpSpPr/>
+        <p:nvPr/>
+      </p:nvGrpSpPr>
+      <p:grpSpPr>
+        <a:xfrm>
+          <a:off x="0" y="0"/>
+          <a:ext cx="0" cy="0"/>
+          <a:chOff x="0" y="0"/>
+          <a:chExt cx="0" cy="0"/>
+        </a:xfrm>
+      </p:grpSpPr>
+      <p:sp>
+        <p:nvSpPr>
+          <p:cNvPr id="264" name="Shape 264"/>
+          <p:cNvSpPr txBox="1">
+            <a:spLocks noGrp="1"/>
+          </p:cNvSpPr>
+          <p:nvPr>
+            <p:ph type="title"/>
+          </p:nvPr>
+        </p:nvSpPr>
+        <p:spPr>
+          <a:xfrm>
+            <a:off x="226077" y="510200"/>
+            <a:ext cx="2808000" cy="953400"/>
+          </a:xfrm>
+          <a:prstGeom prst="rect">
+            <a:avLst/>
+          </a:prstGeom>
+        </p:spPr>
+        <p:txBody>
+          <a:bodyPr lIns="91425" tIns="91425" rIns="91425" bIns="91425" anchor="b" anchorCtr="0">
+            <a:noAutofit/>
+          </a:bodyPr>
+          <a:lstStyle/>
+          <a:p>
+            <a:pPr lvl="0" rtl="0">
+              <a:spcBef>
+                <a:spcPts val="0"/>
+              </a:spcBef>
+              <a:buNone/>
+            </a:pPr>
+            <a:r>
+              <a:rPr lang="en" sz="3200"/>
+              <a:t>DataFrame Search</a:t>
+            </a:r>
+          </a:p>
+        </p:txBody>
+      </p:sp>
+      <p:sp>
+        <p:nvSpPr>
+          <p:cNvPr id="265" name="Shape 265"/>
+          <p:cNvSpPr txBox="1">
+            <a:spLocks noGrp="1"/>
+          </p:cNvSpPr>
+          <p:nvPr>
+            <p:ph type="body" idx="1"/>
+          </p:nvPr>
+        </p:nvSpPr>
+        <p:spPr>
+          <a:xfrm>
+            <a:off x="226075" y="1618200"/>
+            <a:ext cx="2808000" cy="3163500"/>
+          </a:xfrm>
+          <a:prstGeom prst="rect">
+            <a:avLst/>
+          </a:prstGeom>
+        </p:spPr>
+        <p:txBody>
+          <a:bodyPr lIns="91425" tIns="91425" rIns="91425" bIns="91425" anchor="t" anchorCtr="0">
+            <a:noAutofit/>
+          </a:bodyPr>
+          <a:lstStyle/>
+          <a:p>
+            <a:pPr lvl="0" rtl="0">
+              <a:spcBef>
+                <a:spcPts val="0"/>
+              </a:spcBef>
+              <a:buNone/>
+            </a:pPr>
+            <a:r>
+              <a:rPr lang="en" sz="2000">
+                <a:solidFill>
+                  <a:srgbClr val="F9F9F9"/>
+                </a:solidFill>
+              </a:rPr>
+              <a:t>1. getPathToRoot</a:t>
+            </a:r>
+          </a:p>
+          <a:p>
+            <a:pPr lvl="0" rtl="0">
+              <a:spcBef>
+                <a:spcPts val="0"/>
+              </a:spcBef>
+              <a:buNone/>
+            </a:pPr>
+            <a:r>
+              <a:rPr lang="en" sz="2000">
+                <a:solidFill>
+                  <a:srgbClr val="F9F9F9"/>
+                </a:solidFill>
+              </a:rPr>
+              <a:t>2. isSubTree</a:t>
+            </a:r>
+          </a:p>
+          <a:p>
+            <a:pPr lvl="0" rtl="0">
+              <a:spcBef>
+                <a:spcPts val="0"/>
+              </a:spcBef>
+              <a:buNone/>
+            </a:pPr>
+            <a:r>
+              <a:rPr lang="en" sz="2000">
+                <a:solidFill>
+                  <a:srgbClr val="F9F9F9"/>
+                </a:solidFill>
+              </a:rPr>
+              <a:t>3. getSiblings</a:t>
+            </a:r>
+          </a:p>
+          <a:p>
+            <a:pPr lvl="0" rtl="0">
+              <a:spcBef>
+                <a:spcPts val="0"/>
+              </a:spcBef>
+              <a:buNone/>
+            </a:pPr>
+            <a:r>
+              <a:rPr lang="en" sz="2000">
+                <a:solidFill>
+                  <a:srgbClr val="F9F9F9"/>
+                </a:solidFill>
+              </a:rPr>
+              <a:t>4. getChildren</a:t>
+            </a:r>
+          </a:p>
+          <a:p>
+            <a:pPr lvl="0" rtl="0">
+              <a:spcBef>
+                <a:spcPts val="0"/>
+              </a:spcBef>
+              <a:buNone/>
+            </a:pPr>
+            <a:r>
+              <a:rPr lang="en" sz="2000">
+                <a:solidFill>
+                  <a:srgbClr val="F9F9F9"/>
+                </a:solidFill>
+              </a:rPr>
+              <a:t>5. findVidByName</a:t>
+            </a:r>
+          </a:p>
+          <a:p>
+            <a:pPr lvl="0" rtl="0">
+              <a:spcBef>
+                <a:spcPts val="0"/>
+              </a:spcBef>
+              <a:buNone/>
+            </a:pPr>
+            <a:r>
+              <a:rPr lang="en" sz="2000">
+                <a:solidFill>
+                  <a:srgbClr val="FF0000"/>
+                </a:solidFill>
+              </a:rPr>
+              <a:t>6. findNameByVID</a:t>
+            </a:r>
+          </a:p>
+          <a:p>
+            <a:pPr lvl="0" rtl="0">
+              <a:spcBef>
+                <a:spcPts val="0"/>
+              </a:spcBef>
+              <a:buNone/>
+            </a:pPr>
+            <a:endParaRPr sz="2000">
+              <a:solidFill>
+                <a:srgbClr val="F9F9F9"/>
+              </a:solidFill>
+            </a:endParaRPr>
+          </a:p>
+          <a:p>
+            <a:pPr lvl="0" rtl="0">
+              <a:spcBef>
+                <a:spcPts val="0"/>
+              </a:spcBef>
+              <a:buNone/>
+            </a:pPr>
+            <a:endParaRPr/>
+          </a:p>
+        </p:txBody>
+      </p:sp>
+      <p:pic>
+        <p:nvPicPr>
+          <p:cNvPr id="266" name="Shape 266"/>
+          <p:cNvPicPr preferRelativeResize="0"/>
+          <p:nvPr/>
+        </p:nvPicPr>
+        <p:blipFill>
+          <a:blip r:embed="rId3">
+            <a:alphaModFix/>
+          </a:blip>
+          <a:stretch>
+            <a:fillRect/>
+          </a:stretch>
+        </p:blipFill>
+        <p:spPr>
+          <a:xfrm>
+            <a:off x="2415924" y="933850"/>
+            <a:ext cx="6508419" cy="3163500"/>
+          </a:xfrm>
+          <a:prstGeom prst="rect">
+            <a:avLst/>
+          </a:prstGeom>
+          <a:noFill/>
+          <a:ln>
+            <a:noFill/>
+          </a:ln>
+        </p:spPr>
+      </p:pic>
+      <p:graphicFrame>
+        <p:nvGraphicFramePr>
+          <p:cNvPr id="267" name="Shape 267"/>
+          <p:cNvGraphicFramePr/>
+          <p:nvPr/>
+        </p:nvGraphicFramePr>
+        <p:xfrm>
+          <a:off x="3658375" y="4305675"/>
+          <a:ext cx="4661400" cy="457170"/>
+        </p:xfrm>
+        <a:graphic>
+          <a:graphicData uri="http://schemas.openxmlformats.org/drawingml/2006/table">
+            <a:tbl>
+              <a:tblPr>
+                <a:noFill/>
+                <a:tableStyleId>{BE830A24-B3AD-4CCF-8FEA-9583EB577766}</a:tableStyleId>
+              </a:tblPr>
+              <a:tblGrid>
+                <a:gridCol w="1553800"/>
+                <a:gridCol w="1553800"/>
+                <a:gridCol w="1553800"/>
+              </a:tblGrid>
+              <a:tr h="381000">
+                <a:tc>
+                  <a:txBody>
+                    <a:bodyPr/>
+                    <a:lstStyle/>
+                    <a:p>
+                      <a:pPr lvl="0" algn="ctr" rtl="0">
+                        <a:spcBef>
+                          <a:spcPts val="0"/>
+                        </a:spcBef>
+                        <a:buNone/>
+                      </a:pPr>
+                      <a:r>
+                        <a:rPr lang="en" sz="1800"/>
+                        <a:t>src</a:t>
+                      </a:r>
+                    </a:p>
+                  </a:txBody>
+                  <a:tcPr marL="91425" marR="91425" marT="91425" marB="91425" anchor="ctr">
+                    <a:lnL w="38100" cap="flat" cmpd="sng">
+                      <a:solidFill>
+                        <a:srgbClr val="FF9900"/>
+                      </a:solidFill>
+                      <a:prstDash val="solid"/>
+                      <a:round/>
+                      <a:headEnd type="none" w="med" len="med"/>
+                      <a:tailEnd type="none" w="med" len="med"/>
+                    </a:lnL>
+                    <a:lnR w="38100" cap="flat" cmpd="sng">
+                      <a:solidFill>
+                        <a:srgbClr val="FF9900"/>
+                      </a:solidFill>
+                      <a:prstDash val="solid"/>
+                      <a:round/>
+                      <a:headEnd type="none" w="med" len="med"/>
+                      <a:tailEnd type="none" w="med" len="med"/>
+                    </a:lnR>
+                    <a:lnT w="38100" cap="flat" cmpd="sng">
+                      <a:solidFill>
+                        <a:srgbClr val="FF9900"/>
+                      </a:solidFill>
+                      <a:prstDash val="solid"/>
+                      <a:round/>
+                      <a:headEnd type="none" w="med" len="med"/>
+                      <a:tailEnd type="none" w="med" len="med"/>
+                    </a:lnT>
+                    <a:lnB w="38100" cap="flat" cmpd="sng">
+                      <a:solidFill>
+                        <a:srgbClr val="FF9900"/>
+                      </a:solidFill>
+                      <a:prstDash val="solid"/>
+                      <a:round/>
+                      <a:headEnd type="none" w="med" len="med"/>
+                      <a:tailEnd type="none" w="med" len="med"/>
+                    </a:lnB>
+                  </a:tcPr>
+                </a:tc>
+                <a:tc>
+                  <a:txBody>
+                    <a:bodyPr/>
+                    <a:lstStyle/>
+                    <a:p>
+                      <a:pPr lvl="0" algn="ctr" rtl="0">
+                        <a:spcBef>
+                          <a:spcPts val="0"/>
+                        </a:spcBef>
+                        <a:buNone/>
+                      </a:pPr>
+                      <a:r>
+                        <a:rPr lang="en" sz="1800"/>
+                        <a:t>dst</a:t>
+                      </a:r>
+                    </a:p>
+                  </a:txBody>
+                  <a:tcPr marL="91425" marR="91425" marT="91425" marB="91425" anchor="ctr">
+                    <a:lnL w="38100" cap="flat" cmpd="sng">
+                      <a:solidFill>
+                        <a:srgbClr val="FF9900"/>
+                      </a:solidFill>
+                      <a:prstDash val="solid"/>
+                      <a:round/>
+                      <a:headEnd type="none" w="med" len="med"/>
+                      <a:tailEnd type="none" w="med" len="med"/>
+                    </a:lnL>
+                    <a:lnR w="38100" cap="flat" cmpd="sng">
+                      <a:solidFill>
+                        <a:srgbClr val="FF9900"/>
+                      </a:solidFill>
+                      <a:prstDash val="solid"/>
+                      <a:round/>
+                      <a:headEnd type="none" w="med" len="med"/>
+                      <a:tailEnd type="none" w="med" len="med"/>
+                    </a:lnR>
+                    <a:lnT w="38100" cap="flat" cmpd="sng">
+                      <a:solidFill>
+                        <a:srgbClr val="FF9900"/>
+                      </a:solidFill>
+                      <a:prstDash val="solid"/>
+                      <a:round/>
+                      <a:headEnd type="none" w="med" len="med"/>
+                      <a:tailEnd type="none" w="med" len="med"/>
+                    </a:lnT>
+                    <a:lnB w="38100" cap="flat" cmpd="sng">
+                      <a:solidFill>
+                        <a:srgbClr val="FF9900"/>
+                      </a:solidFill>
+                      <a:prstDash val="solid"/>
+                      <a:round/>
+                      <a:headEnd type="none" w="med" len="med"/>
+                      <a:tailEnd type="none" w="med" len="med"/>
+                    </a:lnB>
+                  </a:tcPr>
+                </a:tc>
+                <a:tc>
+                  <a:txBody>
+                    <a:bodyPr/>
+                    <a:lstStyle/>
+                    <a:p>
+                      <a:pPr lvl="0" algn="ctr" rtl="0">
+                        <a:spcBef>
+                          <a:spcPts val="0"/>
+                        </a:spcBef>
+                        <a:buNone/>
+                      </a:pPr>
+                      <a:r>
+                        <a:rPr lang="en" sz="1800"/>
+                        <a:t>relationship</a:t>
+                      </a:r>
+                    </a:p>
+                  </a:txBody>
+                  <a:tcPr marL="91425" marR="91425" marT="91425" marB="91425" anchor="ctr">
+                    <a:lnL w="38100" cap="flat" cmpd="sng">
+                      <a:solidFill>
+                        <a:srgbClr val="FF9900"/>
+                      </a:solidFill>
+                      <a:prstDash val="solid"/>
+                      <a:round/>
+                      <a:headEnd type="none" w="med" len="med"/>
+                      <a:tailEnd type="none" w="med" len="med"/>
+                    </a:lnL>
+                    <a:lnR w="38100" cap="flat" cmpd="sng">
+                      <a:solidFill>
+                        <a:srgbClr val="FF9900"/>
+                      </a:solidFill>
+                      <a:prstDash val="solid"/>
+                      <a:round/>
+                      <a:headEnd type="none" w="med" len="med"/>
+                      <a:tailEnd type="none" w="med" len="med"/>
+                    </a:lnR>
+                    <a:lnT w="38100" cap="flat" cmpd="sng">
+                      <a:solidFill>
+                        <a:srgbClr val="FF9900"/>
+                      </a:solidFill>
+                      <a:prstDash val="solid"/>
+                      <a:round/>
+                      <a:headEnd type="none" w="med" len="med"/>
+                      <a:tailEnd type="none" w="med" len="med"/>
+                    </a:lnT>
+                    <a:lnB w="38100" cap="flat" cmpd="sng">
+                      <a:solidFill>
+                        <a:srgbClr val="FF9900"/>
+                      </a:solidFill>
+                      <a:prstDash val="solid"/>
+                      <a:round/>
+                      <a:headEnd type="none" w="med" len="med"/>
+                      <a:tailEnd type="none" w="med" len="med"/>
+                    </a:lnB>
+                  </a:tcPr>
+                </a:tc>
+              </a:tr>
+            </a:tbl>
+          </a:graphicData>
+        </a:graphic>
+      </p:graphicFrame>
+    </p:spTree>
+  </p:cSld>
+  <p:clrMapOvr>
+    <a:masterClrMapping/>
+  </p:clrMapOvr>
+</p:sld>
+</file>
+
+<file path=ppt/slides/slide23.xml><?xml version="1.0" encoding="utf-8"?>
+<p:sld xmlns:a="http://schemas.openxmlformats.org/drawingml/2006/main" xmlns:r="http://schemas.openxmlformats.org/officeDocument/2006/relationships" xmlns:p="http://schemas.openxmlformats.org/presentationml/2006/main">
+  <p:cSld>
+    <p:spTree>
+      <p:nvGrpSpPr>
+        <p:cNvPr id="1" name="Shape 271"/>
+        <p:cNvGrpSpPr/>
+        <p:nvPr/>
+      </p:nvGrpSpPr>
+      <p:grpSpPr>
+        <a:xfrm>
+          <a:off x="0" y="0"/>
+          <a:ext cx="0" cy="0"/>
+          <a:chOff x="0" y="0"/>
+          <a:chExt cx="0" cy="0"/>
+        </a:xfrm>
+      </p:grpSpPr>
+      <p:sp>
+        <p:nvSpPr>
+          <p:cNvPr id="272" name="Shape 272"/>
+          <p:cNvSpPr txBox="1">
+            <a:spLocks noGrp="1"/>
+          </p:cNvSpPr>
+          <p:nvPr>
+            <p:ph type="title"/>
+          </p:nvPr>
+        </p:nvSpPr>
+        <p:spPr>
+          <a:xfrm>
+            <a:off x="226075" y="338225"/>
+            <a:ext cx="2808000" cy="1582500"/>
+          </a:xfrm>
+          <a:prstGeom prst="rect">
+            <a:avLst/>
+          </a:prstGeom>
+        </p:spPr>
+        <p:txBody>
+          <a:bodyPr lIns="91425" tIns="91425" rIns="91425" bIns="91425" anchor="b" anchorCtr="0">
+            <a:noAutofit/>
+          </a:bodyPr>
+          <a:lstStyle/>
+          <a:p>
+            <a:pPr lvl="0">
+              <a:spcBef>
+                <a:spcPts val="0"/>
+              </a:spcBef>
+              <a:buNone/>
+            </a:pPr>
+            <a:r>
+              <a:rPr lang="en" sz="3200"/>
+              <a:t>DataFrame</a:t>
+            </a:r>
+            <a:br>
+              <a:rPr lang="en" sz="3200"/>
+            </a:br>
+            <a:r>
+              <a:rPr lang="en" sz="3200"/>
+              <a:t>Indexing</a:t>
+            </a:r>
+          </a:p>
+          <a:p>
+            <a:pPr lvl="0" rtl="0">
+              <a:spcBef>
+                <a:spcPts val="0"/>
+              </a:spcBef>
+              <a:buNone/>
+            </a:pPr>
+            <a:r>
+              <a:rPr lang="en" sz="3200"/>
+              <a:t>Search</a:t>
+            </a:r>
+          </a:p>
+        </p:txBody>
+      </p:sp>
+      <p:sp>
+        <p:nvSpPr>
+          <p:cNvPr id="273" name="Shape 273"/>
+          <p:cNvSpPr txBox="1">
+            <a:spLocks noGrp="1"/>
+          </p:cNvSpPr>
+          <p:nvPr>
+            <p:ph type="body" idx="1"/>
+          </p:nvPr>
+        </p:nvSpPr>
+        <p:spPr>
+          <a:xfrm>
+            <a:off x="226075" y="2075400"/>
+            <a:ext cx="2808000" cy="2262600"/>
+          </a:xfrm>
+          <a:prstGeom prst="rect">
+            <a:avLst/>
+          </a:prstGeom>
+        </p:spPr>
+        <p:txBody>
+          <a:bodyPr lIns="91425" tIns="91425" rIns="91425" bIns="91425" anchor="t" anchorCtr="0">
+            <a:noAutofit/>
+          </a:bodyPr>
+          <a:lstStyle/>
+          <a:p>
+            <a:pPr lvl="0" rtl="0">
+              <a:spcBef>
+                <a:spcPts val="0"/>
+              </a:spcBef>
+              <a:buNone/>
+            </a:pPr>
+            <a:r>
+              <a:rPr lang="en" sz="2000">
+                <a:solidFill>
+                  <a:srgbClr val="FF0000"/>
+                </a:solidFill>
+              </a:rPr>
+              <a:t>1. getPathToRoot</a:t>
+            </a:r>
+          </a:p>
+          <a:p>
+            <a:pPr lvl="0" rtl="0">
+              <a:spcBef>
+                <a:spcPts val="0"/>
+              </a:spcBef>
+              <a:buNone/>
+            </a:pPr>
+            <a:r>
+              <a:rPr lang="en" sz="2000">
+                <a:solidFill>
+                  <a:srgbClr val="F9F9F9"/>
+                </a:solidFill>
+              </a:rPr>
+              <a:t>2. isSubTree</a:t>
+            </a:r>
+          </a:p>
+          <a:p>
+            <a:pPr lvl="0" rtl="0">
+              <a:spcBef>
+                <a:spcPts val="0"/>
+              </a:spcBef>
+              <a:buNone/>
+            </a:pPr>
+            <a:r>
+              <a:rPr lang="en" sz="2000">
+                <a:solidFill>
+                  <a:srgbClr val="F9F9F9"/>
+                </a:solidFill>
+              </a:rPr>
+              <a:t>3. getSiblings</a:t>
+            </a:r>
+          </a:p>
+          <a:p>
+            <a:pPr lvl="0" rtl="0">
+              <a:spcBef>
+                <a:spcPts val="0"/>
+              </a:spcBef>
+              <a:buNone/>
+            </a:pPr>
+            <a:r>
+              <a:rPr lang="en" sz="2000">
+                <a:solidFill>
+                  <a:srgbClr val="F9F9F9"/>
+                </a:solidFill>
+              </a:rPr>
+              <a:t>4. getChildren</a:t>
+            </a:r>
+          </a:p>
+          <a:p>
+            <a:pPr lvl="0" rtl="0">
+              <a:spcBef>
+                <a:spcPts val="0"/>
+              </a:spcBef>
+              <a:buNone/>
+            </a:pPr>
+            <a:endParaRPr sz="2000">
+              <a:solidFill>
+                <a:srgbClr val="F9F9F9"/>
+              </a:solidFill>
+            </a:endParaRPr>
+          </a:p>
+          <a:p>
+            <a:pPr lvl="0" rtl="0">
+              <a:spcBef>
+                <a:spcPts val="0"/>
+              </a:spcBef>
+              <a:buNone/>
+            </a:pPr>
+            <a:endParaRPr/>
+          </a:p>
+        </p:txBody>
+      </p:sp>
+      <p:pic>
+        <p:nvPicPr>
+          <p:cNvPr id="274" name="Shape 274"/>
+          <p:cNvPicPr preferRelativeResize="0"/>
+          <p:nvPr/>
+        </p:nvPicPr>
+        <p:blipFill>
+          <a:blip r:embed="rId3">
+            <a:alphaModFix/>
+          </a:blip>
+          <a:stretch>
+            <a:fillRect/>
+          </a:stretch>
+        </p:blipFill>
+        <p:spPr>
+          <a:xfrm>
+            <a:off x="2546075" y="1162050"/>
+            <a:ext cx="6362700" cy="2819400"/>
+          </a:xfrm>
+          <a:prstGeom prst="rect">
+            <a:avLst/>
+          </a:prstGeom>
+          <a:noFill/>
+          <a:ln>
+            <a:noFill/>
+          </a:ln>
+        </p:spPr>
+      </p:pic>
+      <p:graphicFrame>
+        <p:nvGraphicFramePr>
+          <p:cNvPr id="275" name="Shape 275"/>
+          <p:cNvGraphicFramePr/>
+          <p:nvPr/>
+        </p:nvGraphicFramePr>
+        <p:xfrm>
+          <a:off x="4496575" y="4305675"/>
+          <a:ext cx="3544950" cy="457170"/>
+        </p:xfrm>
+        <a:graphic>
+          <a:graphicData uri="http://schemas.openxmlformats.org/drawingml/2006/table">
+            <a:tbl>
+              <a:tblPr>
+                <a:noFill/>
+                <a:tableStyleId>{BE830A24-B3AD-4CCF-8FEA-9583EB577766}</a:tableStyleId>
+              </a:tblPr>
+              <a:tblGrid>
+                <a:gridCol w="1106375"/>
+                <a:gridCol w="2438575"/>
+              </a:tblGrid>
+              <a:tr h="381000">
+                <a:tc>
+                  <a:txBody>
+                    <a:bodyPr/>
+                    <a:lstStyle/>
+                    <a:p>
+                      <a:pPr lvl="0" algn="ctr" rtl="0">
+                        <a:spcBef>
+                          <a:spcPts val="0"/>
+                        </a:spcBef>
+                        <a:buNone/>
+                      </a:pPr>
+                      <a:r>
+                        <a:rPr lang="en" sz="1800"/>
+                        <a:t>id</a:t>
+                      </a:r>
+                    </a:p>
+                  </a:txBody>
+                  <a:tcPr marL="91425" marR="91425" marT="91425" marB="91425" anchor="ctr">
+                    <a:lnL w="38100" cap="flat" cmpd="sng">
+                      <a:solidFill>
+                        <a:srgbClr val="FF9900"/>
+                      </a:solidFill>
+                      <a:prstDash val="solid"/>
+                      <a:round/>
+                      <a:headEnd type="none" w="med" len="med"/>
+                      <a:tailEnd type="none" w="med" len="med"/>
+                    </a:lnL>
+                    <a:lnR w="38100" cap="flat" cmpd="sng">
+                      <a:solidFill>
+                        <a:srgbClr val="FF9900"/>
+                      </a:solidFill>
+                      <a:prstDash val="solid"/>
+                      <a:round/>
+                      <a:headEnd type="none" w="med" len="med"/>
+                      <a:tailEnd type="none" w="med" len="med"/>
+                    </a:lnR>
+                    <a:lnT w="38100" cap="flat" cmpd="sng">
+                      <a:solidFill>
+                        <a:srgbClr val="FF9900"/>
+                      </a:solidFill>
+                      <a:prstDash val="solid"/>
+                      <a:round/>
+                      <a:headEnd type="none" w="med" len="med"/>
+                      <a:tailEnd type="none" w="med" len="med"/>
+                    </a:lnT>
+                    <a:lnB w="38100" cap="flat" cmpd="sng">
+                      <a:solidFill>
+                        <a:srgbClr val="FF9900"/>
+                      </a:solidFill>
+                      <a:prstDash val="solid"/>
+                      <a:round/>
+                      <a:headEnd type="none" w="med" len="med"/>
+                      <a:tailEnd type="none" w="med" len="med"/>
+                    </a:lnB>
+                  </a:tcPr>
+                </a:tc>
+                <a:tc>
+                  <a:txBody>
+                    <a:bodyPr/>
+                    <a:lstStyle/>
+                    <a:p>
+                      <a:pPr lvl="0" algn="ctr" rtl="0">
+                        <a:spcBef>
+                          <a:spcPts val="0"/>
+                        </a:spcBef>
+                        <a:buNone/>
+                      </a:pPr>
+                      <a:r>
+                        <a:rPr lang="en" sz="1800"/>
+                        <a:t>parentPathToRoot</a:t>
+                      </a:r>
+                    </a:p>
+                  </a:txBody>
+                  <a:tcPr marL="91425" marR="91425" marT="91425" marB="91425" anchor="ctr">
+                    <a:lnL w="38100" cap="flat" cmpd="sng">
+                      <a:solidFill>
+                        <a:srgbClr val="FF9900"/>
+                      </a:solidFill>
+                      <a:prstDash val="solid"/>
+                      <a:round/>
+                      <a:headEnd type="none" w="med" len="med"/>
+                      <a:tailEnd type="none" w="med" len="med"/>
+                    </a:lnL>
+                    <a:lnR w="38100" cap="flat" cmpd="sng">
+                      <a:solidFill>
+                        <a:srgbClr val="FF9900"/>
+                      </a:solidFill>
+                      <a:prstDash val="solid"/>
+                      <a:round/>
+                      <a:headEnd type="none" w="med" len="med"/>
+                      <a:tailEnd type="none" w="med" len="med"/>
+                    </a:lnR>
+                    <a:lnT w="38100" cap="flat" cmpd="sng">
+                      <a:solidFill>
+                        <a:srgbClr val="FF9900"/>
+                      </a:solidFill>
+                      <a:prstDash val="solid"/>
+                      <a:round/>
+                      <a:headEnd type="none" w="med" len="med"/>
+                      <a:tailEnd type="none" w="med" len="med"/>
+                    </a:lnT>
+                    <a:lnB w="38100" cap="flat" cmpd="sng">
+                      <a:solidFill>
+                        <a:srgbClr val="FF9900"/>
+                      </a:solidFill>
+                      <a:prstDash val="solid"/>
+                      <a:round/>
+                      <a:headEnd type="none" w="med" len="med"/>
+                      <a:tailEnd type="none" w="med" len="med"/>
+                    </a:lnB>
+                  </a:tcPr>
+                </a:tc>
+              </a:tr>
+            </a:tbl>
+          </a:graphicData>
+        </a:graphic>
+      </p:graphicFrame>
     </p:spTree>
   </p:cSld>
   <p:clrMapOvr>
@@ -14683,7 +16498,7 @@
   <p:cSld>
     <p:spTree>
       <p:nvGrpSpPr>
-        <p:cNvPr id="1" name="Shape 262"/>
+        <p:cNvPr id="1" name="Shape 279"/>
         <p:cNvGrpSpPr/>
         <p:nvPr/>
       </p:nvGrpSpPr>
@@ -14697,7 +16512,7 @@
       </p:grpSpPr>
       <p:sp>
         <p:nvSpPr>
-          <p:cNvPr id="263" name="Shape 263"/>
+          <p:cNvPr id="280" name="Shape 280"/>
           <p:cNvSpPr txBox="1">
             <a:spLocks noGrp="1"/>
           </p:cNvSpPr>
@@ -14754,7 +16569,7 @@
       </p:sp>
       <p:sp>
         <p:nvSpPr>
-          <p:cNvPr id="264" name="Shape 264"/>
+          <p:cNvPr id="281" name="Shape 281"/>
           <p:cNvSpPr txBox="1">
             <a:spLocks noGrp="1"/>
           </p:cNvSpPr>
@@ -14866,7 +16681,7 @@
       </p:sp>
       <p:pic>
         <p:nvPicPr>
-          <p:cNvPr id="265" name="Shape 265"/>
+          <p:cNvPr id="282" name="Shape 282"/>
           <p:cNvPicPr preferRelativeResize="0"/>
           <p:nvPr/>
         </p:nvPicPr>
@@ -14892,6 +16707,145 @@
           </a:ln>
         </p:spPr>
       </p:pic>
+      <p:graphicFrame>
+        <p:nvGraphicFramePr>
+          <p:cNvPr id="283" name="Shape 283"/>
+          <p:cNvGraphicFramePr/>
+          <p:nvPr/>
+        </p:nvGraphicFramePr>
+        <p:xfrm>
+          <a:off x="4496575" y="4305675"/>
+          <a:ext cx="3544950" cy="457170"/>
+        </p:xfrm>
+        <a:graphic>
+          <a:graphicData uri="http://schemas.openxmlformats.org/drawingml/2006/table">
+            <a:tbl>
+              <a:tblPr>
+                <a:noFill/>
+                <a:tableStyleId>{BE830A24-B3AD-4CCF-8FEA-9583EB577766}</a:tableStyleId>
+              </a:tblPr>
+              <a:tblGrid>
+                <a:gridCol w="1106375"/>
+                <a:gridCol w="2438575"/>
+              </a:tblGrid>
+              <a:tr h="381000">
+                <a:tc>
+                  <a:txBody>
+                    <a:bodyPr/>
+                    <a:lstStyle/>
+                    <a:p>
+                      <a:pPr lvl="0" algn="ctr" rtl="0">
+                        <a:spcBef>
+                          <a:spcPts val="0"/>
+                        </a:spcBef>
+                        <a:buNone/>
+                      </a:pPr>
+                      <a:r>
+                        <a:rPr lang="en" sz="1800"/>
+                        <a:t>id</a:t>
+                      </a:r>
+                    </a:p>
+                  </a:txBody>
+                  <a:tcPr marL="91425" marR="91425" marT="91425" marB="91425" anchor="ctr">
+                    <a:lnL w="38100" cap="flat" cmpd="sng">
+                      <a:solidFill>
+                        <a:srgbClr val="FF9900"/>
+                      </a:solidFill>
+                      <a:prstDash val="solid"/>
+                      <a:round/>
+                      <a:headEnd type="none" w="med" len="med"/>
+                      <a:tailEnd type="none" w="med" len="med"/>
+                    </a:lnL>
+                    <a:lnR w="38100" cap="flat" cmpd="sng">
+                      <a:solidFill>
+                        <a:srgbClr val="FF9900"/>
+                      </a:solidFill>
+                      <a:prstDash val="solid"/>
+                      <a:round/>
+                      <a:headEnd type="none" w="med" len="med"/>
+                      <a:tailEnd type="none" w="med" len="med"/>
+                    </a:lnR>
+                    <a:lnT w="38100" cap="flat" cmpd="sng">
+                      <a:solidFill>
+                        <a:srgbClr val="FF9900"/>
+                      </a:solidFill>
+                      <a:prstDash val="solid"/>
+                      <a:round/>
+                      <a:headEnd type="none" w="med" len="med"/>
+                      <a:tailEnd type="none" w="med" len="med"/>
+                    </a:lnT>
+                    <a:lnB w="38100" cap="flat" cmpd="sng">
+                      <a:solidFill>
+                        <a:srgbClr val="FF9900"/>
+                      </a:solidFill>
+                      <a:prstDash val="solid"/>
+                      <a:round/>
+                      <a:headEnd type="none" w="med" len="med"/>
+                      <a:tailEnd type="none" w="med" len="med"/>
+                    </a:lnB>
+                  </a:tcPr>
+                </a:tc>
+                <a:tc>
+                  <a:txBody>
+                    <a:bodyPr/>
+                    <a:lstStyle/>
+                    <a:p>
+                      <a:pPr lvl="0" algn="ctr" rtl="0">
+                        <a:spcBef>
+                          <a:spcPts val="0"/>
+                        </a:spcBef>
+                        <a:buNone/>
+                      </a:pPr>
+                      <a:r>
+                        <a:rPr lang="en" sz="1800"/>
+                        <a:t>parentPathToRoot</a:t>
+                      </a:r>
+                    </a:p>
+                  </a:txBody>
+                  <a:tcPr marL="91425" marR="91425" marT="91425" marB="91425" anchor="ctr">
+                    <a:lnL w="38100" cap="flat" cmpd="sng">
+                      <a:solidFill>
+                        <a:srgbClr val="FF9900"/>
+                      </a:solidFill>
+                      <a:prstDash val="solid"/>
+                      <a:round/>
+                      <a:headEnd type="none" w="med" len="med"/>
+                      <a:tailEnd type="none" w="med" len="med"/>
+                    </a:lnL>
+                    <a:lnR w="38100" cap="flat" cmpd="sng">
+                      <a:solidFill>
+                        <a:srgbClr val="FF9900"/>
+                      </a:solidFill>
+                      <a:prstDash val="solid"/>
+                      <a:round/>
+                      <a:headEnd type="none" w="med" len="med"/>
+                      <a:tailEnd type="none" w="med" len="med"/>
+                    </a:lnR>
+                    <a:lnT w="38100" cap="flat" cmpd="sng">
+                      <a:solidFill>
+                        <a:srgbClr val="FF9900"/>
+                      </a:solidFill>
+                      <a:prstDash val="solid"/>
+                      <a:round/>
+                      <a:headEnd type="none" w="med" len="med"/>
+                      <a:tailEnd type="none" w="med" len="med"/>
+                    </a:lnT>
+                    <a:lnB w="38100" cap="flat" cmpd="sng">
+                      <a:solidFill>
+                        <a:srgbClr val="FF9900"/>
+                      </a:solidFill>
+                      <a:prstDash val="solid"/>
+                      <a:round/>
+                      <a:headEnd type="none" w="med" len="med"/>
+                      <a:tailEnd type="none" w="med" len="med"/>
+                    </a:lnB>
+                  </a:tcPr>
+                </a:tc>
+              </a:tr>
+            </a:tbl>
+          </a:graphicData>
+        </a:graphic>
+      </p:graphicFrame>
     </p:spTree>
   </p:cSld>
   <p:clrMapOvr>
@@ -14905,7 +16859,7 @@
   <p:cSld>
     <p:spTree>
       <p:nvGrpSpPr>
-        <p:cNvPr id="1" name="Shape 269"/>
+        <p:cNvPr id="1" name="Shape 287"/>
         <p:cNvGrpSpPr/>
         <p:nvPr/>
       </p:nvGrpSpPr>
@@ -14919,7 +16873,7 @@
       </p:grpSpPr>
       <p:sp>
         <p:nvSpPr>
-          <p:cNvPr id="270" name="Shape 270"/>
+          <p:cNvPr id="288" name="Shape 288"/>
           <p:cNvSpPr txBox="1">
             <a:spLocks noGrp="1"/>
           </p:cNvSpPr>
@@ -14976,7 +16930,7 @@
       </p:sp>
       <p:sp>
         <p:nvSpPr>
-          <p:cNvPr id="271" name="Shape 271"/>
+          <p:cNvPr id="289" name="Shape 289"/>
           <p:cNvSpPr txBox="1">
             <a:spLocks noGrp="1"/>
           </p:cNvSpPr>
@@ -15083,382 +17037,6 @@
               <a:buNone/>
             </a:pPr>
             <a:endParaRPr/>
-          </a:p>
-        </p:txBody>
-      </p:sp>
-      <p:pic>
-        <p:nvPicPr>
-          <p:cNvPr id="272" name="Shape 272"/>
-          <p:cNvPicPr preferRelativeResize="0"/>
-          <p:nvPr/>
-        </p:nvPicPr>
-        <p:blipFill>
-          <a:blip r:embed="rId3">
-            <a:alphaModFix/>
-          </a:blip>
-          <a:stretch>
-            <a:fillRect/>
-          </a:stretch>
-        </p:blipFill>
-        <p:spPr>
-          <a:xfrm>
-            <a:off x="2521675" y="1213375"/>
-            <a:ext cx="6537175" cy="2716750"/>
-          </a:xfrm>
-          <a:prstGeom prst="rect">
-            <a:avLst/>
-          </a:prstGeom>
-          <a:noFill/>
-          <a:ln>
-            <a:noFill/>
-          </a:ln>
-        </p:spPr>
-      </p:pic>
-    </p:spTree>
-  </p:cSld>
-  <p:clrMapOvr>
-    <a:masterClrMapping/>
-  </p:clrMapOvr>
-</p:sld>
-</file>
-
-<file path=ppt/slides/slide26.xml><?xml version="1.0" encoding="utf-8"?>
-<p:sld xmlns:a="http://schemas.openxmlformats.org/drawingml/2006/main" xmlns:r="http://schemas.openxmlformats.org/officeDocument/2006/relationships" xmlns:p="http://schemas.openxmlformats.org/presentationml/2006/main">
-  <p:cSld>
-    <p:spTree>
-      <p:nvGrpSpPr>
-        <p:cNvPr id="1" name="Shape 276"/>
-        <p:cNvGrpSpPr/>
-        <p:nvPr/>
-      </p:nvGrpSpPr>
-      <p:grpSpPr>
-        <a:xfrm>
-          <a:off x="0" y="0"/>
-          <a:ext cx="0" cy="0"/>
-          <a:chOff x="0" y="0"/>
-          <a:chExt cx="0" cy="0"/>
-        </a:xfrm>
-      </p:grpSpPr>
-      <p:sp>
-        <p:nvSpPr>
-          <p:cNvPr id="277" name="Shape 277"/>
-          <p:cNvSpPr txBox="1">
-            <a:spLocks noGrp="1"/>
-          </p:cNvSpPr>
-          <p:nvPr>
-            <p:ph type="title"/>
-          </p:nvPr>
-        </p:nvSpPr>
-        <p:spPr>
-          <a:xfrm>
-            <a:off x="226075" y="338225"/>
-            <a:ext cx="2808000" cy="1582500"/>
-          </a:xfrm>
-          <a:prstGeom prst="rect">
-            <a:avLst/>
-          </a:prstGeom>
-        </p:spPr>
-        <p:txBody>
-          <a:bodyPr lIns="91425" tIns="91425" rIns="91425" bIns="91425" anchor="b" anchorCtr="0">
-            <a:noAutofit/>
-          </a:bodyPr>
-          <a:lstStyle/>
-          <a:p>
-            <a:pPr lvl="0" rtl="0">
-              <a:spcBef>
-                <a:spcPts val="0"/>
-              </a:spcBef>
-              <a:buNone/>
-            </a:pPr>
-            <a:r>
-              <a:rPr lang="en" sz="3200"/>
-              <a:t>DataFrame</a:t>
-            </a:r>
-            <a:br>
-              <a:rPr lang="en" sz="3200"/>
-            </a:br>
-            <a:r>
-              <a:rPr lang="en" sz="3200"/>
-              <a:t>Indexing</a:t>
-            </a:r>
-          </a:p>
-          <a:p>
-            <a:pPr lvl="0" rtl="0">
-              <a:spcBef>
-                <a:spcPts val="0"/>
-              </a:spcBef>
-              <a:buNone/>
-            </a:pPr>
-            <a:r>
-              <a:rPr lang="en" sz="3200"/>
-              <a:t>Search</a:t>
-            </a:r>
-          </a:p>
-        </p:txBody>
-      </p:sp>
-      <p:sp>
-        <p:nvSpPr>
-          <p:cNvPr id="278" name="Shape 278"/>
-          <p:cNvSpPr txBox="1">
-            <a:spLocks noGrp="1"/>
-          </p:cNvSpPr>
-          <p:nvPr>
-            <p:ph type="body" idx="1"/>
-          </p:nvPr>
-        </p:nvSpPr>
-        <p:spPr>
-          <a:xfrm>
-            <a:off x="226075" y="2075400"/>
-            <a:ext cx="2808000" cy="2262600"/>
-          </a:xfrm>
-          <a:prstGeom prst="rect">
-            <a:avLst/>
-          </a:prstGeom>
-        </p:spPr>
-        <p:txBody>
-          <a:bodyPr lIns="91425" tIns="91425" rIns="91425" bIns="91425" anchor="t" anchorCtr="0">
-            <a:noAutofit/>
-          </a:bodyPr>
-          <a:lstStyle/>
-          <a:p>
-            <a:pPr lvl="0" rtl="0">
-              <a:spcBef>
-                <a:spcPts val="0"/>
-              </a:spcBef>
-              <a:buNone/>
-            </a:pPr>
-            <a:r>
-              <a:rPr lang="en" sz="2000">
-                <a:solidFill>
-                  <a:srgbClr val="F9F9F9"/>
-                </a:solidFill>
-              </a:rPr>
-              <a:t>1. getPathToRoot</a:t>
-            </a:r>
-          </a:p>
-          <a:p>
-            <a:pPr lvl="0" rtl="0">
-              <a:spcBef>
-                <a:spcPts val="0"/>
-              </a:spcBef>
-              <a:buNone/>
-            </a:pPr>
-            <a:r>
-              <a:rPr lang="en" sz="2000">
-                <a:solidFill>
-                  <a:srgbClr val="F9F9F9"/>
-                </a:solidFill>
-              </a:rPr>
-              <a:t>2. isSubTree</a:t>
-            </a:r>
-          </a:p>
-          <a:p>
-            <a:pPr lvl="0" rtl="0">
-              <a:spcBef>
-                <a:spcPts val="0"/>
-              </a:spcBef>
-              <a:buNone/>
-            </a:pPr>
-            <a:r>
-              <a:rPr lang="en" sz="2000">
-                <a:solidFill>
-                  <a:srgbClr val="F9F9F9"/>
-                </a:solidFill>
-              </a:rPr>
-              <a:t>3. getSiblings</a:t>
-            </a:r>
-          </a:p>
-          <a:p>
-            <a:pPr lvl="0" rtl="0">
-              <a:spcBef>
-                <a:spcPts val="0"/>
-              </a:spcBef>
-              <a:buNone/>
-            </a:pPr>
-            <a:r>
-              <a:rPr lang="en" sz="2000">
-                <a:solidFill>
-                  <a:srgbClr val="FF0000"/>
-                </a:solidFill>
-              </a:rPr>
-              <a:t>4. getChildren</a:t>
-            </a:r>
-          </a:p>
-          <a:p>
-            <a:pPr lvl="0" rtl="0">
-              <a:spcBef>
-                <a:spcPts val="0"/>
-              </a:spcBef>
-              <a:buNone/>
-            </a:pPr>
-            <a:endParaRPr sz="2000">
-              <a:solidFill>
-                <a:srgbClr val="F9F9F9"/>
-              </a:solidFill>
-            </a:endParaRPr>
-          </a:p>
-          <a:p>
-            <a:pPr lvl="0" rtl="0">
-              <a:spcBef>
-                <a:spcPts val="0"/>
-              </a:spcBef>
-              <a:buNone/>
-            </a:pPr>
-            <a:endParaRPr/>
-          </a:p>
-        </p:txBody>
-      </p:sp>
-      <p:pic>
-        <p:nvPicPr>
-          <p:cNvPr id="279" name="Shape 279"/>
-          <p:cNvPicPr preferRelativeResize="0"/>
-          <p:nvPr/>
-        </p:nvPicPr>
-        <p:blipFill>
-          <a:blip r:embed="rId3">
-            <a:alphaModFix/>
-          </a:blip>
-          <a:stretch>
-            <a:fillRect/>
-          </a:stretch>
-        </p:blipFill>
-        <p:spPr>
-          <a:xfrm>
-            <a:off x="2556650" y="1202100"/>
-            <a:ext cx="6297874" cy="2506824"/>
-          </a:xfrm>
-          <a:prstGeom prst="rect">
-            <a:avLst/>
-          </a:prstGeom>
-          <a:noFill/>
-          <a:ln>
-            <a:noFill/>
-          </a:ln>
-        </p:spPr>
-      </p:pic>
-    </p:spTree>
-  </p:cSld>
-  <p:clrMapOvr>
-    <a:masterClrMapping/>
-  </p:clrMapOvr>
-</p:sld>
-</file>
-
-<file path=ppt/slides/slide27.xml><?xml version="1.0" encoding="utf-8"?>
-<p:sld xmlns:a="http://schemas.openxmlformats.org/drawingml/2006/main" xmlns:r="http://schemas.openxmlformats.org/officeDocument/2006/relationships" xmlns:p="http://schemas.openxmlformats.org/presentationml/2006/main">
-  <p:cSld>
-    <p:spTree>
-      <p:nvGrpSpPr>
-        <p:cNvPr id="1" name="Shape 283"/>
-        <p:cNvGrpSpPr/>
-        <p:nvPr/>
-      </p:nvGrpSpPr>
-      <p:grpSpPr>
-        <a:xfrm>
-          <a:off x="0" y="0"/>
-          <a:ext cx="0" cy="0"/>
-          <a:chOff x="0" y="0"/>
-          <a:chExt cx="0" cy="0"/>
-        </a:xfrm>
-      </p:grpSpPr>
-      <p:sp>
-        <p:nvSpPr>
-          <p:cNvPr id="284" name="Shape 284"/>
-          <p:cNvSpPr txBox="1">
-            <a:spLocks noGrp="1"/>
-          </p:cNvSpPr>
-          <p:nvPr>
-            <p:ph type="title"/>
-          </p:nvPr>
-        </p:nvSpPr>
-        <p:spPr>
-          <a:xfrm>
-            <a:off x="460950" y="2065350"/>
-            <a:ext cx="8222100" cy="1012800"/>
-          </a:xfrm>
-          <a:prstGeom prst="rect">
-            <a:avLst/>
-          </a:prstGeom>
-        </p:spPr>
-        <p:txBody>
-          <a:bodyPr lIns="91425" tIns="91425" rIns="91425" bIns="91425" anchor="ctr" anchorCtr="0">
-            <a:noAutofit/>
-          </a:bodyPr>
-          <a:lstStyle/>
-          <a:p>
-            <a:pPr lvl="0" rtl="0">
-              <a:spcBef>
-                <a:spcPts val="0"/>
-              </a:spcBef>
-              <a:buNone/>
-            </a:pPr>
-            <a:r>
-              <a:rPr lang="en" sz="3200"/>
-              <a:t>Testing</a:t>
-            </a:r>
-          </a:p>
-        </p:txBody>
-      </p:sp>
-    </p:spTree>
-  </p:cSld>
-  <p:clrMapOvr>
-    <a:masterClrMapping/>
-  </p:clrMapOvr>
-</p:sld>
-</file>
-
-<file path=ppt/slides/slide28.xml><?xml version="1.0" encoding="utf-8"?>
-<p:sld xmlns:a="http://schemas.openxmlformats.org/drawingml/2006/main" xmlns:r="http://schemas.openxmlformats.org/officeDocument/2006/relationships" xmlns:p="http://schemas.openxmlformats.org/presentationml/2006/main">
-  <p:cSld>
-    <p:spTree>
-      <p:nvGrpSpPr>
-        <p:cNvPr id="1" name="Shape 288"/>
-        <p:cNvGrpSpPr/>
-        <p:nvPr/>
-      </p:nvGrpSpPr>
-      <p:grpSpPr>
-        <a:xfrm>
-          <a:off x="0" y="0"/>
-          <a:ext cx="0" cy="0"/>
-          <a:chOff x="0" y="0"/>
-          <a:chExt cx="0" cy="0"/>
-        </a:xfrm>
-      </p:grpSpPr>
-      <p:sp>
-        <p:nvSpPr>
-          <p:cNvPr id="289" name="Shape 289"/>
-          <p:cNvSpPr txBox="1">
-            <a:spLocks noGrp="1"/>
-          </p:cNvSpPr>
-          <p:nvPr>
-            <p:ph type="title"/>
-          </p:nvPr>
-        </p:nvSpPr>
-        <p:spPr>
-          <a:xfrm>
-            <a:off x="98250" y="16350"/>
-            <a:ext cx="8826600" cy="602700"/>
-          </a:xfrm>
-          <a:prstGeom prst="rect">
-            <a:avLst/>
-          </a:prstGeom>
-        </p:spPr>
-        <p:txBody>
-          <a:bodyPr lIns="91425" tIns="91425" rIns="91425" bIns="91425" anchor="ctr" anchorCtr="0">
-            <a:noAutofit/>
-          </a:bodyPr>
-          <a:lstStyle/>
-          <a:p>
-            <a:pPr lvl="0" rtl="0">
-              <a:spcBef>
-                <a:spcPts val="0"/>
-              </a:spcBef>
-              <a:buNone/>
-            </a:pPr>
-            <a:r>
-              <a:rPr lang="en"/>
-              <a:t>Data Builder Testing</a:t>
-            </a:r>
           </a:p>
         </p:txBody>
       </p:sp>
@@ -15478,8 +17056,8 @@
         </p:blipFill>
         <p:spPr>
           <a:xfrm>
-            <a:off x="306225" y="3547350"/>
-            <a:ext cx="8531525" cy="1397899"/>
+            <a:off x="2521675" y="1213375"/>
+            <a:ext cx="6537175" cy="2716750"/>
           </a:xfrm>
           <a:prstGeom prst="rect">
             <a:avLst/>
@@ -15490,9 +17068,663 @@
           </a:ln>
         </p:spPr>
       </p:pic>
+      <p:graphicFrame>
+        <p:nvGraphicFramePr>
+          <p:cNvPr id="291" name="Shape 291"/>
+          <p:cNvGraphicFramePr/>
+          <p:nvPr/>
+        </p:nvGraphicFramePr>
+        <p:xfrm>
+          <a:off x="4496575" y="4305675"/>
+          <a:ext cx="3544950" cy="457170"/>
+        </p:xfrm>
+        <a:graphic>
+          <a:graphicData uri="http://schemas.openxmlformats.org/drawingml/2006/table">
+            <a:tbl>
+              <a:tblPr>
+                <a:noFill/>
+                <a:tableStyleId>{BE830A24-B3AD-4CCF-8FEA-9583EB577766}</a:tableStyleId>
+              </a:tblPr>
+              <a:tblGrid>
+                <a:gridCol w="1106375"/>
+                <a:gridCol w="2438575"/>
+              </a:tblGrid>
+              <a:tr h="381000">
+                <a:tc>
+                  <a:txBody>
+                    <a:bodyPr/>
+                    <a:lstStyle/>
+                    <a:p>
+                      <a:pPr lvl="0" algn="ctr" rtl="0">
+                        <a:spcBef>
+                          <a:spcPts val="0"/>
+                        </a:spcBef>
+                        <a:buNone/>
+                      </a:pPr>
+                      <a:r>
+                        <a:rPr lang="en" sz="1800"/>
+                        <a:t>id</a:t>
+                      </a:r>
+                    </a:p>
+                  </a:txBody>
+                  <a:tcPr marL="91425" marR="91425" marT="91425" marB="91425" anchor="ctr">
+                    <a:lnL w="38100" cap="flat" cmpd="sng">
+                      <a:solidFill>
+                        <a:srgbClr val="FF9900"/>
+                      </a:solidFill>
+                      <a:prstDash val="solid"/>
+                      <a:round/>
+                      <a:headEnd type="none" w="med" len="med"/>
+                      <a:tailEnd type="none" w="med" len="med"/>
+                    </a:lnL>
+                    <a:lnR w="38100" cap="flat" cmpd="sng">
+                      <a:solidFill>
+                        <a:srgbClr val="FF9900"/>
+                      </a:solidFill>
+                      <a:prstDash val="solid"/>
+                      <a:round/>
+                      <a:headEnd type="none" w="med" len="med"/>
+                      <a:tailEnd type="none" w="med" len="med"/>
+                    </a:lnR>
+                    <a:lnT w="38100" cap="flat" cmpd="sng">
+                      <a:solidFill>
+                        <a:srgbClr val="FF9900"/>
+                      </a:solidFill>
+                      <a:prstDash val="solid"/>
+                      <a:round/>
+                      <a:headEnd type="none" w="med" len="med"/>
+                      <a:tailEnd type="none" w="med" len="med"/>
+                    </a:lnT>
+                    <a:lnB w="38100" cap="flat" cmpd="sng">
+                      <a:solidFill>
+                        <a:srgbClr val="FF9900"/>
+                      </a:solidFill>
+                      <a:prstDash val="solid"/>
+                      <a:round/>
+                      <a:headEnd type="none" w="med" len="med"/>
+                      <a:tailEnd type="none" w="med" len="med"/>
+                    </a:lnB>
+                  </a:tcPr>
+                </a:tc>
+                <a:tc>
+                  <a:txBody>
+                    <a:bodyPr/>
+                    <a:lstStyle/>
+                    <a:p>
+                      <a:pPr lvl="0" algn="ctr" rtl="0">
+                        <a:spcBef>
+                          <a:spcPts val="0"/>
+                        </a:spcBef>
+                        <a:buNone/>
+                      </a:pPr>
+                      <a:r>
+                        <a:rPr lang="en" sz="1800"/>
+                        <a:t>parentPathToRoot</a:t>
+                      </a:r>
+                    </a:p>
+                  </a:txBody>
+                  <a:tcPr marL="91425" marR="91425" marT="91425" marB="91425" anchor="ctr">
+                    <a:lnL w="38100" cap="flat" cmpd="sng">
+                      <a:solidFill>
+                        <a:srgbClr val="FF9900"/>
+                      </a:solidFill>
+                      <a:prstDash val="solid"/>
+                      <a:round/>
+                      <a:headEnd type="none" w="med" len="med"/>
+                      <a:tailEnd type="none" w="med" len="med"/>
+                    </a:lnL>
+                    <a:lnR w="38100" cap="flat" cmpd="sng">
+                      <a:solidFill>
+                        <a:srgbClr val="FF9900"/>
+                      </a:solidFill>
+                      <a:prstDash val="solid"/>
+                      <a:round/>
+                      <a:headEnd type="none" w="med" len="med"/>
+                      <a:tailEnd type="none" w="med" len="med"/>
+                    </a:lnR>
+                    <a:lnT w="38100" cap="flat" cmpd="sng">
+                      <a:solidFill>
+                        <a:srgbClr val="FF9900"/>
+                      </a:solidFill>
+                      <a:prstDash val="solid"/>
+                      <a:round/>
+                      <a:headEnd type="none" w="med" len="med"/>
+                      <a:tailEnd type="none" w="med" len="med"/>
+                    </a:lnT>
+                    <a:lnB w="38100" cap="flat" cmpd="sng">
+                      <a:solidFill>
+                        <a:srgbClr val="FF9900"/>
+                      </a:solidFill>
+                      <a:prstDash val="solid"/>
+                      <a:round/>
+                      <a:headEnd type="none" w="med" len="med"/>
+                      <a:tailEnd type="none" w="med" len="med"/>
+                    </a:lnB>
+                  </a:tcPr>
+                </a:tc>
+              </a:tr>
+            </a:tbl>
+          </a:graphicData>
+        </a:graphic>
+      </p:graphicFrame>
+    </p:spTree>
+  </p:cSld>
+  <p:clrMapOvr>
+    <a:masterClrMapping/>
+  </p:clrMapOvr>
+</p:sld>
+</file>
+
+<file path=ppt/slides/slide26.xml><?xml version="1.0" encoding="utf-8"?>
+<p:sld xmlns:a="http://schemas.openxmlformats.org/drawingml/2006/main" xmlns:r="http://schemas.openxmlformats.org/officeDocument/2006/relationships" xmlns:p="http://schemas.openxmlformats.org/presentationml/2006/main">
+  <p:cSld>
+    <p:spTree>
+      <p:nvGrpSpPr>
+        <p:cNvPr id="1" name="Shape 295"/>
+        <p:cNvGrpSpPr/>
+        <p:nvPr/>
+      </p:nvGrpSpPr>
+      <p:grpSpPr>
+        <a:xfrm>
+          <a:off x="0" y="0"/>
+          <a:ext cx="0" cy="0"/>
+          <a:chOff x="0" y="0"/>
+          <a:chExt cx="0" cy="0"/>
+        </a:xfrm>
+      </p:grpSpPr>
+      <p:sp>
+        <p:nvSpPr>
+          <p:cNvPr id="296" name="Shape 296"/>
+          <p:cNvSpPr txBox="1">
+            <a:spLocks noGrp="1"/>
+          </p:cNvSpPr>
+          <p:nvPr>
+            <p:ph type="title"/>
+          </p:nvPr>
+        </p:nvSpPr>
+        <p:spPr>
+          <a:xfrm>
+            <a:off x="226075" y="338225"/>
+            <a:ext cx="2808000" cy="1582500"/>
+          </a:xfrm>
+          <a:prstGeom prst="rect">
+            <a:avLst/>
+          </a:prstGeom>
+        </p:spPr>
+        <p:txBody>
+          <a:bodyPr lIns="91425" tIns="91425" rIns="91425" bIns="91425" anchor="b" anchorCtr="0">
+            <a:noAutofit/>
+          </a:bodyPr>
+          <a:lstStyle/>
+          <a:p>
+            <a:pPr lvl="0" rtl="0">
+              <a:spcBef>
+                <a:spcPts val="0"/>
+              </a:spcBef>
+              <a:buNone/>
+            </a:pPr>
+            <a:r>
+              <a:rPr lang="en" sz="3200"/>
+              <a:t>DataFrame</a:t>
+            </a:r>
+            <a:br>
+              <a:rPr lang="en" sz="3200"/>
+            </a:br>
+            <a:r>
+              <a:rPr lang="en" sz="3200"/>
+              <a:t>Indexing</a:t>
+            </a:r>
+          </a:p>
+          <a:p>
+            <a:pPr lvl="0" rtl="0">
+              <a:spcBef>
+                <a:spcPts val="0"/>
+              </a:spcBef>
+              <a:buNone/>
+            </a:pPr>
+            <a:r>
+              <a:rPr lang="en" sz="3200"/>
+              <a:t>Search</a:t>
+            </a:r>
+          </a:p>
+        </p:txBody>
+      </p:sp>
+      <p:sp>
+        <p:nvSpPr>
+          <p:cNvPr id="297" name="Shape 297"/>
+          <p:cNvSpPr txBox="1">
+            <a:spLocks noGrp="1"/>
+          </p:cNvSpPr>
+          <p:nvPr>
+            <p:ph type="body" idx="1"/>
+          </p:nvPr>
+        </p:nvSpPr>
+        <p:spPr>
+          <a:xfrm>
+            <a:off x="226075" y="2075400"/>
+            <a:ext cx="2808000" cy="2262600"/>
+          </a:xfrm>
+          <a:prstGeom prst="rect">
+            <a:avLst/>
+          </a:prstGeom>
+        </p:spPr>
+        <p:txBody>
+          <a:bodyPr lIns="91425" tIns="91425" rIns="91425" bIns="91425" anchor="t" anchorCtr="0">
+            <a:noAutofit/>
+          </a:bodyPr>
+          <a:lstStyle/>
+          <a:p>
+            <a:pPr lvl="0" rtl="0">
+              <a:spcBef>
+                <a:spcPts val="0"/>
+              </a:spcBef>
+              <a:buNone/>
+            </a:pPr>
+            <a:r>
+              <a:rPr lang="en" sz="2000">
+                <a:solidFill>
+                  <a:srgbClr val="F9F9F9"/>
+                </a:solidFill>
+              </a:rPr>
+              <a:t>1. getPathToRoot</a:t>
+            </a:r>
+          </a:p>
+          <a:p>
+            <a:pPr lvl="0" rtl="0">
+              <a:spcBef>
+                <a:spcPts val="0"/>
+              </a:spcBef>
+              <a:buNone/>
+            </a:pPr>
+            <a:r>
+              <a:rPr lang="en" sz="2000">
+                <a:solidFill>
+                  <a:srgbClr val="F9F9F9"/>
+                </a:solidFill>
+              </a:rPr>
+              <a:t>2. isSubTree</a:t>
+            </a:r>
+          </a:p>
+          <a:p>
+            <a:pPr lvl="0" rtl="0">
+              <a:spcBef>
+                <a:spcPts val="0"/>
+              </a:spcBef>
+              <a:buNone/>
+            </a:pPr>
+            <a:r>
+              <a:rPr lang="en" sz="2000">
+                <a:solidFill>
+                  <a:srgbClr val="F9F9F9"/>
+                </a:solidFill>
+              </a:rPr>
+              <a:t>3. getSiblings</a:t>
+            </a:r>
+          </a:p>
+          <a:p>
+            <a:pPr lvl="0" rtl="0">
+              <a:spcBef>
+                <a:spcPts val="0"/>
+              </a:spcBef>
+              <a:buNone/>
+            </a:pPr>
+            <a:r>
+              <a:rPr lang="en" sz="2000">
+                <a:solidFill>
+                  <a:srgbClr val="FF0000"/>
+                </a:solidFill>
+              </a:rPr>
+              <a:t>4. getChildren</a:t>
+            </a:r>
+          </a:p>
+          <a:p>
+            <a:pPr lvl="0" rtl="0">
+              <a:spcBef>
+                <a:spcPts val="0"/>
+              </a:spcBef>
+              <a:buNone/>
+            </a:pPr>
+            <a:endParaRPr sz="2000">
+              <a:solidFill>
+                <a:srgbClr val="F9F9F9"/>
+              </a:solidFill>
+            </a:endParaRPr>
+          </a:p>
+          <a:p>
+            <a:pPr lvl="0" rtl="0">
+              <a:spcBef>
+                <a:spcPts val="0"/>
+              </a:spcBef>
+              <a:buNone/>
+            </a:pPr>
+            <a:endParaRPr/>
+          </a:p>
+        </p:txBody>
+      </p:sp>
       <p:pic>
         <p:nvPicPr>
-          <p:cNvPr id="291" name="Shape 291"/>
+          <p:cNvPr id="298" name="Shape 298"/>
+          <p:cNvPicPr preferRelativeResize="0"/>
+          <p:nvPr/>
+        </p:nvPicPr>
+        <p:blipFill>
+          <a:blip r:embed="rId3">
+            <a:alphaModFix/>
+          </a:blip>
+          <a:stretch>
+            <a:fillRect/>
+          </a:stretch>
+        </p:blipFill>
+        <p:spPr>
+          <a:xfrm>
+            <a:off x="2556650" y="1202100"/>
+            <a:ext cx="6297874" cy="2506824"/>
+          </a:xfrm>
+          <a:prstGeom prst="rect">
+            <a:avLst/>
+          </a:prstGeom>
+          <a:noFill/>
+          <a:ln>
+            <a:noFill/>
+          </a:ln>
+        </p:spPr>
+      </p:pic>
+      <p:graphicFrame>
+        <p:nvGraphicFramePr>
+          <p:cNvPr id="299" name="Shape 299"/>
+          <p:cNvGraphicFramePr/>
+          <p:nvPr/>
+        </p:nvGraphicFramePr>
+        <p:xfrm>
+          <a:off x="4496575" y="4305675"/>
+          <a:ext cx="3544950" cy="457170"/>
+        </p:xfrm>
+        <a:graphic>
+          <a:graphicData uri="http://schemas.openxmlformats.org/drawingml/2006/table">
+            <a:tbl>
+              <a:tblPr>
+                <a:noFill/>
+                <a:tableStyleId>{BE830A24-B3AD-4CCF-8FEA-9583EB577766}</a:tableStyleId>
+              </a:tblPr>
+              <a:tblGrid>
+                <a:gridCol w="1106375"/>
+                <a:gridCol w="2438575"/>
+              </a:tblGrid>
+              <a:tr h="381000">
+                <a:tc>
+                  <a:txBody>
+                    <a:bodyPr/>
+                    <a:lstStyle/>
+                    <a:p>
+                      <a:pPr lvl="0" algn="ctr" rtl="0">
+                        <a:spcBef>
+                          <a:spcPts val="0"/>
+                        </a:spcBef>
+                        <a:buNone/>
+                      </a:pPr>
+                      <a:r>
+                        <a:rPr lang="en" sz="1800"/>
+                        <a:t>id</a:t>
+                      </a:r>
+                    </a:p>
+                  </a:txBody>
+                  <a:tcPr marL="91425" marR="91425" marT="91425" marB="91425" anchor="ctr">
+                    <a:lnL w="38100" cap="flat" cmpd="sng">
+                      <a:solidFill>
+                        <a:srgbClr val="FF9900"/>
+                      </a:solidFill>
+                      <a:prstDash val="solid"/>
+                      <a:round/>
+                      <a:headEnd type="none" w="med" len="med"/>
+                      <a:tailEnd type="none" w="med" len="med"/>
+                    </a:lnL>
+                    <a:lnR w="38100" cap="flat" cmpd="sng">
+                      <a:solidFill>
+                        <a:srgbClr val="FF9900"/>
+                      </a:solidFill>
+                      <a:prstDash val="solid"/>
+                      <a:round/>
+                      <a:headEnd type="none" w="med" len="med"/>
+                      <a:tailEnd type="none" w="med" len="med"/>
+                    </a:lnR>
+                    <a:lnT w="38100" cap="flat" cmpd="sng">
+                      <a:solidFill>
+                        <a:srgbClr val="FF9900"/>
+                      </a:solidFill>
+                      <a:prstDash val="solid"/>
+                      <a:round/>
+                      <a:headEnd type="none" w="med" len="med"/>
+                      <a:tailEnd type="none" w="med" len="med"/>
+                    </a:lnT>
+                    <a:lnB w="38100" cap="flat" cmpd="sng">
+                      <a:solidFill>
+                        <a:srgbClr val="FF9900"/>
+                      </a:solidFill>
+                      <a:prstDash val="solid"/>
+                      <a:round/>
+                      <a:headEnd type="none" w="med" len="med"/>
+                      <a:tailEnd type="none" w="med" len="med"/>
+                    </a:lnB>
+                  </a:tcPr>
+                </a:tc>
+                <a:tc>
+                  <a:txBody>
+                    <a:bodyPr/>
+                    <a:lstStyle/>
+                    <a:p>
+                      <a:pPr lvl="0" algn="ctr" rtl="0">
+                        <a:spcBef>
+                          <a:spcPts val="0"/>
+                        </a:spcBef>
+                        <a:buNone/>
+                      </a:pPr>
+                      <a:r>
+                        <a:rPr lang="en" sz="1800"/>
+                        <a:t>parentPathToRoot</a:t>
+                      </a:r>
+                    </a:p>
+                  </a:txBody>
+                  <a:tcPr marL="91425" marR="91425" marT="91425" marB="91425" anchor="ctr">
+                    <a:lnL w="38100" cap="flat" cmpd="sng">
+                      <a:solidFill>
+                        <a:srgbClr val="FF9900"/>
+                      </a:solidFill>
+                      <a:prstDash val="solid"/>
+                      <a:round/>
+                      <a:headEnd type="none" w="med" len="med"/>
+                      <a:tailEnd type="none" w="med" len="med"/>
+                    </a:lnL>
+                    <a:lnR w="38100" cap="flat" cmpd="sng">
+                      <a:solidFill>
+                        <a:srgbClr val="FF9900"/>
+                      </a:solidFill>
+                      <a:prstDash val="solid"/>
+                      <a:round/>
+                      <a:headEnd type="none" w="med" len="med"/>
+                      <a:tailEnd type="none" w="med" len="med"/>
+                    </a:lnR>
+                    <a:lnT w="38100" cap="flat" cmpd="sng">
+                      <a:solidFill>
+                        <a:srgbClr val="FF9900"/>
+                      </a:solidFill>
+                      <a:prstDash val="solid"/>
+                      <a:round/>
+                      <a:headEnd type="none" w="med" len="med"/>
+                      <a:tailEnd type="none" w="med" len="med"/>
+                    </a:lnT>
+                    <a:lnB w="38100" cap="flat" cmpd="sng">
+                      <a:solidFill>
+                        <a:srgbClr val="FF9900"/>
+                      </a:solidFill>
+                      <a:prstDash val="solid"/>
+                      <a:round/>
+                      <a:headEnd type="none" w="med" len="med"/>
+                      <a:tailEnd type="none" w="med" len="med"/>
+                    </a:lnB>
+                  </a:tcPr>
+                </a:tc>
+              </a:tr>
+            </a:tbl>
+          </a:graphicData>
+        </a:graphic>
+      </p:graphicFrame>
+    </p:spTree>
+  </p:cSld>
+  <p:clrMapOvr>
+    <a:masterClrMapping/>
+  </p:clrMapOvr>
+</p:sld>
+</file>
+
+<file path=ppt/slides/slide27.xml><?xml version="1.0" encoding="utf-8"?>
+<p:sld xmlns:a="http://schemas.openxmlformats.org/drawingml/2006/main" xmlns:r="http://schemas.openxmlformats.org/officeDocument/2006/relationships" xmlns:p="http://schemas.openxmlformats.org/presentationml/2006/main">
+  <p:cSld>
+    <p:spTree>
+      <p:nvGrpSpPr>
+        <p:cNvPr id="1" name="Shape 303"/>
+        <p:cNvGrpSpPr/>
+        <p:nvPr/>
+      </p:nvGrpSpPr>
+      <p:grpSpPr>
+        <a:xfrm>
+          <a:off x="0" y="0"/>
+          <a:ext cx="0" cy="0"/>
+          <a:chOff x="0" y="0"/>
+          <a:chExt cx="0" cy="0"/>
+        </a:xfrm>
+      </p:grpSpPr>
+      <p:sp>
+        <p:nvSpPr>
+          <p:cNvPr id="304" name="Shape 304"/>
+          <p:cNvSpPr txBox="1">
+            <a:spLocks noGrp="1"/>
+          </p:cNvSpPr>
+          <p:nvPr>
+            <p:ph type="title"/>
+          </p:nvPr>
+        </p:nvSpPr>
+        <p:spPr>
+          <a:xfrm>
+            <a:off x="460950" y="2065350"/>
+            <a:ext cx="8222100" cy="1012800"/>
+          </a:xfrm>
+          <a:prstGeom prst="rect">
+            <a:avLst/>
+          </a:prstGeom>
+        </p:spPr>
+        <p:txBody>
+          <a:bodyPr lIns="91425" tIns="91425" rIns="91425" bIns="91425" anchor="ctr" anchorCtr="0">
+            <a:noAutofit/>
+          </a:bodyPr>
+          <a:lstStyle/>
+          <a:p>
+            <a:pPr lvl="0" rtl="0">
+              <a:spcBef>
+                <a:spcPts val="0"/>
+              </a:spcBef>
+              <a:buNone/>
+            </a:pPr>
+            <a:r>
+              <a:rPr lang="en" sz="3200"/>
+              <a:t>Testing</a:t>
+            </a:r>
+          </a:p>
+        </p:txBody>
+      </p:sp>
+    </p:spTree>
+  </p:cSld>
+  <p:clrMapOvr>
+    <a:masterClrMapping/>
+  </p:clrMapOvr>
+</p:sld>
+</file>
+
+<file path=ppt/slides/slide28.xml><?xml version="1.0" encoding="utf-8"?>
+<p:sld xmlns:a="http://schemas.openxmlformats.org/drawingml/2006/main" xmlns:r="http://schemas.openxmlformats.org/officeDocument/2006/relationships" xmlns:p="http://schemas.openxmlformats.org/presentationml/2006/main">
+  <p:cSld>
+    <p:spTree>
+      <p:nvGrpSpPr>
+        <p:cNvPr id="1" name="Shape 308"/>
+        <p:cNvGrpSpPr/>
+        <p:nvPr/>
+      </p:nvGrpSpPr>
+      <p:grpSpPr>
+        <a:xfrm>
+          <a:off x="0" y="0"/>
+          <a:ext cx="0" cy="0"/>
+          <a:chOff x="0" y="0"/>
+          <a:chExt cx="0" cy="0"/>
+        </a:xfrm>
+      </p:grpSpPr>
+      <p:sp>
+        <p:nvSpPr>
+          <p:cNvPr id="309" name="Shape 309"/>
+          <p:cNvSpPr txBox="1">
+            <a:spLocks noGrp="1"/>
+          </p:cNvSpPr>
+          <p:nvPr>
+            <p:ph type="title"/>
+          </p:nvPr>
+        </p:nvSpPr>
+        <p:spPr>
+          <a:xfrm>
+            <a:off x="98250" y="16350"/>
+            <a:ext cx="8826600" cy="602700"/>
+          </a:xfrm>
+          <a:prstGeom prst="rect">
+            <a:avLst/>
+          </a:prstGeom>
+        </p:spPr>
+        <p:txBody>
+          <a:bodyPr lIns="91425" tIns="91425" rIns="91425" bIns="91425" anchor="ctr" anchorCtr="0">
+            <a:noAutofit/>
+          </a:bodyPr>
+          <a:lstStyle/>
+          <a:p>
+            <a:pPr lvl="0" rtl="0">
+              <a:spcBef>
+                <a:spcPts val="0"/>
+              </a:spcBef>
+              <a:buNone/>
+            </a:pPr>
+            <a:r>
+              <a:rPr lang="en"/>
+              <a:t>Data Builder Testing</a:t>
+            </a:r>
+          </a:p>
+        </p:txBody>
+      </p:sp>
+      <p:pic>
+        <p:nvPicPr>
+          <p:cNvPr id="310" name="Shape 310"/>
+          <p:cNvPicPr preferRelativeResize="0"/>
+          <p:nvPr/>
+        </p:nvPicPr>
+        <p:blipFill>
+          <a:blip r:embed="rId3">
+            <a:alphaModFix/>
+          </a:blip>
+          <a:stretch>
+            <a:fillRect/>
+          </a:stretch>
+        </p:blipFill>
+        <p:spPr>
+          <a:xfrm>
+            <a:off x="306225" y="3547350"/>
+            <a:ext cx="8531525" cy="1397899"/>
+          </a:xfrm>
+          <a:prstGeom prst="rect">
+            <a:avLst/>
+          </a:prstGeom>
+          <a:noFill/>
+          <a:ln>
+            <a:noFill/>
+          </a:ln>
+        </p:spPr>
+      </p:pic>
+      <p:pic>
+        <p:nvPicPr>
+          <p:cNvPr id="311" name="Shape 311"/>
           <p:cNvPicPr preferRelativeResize="0"/>
           <p:nvPr/>
         </p:nvPicPr>
@@ -15520,7 +17752,7 @@
       </p:pic>
       <p:pic>
         <p:nvPicPr>
-          <p:cNvPr id="292" name="Shape 292"/>
+          <p:cNvPr id="312" name="Shape 312"/>
           <p:cNvPicPr preferRelativeResize="0"/>
           <p:nvPr/>
         </p:nvPicPr>
@@ -15559,7 +17791,7 @@
   <p:cSld>
     <p:spTree>
       <p:nvGrpSpPr>
-        <p:cNvPr id="1" name="Shape 296"/>
+        <p:cNvPr id="1" name="Shape 316"/>
         <p:cNvGrpSpPr/>
         <p:nvPr/>
       </p:nvGrpSpPr>
@@ -15573,7 +17805,7 @@
       </p:grpSpPr>
       <p:sp>
         <p:nvSpPr>
-          <p:cNvPr id="297" name="Shape 297"/>
+          <p:cNvPr id="317" name="Shape 317"/>
           <p:cNvSpPr txBox="1">
             <a:spLocks noGrp="1"/>
           </p:cNvSpPr>
@@ -15611,7 +17843,7 @@
       </p:sp>
       <p:pic>
         <p:nvPicPr>
-          <p:cNvPr id="298" name="Shape 298"/>
+          <p:cNvPr id="318" name="Shape 318"/>
           <p:cNvPicPr preferRelativeResize="0"/>
           <p:nvPr/>
         </p:nvPicPr>
@@ -15712,7 +17944,7 @@
         </p:nvSpPr>
         <p:spPr>
           <a:xfrm>
-            <a:off x="226074" y="655390"/>
+            <a:off x="226075" y="667200"/>
             <a:ext cx="2808000" cy="2238000"/>
           </a:xfrm>
           <a:prstGeom prst="rect">
@@ -15738,7 +17970,7 @@
               <a:buNone/>
             </a:pPr>
             <a:r>
-              <a:rPr lang="en" sz="1400" dirty="0">
+              <a:rPr lang="en" sz="1400">
                 <a:solidFill>
                   <a:srgbClr val="FFFFFF"/>
                 </a:solidFill>
@@ -15747,31 +17979,7 @@
                 <a:cs typeface="Arial"/>
                 <a:sym typeface="Arial"/>
               </a:rPr>
-              <a:t>NCBI Taxonomy Database: A curated set of names and classifications for all of the organisms that are represented in </a:t>
-            </a:r>
-            <a:r>
-              <a:rPr lang="en" sz="1400" dirty="0" err="1">
-                <a:solidFill>
-                  <a:srgbClr val="FFFFFF"/>
-                </a:solidFill>
-                <a:latin typeface="Arial"/>
-                <a:ea typeface="Arial"/>
-                <a:cs typeface="Arial"/>
-                <a:sym typeface="Arial"/>
-              </a:rPr>
-              <a:t>GenBank</a:t>
-            </a:r>
-            <a:r>
-              <a:rPr lang="en" sz="1400" dirty="0">
-                <a:solidFill>
-                  <a:srgbClr val="FFFFFF"/>
-                </a:solidFill>
-                <a:latin typeface="Arial"/>
-                <a:ea typeface="Arial"/>
-                <a:cs typeface="Arial"/>
-                <a:sym typeface="Arial"/>
-              </a:rPr>
-              <a:t>.:</a:t>
+              <a:t>NCBI Taxonomy Database: A curated set of names and classifications for all of the organisms that are represented in GenBank.:</a:t>
             </a:r>
           </a:p>
           <a:p>
@@ -15787,7 +17995,7 @@
               </a:spcAft>
               <a:buNone/>
             </a:pPr>
-            <a:endParaRPr sz="1400" dirty="0">
+            <a:endParaRPr sz="1400">
               <a:solidFill>
                 <a:srgbClr val="FFFFFF"/>
               </a:solidFill>
@@ -15805,12 +18013,20 @@
               <a:buSzPct val="100000"/>
             </a:pPr>
             <a:r>
-              <a:rPr lang="en" sz="1400" dirty="0" err="1"/>
-              <a:t>Names.dmp</a:t>
+              <a:rPr lang="en" sz="1400"/>
+              <a:t>Names.dmp(133.4MB)</a:t>
             </a:r>
+          </a:p>
+          <a:p>
+            <a:pPr marL="457200" lvl="0" indent="-317500" rtl="0">
+              <a:spcBef>
+                <a:spcPts val="0"/>
+              </a:spcBef>
+              <a:buSzPct val="100000"/>
+            </a:pPr>
             <a:r>
-              <a:rPr lang="en" sz="1400" dirty="0"/>
-              <a:t>(133.4MB)</a:t>
+              <a:rPr lang="en" sz="1400"/>
+              <a:t>Nodes.dmp(104MB)</a:t>
             </a:r>
           </a:p>
           <a:p>
@@ -15821,23 +18037,7 @@
               <a:buSzPct val="100000"/>
             </a:pPr>
             <a:r>
-              <a:rPr lang="en" sz="1400" dirty="0" err="1"/>
-              <a:t>Nodes.dmp</a:t>
-            </a:r>
-            <a:r>
-              <a:rPr lang="en" sz="1400" dirty="0"/>
-              <a:t>(104MB)</a:t>
-            </a:r>
-          </a:p>
-          <a:p>
-            <a:pPr marL="457200" lvl="0" indent="-317500" rtl="0">
-              <a:spcBef>
-                <a:spcPts val="0"/>
-              </a:spcBef>
-              <a:buSzPct val="100000"/>
-            </a:pPr>
-            <a:r>
-              <a:rPr lang="en" sz="1400" dirty="0"/>
+              <a:rPr lang="en" sz="1400"/>
               <a:t>Number of Node: 1,528,461</a:t>
             </a:r>
           </a:p>
@@ -15859,7 +18059,7 @@
         </p:blipFill>
         <p:spPr>
           <a:xfrm>
-            <a:off x="3596100" y="565175"/>
+            <a:off x="3607325" y="1205300"/>
             <a:ext cx="4876800" cy="3790950"/>
           </a:xfrm>
           <a:prstGeom prst="rect">
@@ -15887,7 +18087,7 @@
         </p:blipFill>
         <p:spPr>
           <a:xfrm>
-            <a:off x="7437" y="3207641"/>
+            <a:off x="7437" y="3098999"/>
             <a:ext cx="3245274" cy="2044499"/>
           </a:xfrm>
           <a:prstGeom prst="rect">
@@ -15899,6 +18099,49 @@
           </a:ln>
         </p:spPr>
       </p:pic>
+      <p:sp>
+        <p:nvSpPr>
+          <p:cNvPr id="128" name="Shape 128"/>
+          <p:cNvSpPr txBox="1"/>
+          <p:nvPr/>
+        </p:nvSpPr>
+        <p:spPr>
+          <a:xfrm>
+            <a:off x="3717250" y="407900"/>
+            <a:ext cx="4503300" cy="797400"/>
+          </a:xfrm>
+          <a:prstGeom prst="rect">
+            <a:avLst/>
+          </a:prstGeom>
+          <a:noFill/>
+          <a:ln>
+            <a:noFill/>
+          </a:ln>
+        </p:spPr>
+        <p:txBody>
+          <a:bodyPr lIns="91425" tIns="91425" rIns="91425" bIns="91425" anchor="t" anchorCtr="0">
+            <a:noAutofit/>
+          </a:bodyPr>
+          <a:lstStyle/>
+          <a:p>
+            <a:pPr lvl="0">
+              <a:spcBef>
+                <a:spcPts val="0"/>
+              </a:spcBef>
+              <a:buNone/>
+            </a:pPr>
+            <a:r>
+              <a:rPr lang="en" sz="1800">
+                <a:latin typeface="Roboto"/>
+                <a:ea typeface="Roboto"/>
+                <a:cs typeface="Roboto"/>
+                <a:sym typeface="Roboto"/>
+              </a:rPr>
+              <a:t>ftp://ftp.ncbi.nih.gov/pub/taxonomy</a:t>
+            </a:r>
+          </a:p>
+        </p:txBody>
+      </p:sp>
     </p:spTree>
   </p:cSld>
   <p:clrMapOvr>
@@ -15912,7 +18155,7 @@
   <p:cSld>
     <p:spTree>
       <p:nvGrpSpPr>
-        <p:cNvPr id="1" name="Shape 302"/>
+        <p:cNvPr id="1" name="Shape 322"/>
         <p:cNvGrpSpPr/>
         <p:nvPr/>
       </p:nvGrpSpPr>
@@ -15926,7 +18169,7 @@
       </p:grpSpPr>
       <p:sp>
         <p:nvSpPr>
-          <p:cNvPr id="303" name="Shape 303"/>
+          <p:cNvPr id="323" name="Shape 323"/>
           <p:cNvSpPr txBox="1">
             <a:spLocks noGrp="1"/>
           </p:cNvSpPr>
@@ -15964,7 +18207,7 @@
       </p:sp>
       <p:pic>
         <p:nvPicPr>
-          <p:cNvPr id="304" name="Shape 304"/>
+          <p:cNvPr id="324" name="Shape 324"/>
           <p:cNvPicPr preferRelativeResize="0"/>
           <p:nvPr/>
         </p:nvPicPr>
@@ -16003,7 +18246,7 @@
   <p:cSld>
     <p:spTree>
       <p:nvGrpSpPr>
-        <p:cNvPr id="1" name="Shape 308"/>
+        <p:cNvPr id="1" name="Shape 328"/>
         <p:cNvGrpSpPr/>
         <p:nvPr/>
       </p:nvGrpSpPr>
@@ -16017,7 +18260,7 @@
       </p:grpSpPr>
       <p:sp>
         <p:nvSpPr>
-          <p:cNvPr id="309" name="Shape 309"/>
+          <p:cNvPr id="329" name="Shape 329"/>
           <p:cNvSpPr txBox="1">
             <a:spLocks noGrp="1"/>
           </p:cNvSpPr>
@@ -16055,7 +18298,7 @@
       </p:sp>
       <p:pic>
         <p:nvPicPr>
-          <p:cNvPr id="310" name="Shape 310"/>
+          <p:cNvPr id="330" name="Shape 330"/>
           <p:cNvPicPr preferRelativeResize="0"/>
           <p:nvPr/>
         </p:nvPicPr>
@@ -16094,7 +18337,7 @@
   <p:cSld>
     <p:spTree>
       <p:nvGrpSpPr>
-        <p:cNvPr id="1" name="Shape 314"/>
+        <p:cNvPr id="1" name="Shape 334"/>
         <p:cNvGrpSpPr/>
         <p:nvPr/>
       </p:nvGrpSpPr>
@@ -16108,7 +18351,7 @@
       </p:grpSpPr>
       <p:sp>
         <p:nvSpPr>
-          <p:cNvPr id="315" name="Shape 315"/>
+          <p:cNvPr id="335" name="Shape 335"/>
           <p:cNvSpPr txBox="1">
             <a:spLocks noGrp="1"/>
           </p:cNvSpPr>
@@ -16146,7 +18389,7 @@
       </p:sp>
       <p:pic>
         <p:nvPicPr>
-          <p:cNvPr id="316" name="Shape 316"/>
+          <p:cNvPr id="336" name="Shape 336"/>
           <p:cNvPicPr preferRelativeResize="0"/>
           <p:nvPr/>
         </p:nvPicPr>
@@ -16185,7 +18428,7 @@
   <p:cSld>
     <p:spTree>
       <p:nvGrpSpPr>
-        <p:cNvPr id="1" name="Shape 320"/>
+        <p:cNvPr id="1" name="Shape 340"/>
         <p:cNvGrpSpPr/>
         <p:nvPr/>
       </p:nvGrpSpPr>
@@ -16199,7 +18442,7 @@
       </p:grpSpPr>
       <p:sp>
         <p:nvSpPr>
-          <p:cNvPr id="321" name="Shape 321"/>
+          <p:cNvPr id="341" name="Shape 341"/>
           <p:cNvSpPr txBox="1">
             <a:spLocks noGrp="1"/>
           </p:cNvSpPr>
@@ -16237,7 +18480,7 @@
       </p:sp>
       <p:pic>
         <p:nvPicPr>
-          <p:cNvPr id="322" name="Shape 322"/>
+          <p:cNvPr id="342" name="Shape 342"/>
           <p:cNvPicPr preferRelativeResize="0"/>
           <p:nvPr/>
         </p:nvPicPr>
@@ -16276,7 +18519,7 @@
   <p:cSld>
     <p:spTree>
       <p:nvGrpSpPr>
-        <p:cNvPr id="1" name="Shape 326"/>
+        <p:cNvPr id="1" name="Shape 346"/>
         <p:cNvGrpSpPr/>
         <p:nvPr/>
       </p:nvGrpSpPr>
@@ -16290,7 +18533,7 @@
       </p:grpSpPr>
       <p:sp>
         <p:nvSpPr>
-          <p:cNvPr id="327" name="Shape 327"/>
+          <p:cNvPr id="347" name="Shape 347"/>
           <p:cNvSpPr txBox="1">
             <a:spLocks noGrp="1"/>
           </p:cNvSpPr>
@@ -16339,7 +18582,7 @@
   <p:cSld>
     <p:spTree>
       <p:nvGrpSpPr>
-        <p:cNvPr id="1" name="Shape 331"/>
+        <p:cNvPr id="1" name="Shape 351"/>
         <p:cNvGrpSpPr/>
         <p:nvPr/>
       </p:nvGrpSpPr>
@@ -16353,7 +18596,7 @@
       </p:grpSpPr>
       <p:sp>
         <p:nvSpPr>
-          <p:cNvPr id="332" name="Shape 332"/>
+          <p:cNvPr id="352" name="Shape 352"/>
           <p:cNvSpPr txBox="1">
             <a:spLocks noGrp="1"/>
           </p:cNvSpPr>
@@ -16391,7 +18634,7 @@
       </p:sp>
       <p:sp>
         <p:nvSpPr>
-          <p:cNvPr id="333" name="Shape 333"/>
+          <p:cNvPr id="353" name="Shape 353"/>
           <p:cNvSpPr/>
           <p:nvPr/>
         </p:nvSpPr>
@@ -16443,10 +18686,10 @@
       </p:sp>
       <p:cxnSp>
         <p:nvCxnSpPr>
-          <p:cNvPr id="334" name="Shape 334"/>
+          <p:cNvPr id="354" name="Shape 354"/>
           <p:cNvCxnSpPr>
-            <a:stCxn id="333" idx="2"/>
-            <a:endCxn id="335" idx="0"/>
+            <a:stCxn id="353" idx="2"/>
+            <a:endCxn id="355" idx="0"/>
           </p:cNvCxnSpPr>
           <p:nvPr/>
         </p:nvCxnSpPr>
@@ -16472,7 +18715,7 @@
       </p:cxnSp>
       <p:sp>
         <p:nvSpPr>
-          <p:cNvPr id="335" name="Shape 335"/>
+          <p:cNvPr id="355" name="Shape 355"/>
           <p:cNvSpPr/>
           <p:nvPr/>
         </p:nvSpPr>
@@ -16524,7 +18767,7 @@
       </p:sp>
       <p:sp>
         <p:nvSpPr>
-          <p:cNvPr id="336" name="Shape 336"/>
+          <p:cNvPr id="356" name="Shape 356"/>
           <p:cNvSpPr/>
           <p:nvPr/>
         </p:nvSpPr>
@@ -16568,7 +18811,7 @@
       </p:sp>
       <p:sp>
         <p:nvSpPr>
-          <p:cNvPr id="337" name="Shape 337"/>
+          <p:cNvPr id="357" name="Shape 357"/>
           <p:cNvSpPr/>
           <p:nvPr/>
         </p:nvSpPr>
@@ -16620,10 +18863,10 @@
       </p:sp>
       <p:cxnSp>
         <p:nvCxnSpPr>
-          <p:cNvPr id="338" name="Shape 338"/>
+          <p:cNvPr id="358" name="Shape 358"/>
           <p:cNvCxnSpPr>
-            <a:stCxn id="335" idx="2"/>
-            <a:endCxn id="337" idx="0"/>
+            <a:stCxn id="355" idx="2"/>
+            <a:endCxn id="357" idx="0"/>
           </p:cNvCxnSpPr>
           <p:nvPr/>
         </p:nvCxnSpPr>
@@ -16649,7 +18892,7 @@
       </p:cxnSp>
       <p:sp>
         <p:nvSpPr>
-          <p:cNvPr id="339" name="Shape 339"/>
+          <p:cNvPr id="359" name="Shape 359"/>
           <p:cNvSpPr/>
           <p:nvPr/>
         </p:nvSpPr>
@@ -16701,7 +18944,7 @@
       </p:sp>
       <p:sp>
         <p:nvSpPr>
-          <p:cNvPr id="340" name="Shape 340"/>
+          <p:cNvPr id="360" name="Shape 360"/>
           <p:cNvSpPr txBox="1"/>
           <p:nvPr/>
         </p:nvSpPr>
@@ -16771,7 +19014,7 @@
       </p:sp>
       <p:sp>
         <p:nvSpPr>
-          <p:cNvPr id="341" name="Shape 341"/>
+          <p:cNvPr id="361" name="Shape 361"/>
           <p:cNvSpPr txBox="1"/>
           <p:nvPr/>
         </p:nvSpPr>
@@ -16819,7 +19062,7 @@
       </p:sp>
       <p:sp>
         <p:nvSpPr>
-          <p:cNvPr id="342" name="Shape 342"/>
+          <p:cNvPr id="362" name="Shape 362"/>
           <p:cNvSpPr txBox="1"/>
           <p:nvPr/>
         </p:nvSpPr>
@@ -16867,7 +19110,7 @@
       </p:sp>
       <p:cxnSp>
         <p:nvCxnSpPr>
-          <p:cNvPr id="343" name="Shape 343"/>
+          <p:cNvPr id="363" name="Shape 363"/>
           <p:cNvCxnSpPr/>
           <p:nvPr/>
         </p:nvCxnSpPr>
@@ -16893,7 +19136,7 @@
       </p:cxnSp>
       <p:sp>
         <p:nvSpPr>
-          <p:cNvPr id="344" name="Shape 344"/>
+          <p:cNvPr id="364" name="Shape 364"/>
           <p:cNvSpPr/>
           <p:nvPr/>
         </p:nvSpPr>
@@ -16945,10 +19188,10 @@
       </p:sp>
       <p:cxnSp>
         <p:nvCxnSpPr>
-          <p:cNvPr id="345" name="Shape 345"/>
+          <p:cNvPr id="365" name="Shape 365"/>
           <p:cNvCxnSpPr>
-            <a:stCxn id="339" idx="2"/>
-            <a:endCxn id="344" idx="0"/>
+            <a:stCxn id="359" idx="2"/>
+            <a:endCxn id="364" idx="0"/>
           </p:cNvCxnSpPr>
           <p:nvPr/>
         </p:nvCxnSpPr>
@@ -16974,9 +19217,9 @@
       </p:cxnSp>
       <p:cxnSp>
         <p:nvCxnSpPr>
-          <p:cNvPr id="346" name="Shape 346"/>
+          <p:cNvPr id="366" name="Shape 366"/>
           <p:cNvCxnSpPr>
-            <a:stCxn id="342" idx="1"/>
+            <a:stCxn id="362" idx="1"/>
           </p:cNvCxnSpPr>
           <p:nvPr/>
         </p:nvCxnSpPr>
@@ -17002,7 +19245,7 @@
       </p:cxnSp>
       <p:cxnSp>
         <p:nvCxnSpPr>
-          <p:cNvPr id="347" name="Shape 347"/>
+          <p:cNvPr id="367" name="Shape 367"/>
           <p:cNvCxnSpPr/>
           <p:nvPr/>
         </p:nvCxnSpPr>
@@ -17028,9 +19271,9 @@
       </p:cxnSp>
       <p:cxnSp>
         <p:nvCxnSpPr>
-          <p:cNvPr id="348" name="Shape 348"/>
+          <p:cNvPr id="368" name="Shape 368"/>
           <p:cNvCxnSpPr>
-            <a:stCxn id="340" idx="1"/>
+            <a:stCxn id="360" idx="1"/>
           </p:cNvCxnSpPr>
           <p:nvPr/>
         </p:nvCxnSpPr>
@@ -17056,7 +19299,7 @@
       </p:cxnSp>
       <p:sp>
         <p:nvSpPr>
-          <p:cNvPr id="349" name="Shape 349"/>
+          <p:cNvPr id="369" name="Shape 369"/>
           <p:cNvSpPr/>
           <p:nvPr/>
         </p:nvSpPr>
@@ -17100,7 +19343,7 @@
       </p:sp>
       <p:pic>
         <p:nvPicPr>
-          <p:cNvPr id="350" name="Shape 350" descr="Screen Shot 2016-12-09 at 12.25.57 AM.png"/>
+          <p:cNvPr id="370" name="Shape 370" descr="Screen Shot 2016-12-09 at 12.25.57 AM.png"/>
           <p:cNvPicPr preferRelativeResize="0"/>
           <p:nvPr/>
         </p:nvPicPr>
@@ -17128,10 +19371,10 @@
       </p:pic>
       <p:cxnSp>
         <p:nvCxnSpPr>
-          <p:cNvPr id="351" name="Shape 351"/>
+          <p:cNvPr id="371" name="Shape 371"/>
           <p:cNvCxnSpPr>
-            <a:stCxn id="336" idx="2"/>
-            <a:endCxn id="349" idx="0"/>
+            <a:stCxn id="356" idx="2"/>
+            <a:endCxn id="369" idx="0"/>
           </p:cNvCxnSpPr>
           <p:nvPr/>
         </p:nvCxnSpPr>
@@ -17157,10 +19400,10 @@
       </p:cxnSp>
       <p:cxnSp>
         <p:nvCxnSpPr>
-          <p:cNvPr id="352" name="Shape 352"/>
+          <p:cNvPr id="372" name="Shape 372"/>
           <p:cNvCxnSpPr>
-            <a:stCxn id="349" idx="2"/>
-            <a:endCxn id="350" idx="0"/>
+            <a:stCxn id="369" idx="2"/>
+            <a:endCxn id="370" idx="0"/>
           </p:cNvCxnSpPr>
           <p:nvPr/>
         </p:nvCxnSpPr>
@@ -17186,7 +19429,7 @@
       </p:cxnSp>
       <p:pic>
         <p:nvPicPr>
-          <p:cNvPr id="353" name="Shape 353" descr="Screen Shot 2016-12-09 at 5.40.53 AM.png"/>
+          <p:cNvPr id="373" name="Shape 373" descr="Screen Shot 2016-12-09 at 5.40.53 AM.png"/>
           <p:cNvPicPr preferRelativeResize="0"/>
           <p:nvPr/>
         </p:nvPicPr>
@@ -17214,7 +19457,7 @@
       </p:pic>
       <p:sp>
         <p:nvSpPr>
-          <p:cNvPr id="354" name="Shape 354"/>
+          <p:cNvPr id="374" name="Shape 374"/>
           <p:cNvSpPr txBox="1"/>
           <p:nvPr/>
         </p:nvSpPr>
@@ -17268,7 +19511,7 @@
       </p:sp>
       <p:cxnSp>
         <p:nvCxnSpPr>
-          <p:cNvPr id="355" name="Shape 355"/>
+          <p:cNvPr id="375" name="Shape 375"/>
           <p:cNvCxnSpPr/>
           <p:nvPr/>
         </p:nvCxnSpPr>
@@ -17305,7 +19548,7 @@
   <p:cSld>
     <p:spTree>
       <p:nvGrpSpPr>
-        <p:cNvPr id="1" name="Shape 359"/>
+        <p:cNvPr id="1" name="Shape 379"/>
         <p:cNvGrpSpPr/>
         <p:nvPr/>
       </p:nvGrpSpPr>
@@ -17319,7 +19562,7 @@
       </p:grpSpPr>
       <p:sp>
         <p:nvSpPr>
-          <p:cNvPr id="360" name="Shape 360"/>
+          <p:cNvPr id="380" name="Shape 380"/>
           <p:cNvSpPr txBox="1">
             <a:spLocks noGrp="1"/>
           </p:cNvSpPr>
@@ -17357,7 +19600,7 @@
       </p:sp>
       <p:pic>
         <p:nvPicPr>
-          <p:cNvPr id="361" name="Shape 361" descr="Screen Shot 2016-12-09 at 3.30.12 PM.png"/>
+          <p:cNvPr id="381" name="Shape 381" descr="Screen Shot 2016-12-09 at 3.30.12 PM.png"/>
           <p:cNvPicPr preferRelativeResize="0"/>
           <p:nvPr/>
         </p:nvPicPr>
@@ -17385,7 +19628,7 @@
       </p:pic>
       <p:pic>
         <p:nvPicPr>
-          <p:cNvPr id="362" name="Shape 362" descr="Screen Shot 2016-12-09 at 3.29.51 PM.png"/>
+          <p:cNvPr id="382" name="Shape 382" descr="Screen Shot 2016-12-09 at 3.29.51 PM.png"/>
           <p:cNvPicPr preferRelativeResize="0"/>
           <p:nvPr/>
         </p:nvPicPr>
@@ -17413,7 +19656,7 @@
       </p:pic>
       <p:pic>
         <p:nvPicPr>
-          <p:cNvPr id="363" name="Shape 363" descr="Screen Shot 2016-12-09 at 3.29.42 PM.png"/>
+          <p:cNvPr id="383" name="Shape 383" descr="Screen Shot 2016-12-09 at 3.29.42 PM.png"/>
           <p:cNvPicPr preferRelativeResize="0"/>
           <p:nvPr/>
         </p:nvPicPr>
@@ -17441,7 +19684,7 @@
       </p:pic>
       <p:sp>
         <p:nvSpPr>
-          <p:cNvPr id="364" name="Shape 364"/>
+          <p:cNvPr id="384" name="Shape 384"/>
           <p:cNvSpPr txBox="1"/>
           <p:nvPr/>
         </p:nvSpPr>
@@ -17479,7 +19722,7 @@
       </p:sp>
       <p:pic>
         <p:nvPicPr>
-          <p:cNvPr id="365" name="Shape 365" descr="Screen Shot 2016-12-09 at 4.28.42 PM.png"/>
+          <p:cNvPr id="385" name="Shape 385" descr="Screen Shot 2016-12-09 at 4.28.42 PM.png"/>
           <p:cNvPicPr preferRelativeResize="0"/>
           <p:nvPr/>
         </p:nvPicPr>
@@ -17518,7 +19761,7 @@
   <p:cSld>
     <p:spTree>
       <p:nvGrpSpPr>
-        <p:cNvPr id="1" name="Shape 369"/>
+        <p:cNvPr id="1" name="Shape 389"/>
         <p:cNvGrpSpPr/>
         <p:nvPr/>
       </p:nvGrpSpPr>
@@ -17532,7 +19775,7 @@
       </p:grpSpPr>
       <p:sp>
         <p:nvSpPr>
-          <p:cNvPr id="370" name="Shape 370"/>
+          <p:cNvPr id="390" name="Shape 390"/>
           <p:cNvSpPr txBox="1">
             <a:spLocks noGrp="1"/>
           </p:cNvSpPr>
@@ -17570,7 +19813,7 @@
       </p:sp>
       <p:pic>
         <p:nvPicPr>
-          <p:cNvPr id="371" name="Shape 371" descr="Screen Shot 2016-12-09 at 5.20.39 AM.png"/>
+          <p:cNvPr id="391" name="Shape 391" descr="Screen Shot 2016-12-09 at 5.20.39 AM.png"/>
           <p:cNvPicPr preferRelativeResize="0"/>
           <p:nvPr/>
         </p:nvPicPr>
@@ -17598,7 +19841,7 @@
       </p:pic>
       <p:pic>
         <p:nvPicPr>
-          <p:cNvPr id="372" name="Shape 372" descr="Screen Shot 2016-12-09 at 5.19.44 AM.png"/>
+          <p:cNvPr id="392" name="Shape 392" descr="Screen Shot 2016-12-09 at 5.19.44 AM.png"/>
           <p:cNvPicPr preferRelativeResize="0"/>
           <p:nvPr/>
         </p:nvPicPr>
@@ -17637,7 +19880,7 @@
   <p:cSld>
     <p:spTree>
       <p:nvGrpSpPr>
-        <p:cNvPr id="1" name="Shape 376"/>
+        <p:cNvPr id="1" name="Shape 396"/>
         <p:cNvGrpSpPr/>
         <p:nvPr/>
       </p:nvGrpSpPr>
@@ -17651,7 +19894,7 @@
       </p:grpSpPr>
       <p:sp>
         <p:nvSpPr>
-          <p:cNvPr id="377" name="Shape 377"/>
+          <p:cNvPr id="397" name="Shape 397"/>
           <p:cNvSpPr txBox="1">
             <a:spLocks noGrp="1"/>
           </p:cNvSpPr>
@@ -17698,7 +19941,7 @@
       </p:sp>
       <p:pic>
         <p:nvPicPr>
-          <p:cNvPr id="378" name="Shape 378" descr="Screen Shot 2016-12-09 at 5.55.26 AM.png"/>
+          <p:cNvPr id="398" name="Shape 398" descr="Screen Shot 2016-12-09 at 5.55.26 AM.png"/>
           <p:cNvPicPr preferRelativeResize="0"/>
           <p:nvPr/>
         </p:nvPicPr>
@@ -17726,7 +19969,7 @@
       </p:pic>
       <p:sp>
         <p:nvSpPr>
-          <p:cNvPr id="379" name="Shape 379"/>
+          <p:cNvPr id="399" name="Shape 399"/>
           <p:cNvSpPr txBox="1"/>
           <p:nvPr/>
         </p:nvSpPr>
@@ -18043,7 +20286,7 @@
       </p:sp>
       <p:pic>
         <p:nvPicPr>
-          <p:cNvPr id="380" name="Shape 380" descr="Screen Shot 2016-12-09 at 5.49.56 AM.png"/>
+          <p:cNvPr id="400" name="Shape 400" descr="Screen Shot 2016-12-09 at 5.49.56 AM.png"/>
           <p:cNvPicPr preferRelativeResize="0"/>
           <p:nvPr/>
         </p:nvPicPr>
@@ -18082,7 +20325,7 @@
   <p:cSld>
     <p:spTree>
       <p:nvGrpSpPr>
-        <p:cNvPr id="1" name="Shape 384"/>
+        <p:cNvPr id="1" name="Shape 404"/>
         <p:cNvGrpSpPr/>
         <p:nvPr/>
       </p:nvGrpSpPr>
@@ -18096,7 +20339,7 @@
       </p:grpSpPr>
       <p:sp>
         <p:nvSpPr>
-          <p:cNvPr id="385" name="Shape 385"/>
+          <p:cNvPr id="405" name="Shape 405"/>
           <p:cNvSpPr txBox="1">
             <a:spLocks noGrp="1"/>
           </p:cNvSpPr>
@@ -18134,7 +20377,7 @@
       </p:sp>
       <p:pic>
         <p:nvPicPr>
-          <p:cNvPr id="386" name="Shape 386" descr="Screen Shot 2016-12-09 at 6.07.46 AM.png"/>
+          <p:cNvPr id="406" name="Shape 406" descr="Screen Shot 2016-12-09 at 6.07.46 AM.png"/>
           <p:cNvPicPr preferRelativeResize="0"/>
           <p:nvPr/>
         </p:nvPicPr>
@@ -18173,7 +20416,7 @@
   <p:cSld>
     <p:spTree>
       <p:nvGrpSpPr>
-        <p:cNvPr id="1" name="Shape 131"/>
+        <p:cNvPr id="1" name="Shape 132"/>
         <p:cNvGrpSpPr/>
         <p:nvPr/>
       </p:nvGrpSpPr>
@@ -18187,7 +20430,7 @@
       </p:grpSpPr>
       <p:sp>
         <p:nvSpPr>
-          <p:cNvPr id="132" name="Shape 132"/>
+          <p:cNvPr id="133" name="Shape 133"/>
           <p:cNvSpPr txBox="1">
             <a:spLocks noGrp="1"/>
           </p:cNvSpPr>
@@ -18225,7 +20468,7 @@
       </p:sp>
       <p:graphicFrame>
         <p:nvGraphicFramePr>
-          <p:cNvPr id="133" name="Shape 133"/>
+          <p:cNvPr id="134" name="Shape 134"/>
           <p:cNvGraphicFramePr/>
           <p:nvPr/>
         </p:nvGraphicFramePr>
@@ -18238,7 +20481,7 @@
             <a:tbl>
               <a:tblPr>
                 <a:noFill/>
-                <a:tableStyleId>{FA2B9748-459C-4378-BB25-7C3A3B373A3C}</a:tableStyleId>
+                <a:tableStyleId>{BE830A24-B3AD-4CCF-8FEA-9583EB577766}</a:tableStyleId>
               </a:tblPr>
               <a:tblGrid>
                 <a:gridCol w="3619500"/>
@@ -18506,7 +20749,7 @@
                             <a:srgbClr val="3D85C6"/>
                           </a:solidFill>
                         </a:rPr>
-                        <a:t>Implement Spark and build dataframe and graphframe</a:t>
+                        <a:t>Implement Spark and build dataframe with GraphX</a:t>
                       </a:r>
                     </a:p>
                   </a:txBody>
@@ -18566,7 +20809,7 @@
                             <a:srgbClr val="38761D"/>
                           </a:solidFill>
                         </a:rPr>
-                        <a:t>Built the dataframe with “dataframe” &amp; “graphframe” instead with better traversel method</a:t>
+                        <a:t>Built the dataframe with “dataframe” &amp; “graphframe” instead, with better traversal method</a:t>
                       </a:r>
                     </a:p>
                   </a:txBody>
@@ -18871,7 +21114,7 @@
   <p:cSld>
     <p:spTree>
       <p:nvGrpSpPr>
-        <p:cNvPr id="1" name="Shape 390"/>
+        <p:cNvPr id="1" name="Shape 410"/>
         <p:cNvGrpSpPr/>
         <p:nvPr/>
       </p:nvGrpSpPr>
@@ -18885,7 +21128,7 @@
       </p:grpSpPr>
       <p:sp>
         <p:nvSpPr>
-          <p:cNvPr id="391" name="Shape 391"/>
+          <p:cNvPr id="411" name="Shape 411"/>
           <p:cNvSpPr txBox="1">
             <a:spLocks noGrp="1"/>
           </p:cNvSpPr>
@@ -18916,14 +21159,14 @@
             </a:pPr>
             <a:r>
               <a:rPr lang="en" sz="2000"/>
-              <a:t>Web Interface - Get Child Nodes</a:t>
+              <a:t>Web Interface - Get Child Nodes(nested)</a:t>
             </a:r>
           </a:p>
         </p:txBody>
       </p:sp>
       <p:pic>
         <p:nvPicPr>
-          <p:cNvPr id="392" name="Shape 392" descr="Screen Shot 2016-12-09 at 6.16.39 AM.png"/>
+          <p:cNvPr id="412" name="Shape 412" descr="Screen Shot 2016-12-09 at 6.16.39 AM.png"/>
           <p:cNvPicPr preferRelativeResize="0"/>
           <p:nvPr/>
         </p:nvPicPr>
@@ -18962,7 +21205,7 @@
   <p:cSld>
     <p:spTree>
       <p:nvGrpSpPr>
-        <p:cNvPr id="1" name="Shape 396"/>
+        <p:cNvPr id="1" name="Shape 416"/>
         <p:cNvGrpSpPr/>
         <p:nvPr/>
       </p:nvGrpSpPr>
@@ -18976,7 +21219,7 @@
       </p:grpSpPr>
       <p:sp>
         <p:nvSpPr>
-          <p:cNvPr id="397" name="Shape 397"/>
+          <p:cNvPr id="417" name="Shape 417"/>
           <p:cNvSpPr txBox="1">
             <a:spLocks noGrp="1"/>
           </p:cNvSpPr>
@@ -19014,7 +21257,7 @@
       </p:sp>
       <p:pic>
         <p:nvPicPr>
-          <p:cNvPr id="398" name="Shape 398" descr="Screen Shot 2016-12-09 at 6.18.13 AM.png"/>
+          <p:cNvPr id="418" name="Shape 418" descr="Screen Shot 2016-12-09 at 6.18.13 AM.png"/>
           <p:cNvPicPr preferRelativeResize="0"/>
           <p:nvPr/>
         </p:nvPicPr>
@@ -19042,7 +21285,7 @@
       </p:pic>
       <p:pic>
         <p:nvPicPr>
-          <p:cNvPr id="399" name="Shape 399" descr="Screen Shot 2016-12-09 at 6.24.58 AM.png"/>
+          <p:cNvPr id="419" name="Shape 419" descr="Screen Shot 2016-12-09 at 6.24.58 AM.png"/>
           <p:cNvPicPr preferRelativeResize="0"/>
           <p:nvPr/>
         </p:nvPicPr>
@@ -19070,7 +21313,7 @@
       </p:pic>
       <p:sp>
         <p:nvSpPr>
-          <p:cNvPr id="400" name="Shape 400"/>
+          <p:cNvPr id="420" name="Shape 420"/>
           <p:cNvSpPr txBox="1"/>
           <p:nvPr/>
         </p:nvSpPr>
@@ -19397,759 +21640,6 @@
 </file>
 
 <file path=ppt/slides/slide42.xml><?xml version="1.0" encoding="utf-8"?>
-<p:sld xmlns:a="http://schemas.openxmlformats.org/drawingml/2006/main" xmlns:r="http://schemas.openxmlformats.org/officeDocument/2006/relationships" xmlns:p="http://schemas.openxmlformats.org/presentationml/2006/main">
-  <p:cSld>
-    <p:spTree>
-      <p:nvGrpSpPr>
-        <p:cNvPr id="1" name="Shape 404"/>
-        <p:cNvGrpSpPr/>
-        <p:nvPr/>
-      </p:nvGrpSpPr>
-      <p:grpSpPr>
-        <a:xfrm>
-          <a:off x="0" y="0"/>
-          <a:ext cx="0" cy="0"/>
-          <a:chOff x="0" y="0"/>
-          <a:chExt cx="0" cy="0"/>
-        </a:xfrm>
-      </p:grpSpPr>
-      <p:sp>
-        <p:nvSpPr>
-          <p:cNvPr id="405" name="Shape 405"/>
-          <p:cNvSpPr txBox="1">
-            <a:spLocks noGrp="1"/>
-          </p:cNvSpPr>
-          <p:nvPr>
-            <p:ph type="title"/>
-          </p:nvPr>
-        </p:nvSpPr>
-        <p:spPr>
-          <a:xfrm>
-            <a:off x="98250" y="16350"/>
-            <a:ext cx="8826600" cy="602700"/>
-          </a:xfrm>
-          <a:prstGeom prst="rect">
-            <a:avLst/>
-          </a:prstGeom>
-        </p:spPr>
-        <p:txBody>
-          <a:bodyPr lIns="91425" tIns="91425" rIns="91425" bIns="91425" anchor="ctr" anchorCtr="0">
-            <a:noAutofit/>
-          </a:bodyPr>
-          <a:lstStyle/>
-          <a:p>
-            <a:pPr lvl="0">
-              <a:spcBef>
-                <a:spcPts val="0"/>
-              </a:spcBef>
-              <a:buNone/>
-            </a:pPr>
-            <a:r>
-              <a:rPr lang="en" sz="2000"/>
-              <a:t>Web Interface - Get Siblings</a:t>
-            </a:r>
-          </a:p>
-        </p:txBody>
-      </p:sp>
-      <p:pic>
-        <p:nvPicPr>
-          <p:cNvPr id="406" name="Shape 406" descr="Screen Shot 2016-12-09 at 6.29.46 AM.png"/>
-          <p:cNvPicPr preferRelativeResize="0"/>
-          <p:nvPr/>
-        </p:nvPicPr>
-        <p:blipFill>
-          <a:blip r:embed="rId3">
-            <a:alphaModFix/>
-          </a:blip>
-          <a:stretch>
-            <a:fillRect/>
-          </a:stretch>
-        </p:blipFill>
-        <p:spPr>
-          <a:xfrm>
-            <a:off x="98250" y="706900"/>
-            <a:ext cx="6250425" cy="473325"/>
-          </a:xfrm>
-          <a:prstGeom prst="rect">
-            <a:avLst/>
-          </a:prstGeom>
-          <a:noFill/>
-          <a:ln>
-            <a:noFill/>
-          </a:ln>
-        </p:spPr>
-      </p:pic>
-      <p:pic>
-        <p:nvPicPr>
-          <p:cNvPr id="407" name="Shape 407" descr="Screen Shot 2016-12-09 at 6.31.25 AM.png"/>
-          <p:cNvPicPr preferRelativeResize="0"/>
-          <p:nvPr/>
-        </p:nvPicPr>
-        <p:blipFill>
-          <a:blip r:embed="rId4">
-            <a:alphaModFix/>
-          </a:blip>
-          <a:stretch>
-            <a:fillRect/>
-          </a:stretch>
-        </p:blipFill>
-        <p:spPr>
-          <a:xfrm>
-            <a:off x="152400" y="1332625"/>
-            <a:ext cx="5894975" cy="3089925"/>
-          </a:xfrm>
-          <a:prstGeom prst="rect">
-            <a:avLst/>
-          </a:prstGeom>
-          <a:noFill/>
-          <a:ln>
-            <a:noFill/>
-          </a:ln>
-        </p:spPr>
-      </p:pic>
-      <p:sp>
-        <p:nvSpPr>
-          <p:cNvPr id="408" name="Shape 408"/>
-          <p:cNvSpPr txBox="1"/>
-          <p:nvPr/>
-        </p:nvSpPr>
-        <p:spPr>
-          <a:xfrm>
-            <a:off x="6047375" y="1268075"/>
-            <a:ext cx="3139800" cy="3712500"/>
-          </a:xfrm>
-          <a:prstGeom prst="rect">
-            <a:avLst/>
-          </a:prstGeom>
-          <a:solidFill>
-            <a:schemeClr val="dk1"/>
-          </a:solidFill>
-          <a:ln>
-            <a:noFill/>
-          </a:ln>
-        </p:spPr>
-        <p:txBody>
-          <a:bodyPr lIns="91425" tIns="91425" rIns="91425" bIns="91425" anchor="t" anchorCtr="0">
-            <a:noAutofit/>
-          </a:bodyPr>
-          <a:lstStyle/>
-          <a:p>
-            <a:pPr lvl="0">
-              <a:spcBef>
-                <a:spcPts val="0"/>
-              </a:spcBef>
-              <a:buNone/>
-            </a:pPr>
-            <a:r>
-              <a:rPr lang="en" sz="1100">
-                <a:solidFill>
-                  <a:srgbClr val="FFFFFF"/>
-                </a:solidFill>
-                <a:latin typeface="Courier New"/>
-                <a:ea typeface="Courier New"/>
-                <a:cs typeface="Courier New"/>
-                <a:sym typeface="Courier New"/>
-              </a:rPr>
-              <a:t>[  </a:t>
-            </a:r>
-          </a:p>
-          <a:p>
-            <a:pPr lvl="0">
-              <a:spcBef>
-                <a:spcPts val="0"/>
-              </a:spcBef>
-              <a:buNone/>
-            </a:pPr>
-            <a:r>
-              <a:rPr lang="en" sz="1100">
-                <a:solidFill>
-                  <a:srgbClr val="FFFFFF"/>
-                </a:solidFill>
-                <a:latin typeface="Courier New"/>
-                <a:ea typeface="Courier New"/>
-                <a:cs typeface="Courier New"/>
-                <a:sym typeface="Courier New"/>
-              </a:rPr>
-              <a:t>  {  </a:t>
-            </a:r>
-          </a:p>
-          <a:p>
-            <a:pPr lvl="0">
-              <a:spcBef>
-                <a:spcPts val="0"/>
-              </a:spcBef>
-              <a:buNone/>
-            </a:pPr>
-            <a:r>
-              <a:rPr lang="en" sz="1100">
-                <a:solidFill>
-                  <a:srgbClr val="FFFFFF"/>
-                </a:solidFill>
-                <a:latin typeface="Courier New"/>
-                <a:ea typeface="Courier New"/>
-                <a:cs typeface="Courier New"/>
-                <a:sym typeface="Courier New"/>
-              </a:rPr>
-              <a:t>    "ID":12884,</a:t>
-            </a:r>
-          </a:p>
-          <a:p>
-            <a:pPr lvl="0">
-              <a:spcBef>
-                <a:spcPts val="0"/>
-              </a:spcBef>
-              <a:buNone/>
-            </a:pPr>
-            <a:r>
-              <a:rPr lang="en" sz="1100">
-                <a:solidFill>
-                  <a:srgbClr val="FFFFFF"/>
-                </a:solidFill>
-                <a:latin typeface="Courier New"/>
-                <a:ea typeface="Courier New"/>
-                <a:cs typeface="Courier New"/>
-                <a:sym typeface="Courier New"/>
-              </a:rPr>
-              <a:t>    "Name":" Viroid Viroids viroids "</a:t>
-            </a:r>
-          </a:p>
-          <a:p>
-            <a:pPr lvl="0">
-              <a:spcBef>
-                <a:spcPts val="0"/>
-              </a:spcBef>
-              <a:buNone/>
-            </a:pPr>
-            <a:r>
-              <a:rPr lang="en" sz="1100">
-                <a:solidFill>
-                  <a:srgbClr val="FFFFFF"/>
-                </a:solidFill>
-                <a:latin typeface="Courier New"/>
-                <a:ea typeface="Courier New"/>
-                <a:cs typeface="Courier New"/>
-                <a:sym typeface="Courier New"/>
-              </a:rPr>
-              <a:t>  },</a:t>
-            </a:r>
-          </a:p>
-          <a:p>
-            <a:pPr lvl="0">
-              <a:spcBef>
-                <a:spcPts val="0"/>
-              </a:spcBef>
-              <a:buNone/>
-            </a:pPr>
-            <a:r>
-              <a:rPr lang="en" sz="1100">
-                <a:solidFill>
-                  <a:srgbClr val="FFFFFF"/>
-                </a:solidFill>
-                <a:latin typeface="Courier New"/>
-                <a:ea typeface="Courier New"/>
-                <a:cs typeface="Courier New"/>
-                <a:sym typeface="Courier New"/>
-              </a:rPr>
-              <a:t>  {  </a:t>
-            </a:r>
-          </a:p>
-          <a:p>
-            <a:pPr lvl="0">
-              <a:spcBef>
-                <a:spcPts val="0"/>
-              </a:spcBef>
-              <a:buNone/>
-            </a:pPr>
-            <a:r>
-              <a:rPr lang="en" sz="1100">
-                <a:solidFill>
-                  <a:srgbClr val="FFFFFF"/>
-                </a:solidFill>
-                <a:latin typeface="Courier New"/>
-                <a:ea typeface="Courier New"/>
-                <a:cs typeface="Courier New"/>
-                <a:sym typeface="Courier New"/>
-              </a:rPr>
-              <a:t>    "ID":12908,</a:t>
-            </a:r>
-          </a:p>
-          <a:p>
-            <a:pPr lvl="0">
-              <a:spcBef>
-                <a:spcPts val="0"/>
-              </a:spcBef>
-              <a:buNone/>
-            </a:pPr>
-            <a:r>
-              <a:rPr lang="en" sz="1100">
-                <a:solidFill>
-                  <a:srgbClr val="FFFFFF"/>
-                </a:solidFill>
-                <a:latin typeface="Courier New"/>
-                <a:ea typeface="Courier New"/>
-                <a:cs typeface="Courier New"/>
-                <a:sym typeface="Courier New"/>
-              </a:rPr>
-              <a:t>    "Name":" unclassified unclassified unclassified sequences unclassified. "</a:t>
-            </a:r>
-          </a:p>
-          <a:p>
-            <a:pPr lvl="0">
-              <a:spcBef>
-                <a:spcPts val="0"/>
-              </a:spcBef>
-              <a:buNone/>
-            </a:pPr>
-            <a:r>
-              <a:rPr lang="en" sz="1100">
-                <a:solidFill>
-                  <a:srgbClr val="FFFFFF"/>
-                </a:solidFill>
-                <a:latin typeface="Courier New"/>
-                <a:ea typeface="Courier New"/>
-                <a:cs typeface="Courier New"/>
-                <a:sym typeface="Courier New"/>
-              </a:rPr>
-              <a:t>  },</a:t>
-            </a:r>
-          </a:p>
-          <a:p>
-            <a:pPr lvl="0">
-              <a:spcBef>
-                <a:spcPts val="0"/>
-              </a:spcBef>
-              <a:buNone/>
-            </a:pPr>
-            <a:r>
-              <a:rPr lang="en" sz="1100">
-                <a:solidFill>
-                  <a:srgbClr val="FFFFFF"/>
-                </a:solidFill>
-                <a:latin typeface="Courier New"/>
-                <a:ea typeface="Courier New"/>
-                <a:cs typeface="Courier New"/>
-                <a:sym typeface="Courier New"/>
-              </a:rPr>
-              <a:t>  {  </a:t>
-            </a:r>
-          </a:p>
-          <a:p>
-            <a:pPr lvl="0">
-              <a:spcBef>
-                <a:spcPts val="0"/>
-              </a:spcBef>
-              <a:buNone/>
-            </a:pPr>
-            <a:r>
-              <a:rPr lang="en" sz="1100">
-                <a:solidFill>
-                  <a:srgbClr val="FFFFFF"/>
-                </a:solidFill>
-                <a:latin typeface="Courier New"/>
-                <a:ea typeface="Courier New"/>
-                <a:cs typeface="Courier New"/>
-                <a:sym typeface="Courier New"/>
-              </a:rPr>
-              <a:t>    "ID":28384,</a:t>
-            </a:r>
-          </a:p>
-          <a:p>
-            <a:pPr lvl="0">
-              <a:spcBef>
-                <a:spcPts val="0"/>
-              </a:spcBef>
-              <a:buNone/>
-            </a:pPr>
-            <a:r>
-              <a:rPr lang="en" sz="1100">
-                <a:solidFill>
-                  <a:srgbClr val="FFFFFF"/>
-                </a:solidFill>
-                <a:latin typeface="Courier New"/>
-                <a:ea typeface="Courier New"/>
-                <a:cs typeface="Courier New"/>
-                <a:sym typeface="Courier New"/>
-              </a:rPr>
-              <a:t>    "Name":" other sequences other sequences "</a:t>
-            </a:r>
-          </a:p>
-          <a:p>
-            <a:pPr lvl="0">
-              <a:spcBef>
-                <a:spcPts val="0"/>
-              </a:spcBef>
-              <a:buNone/>
-            </a:pPr>
-            <a:r>
-              <a:rPr lang="en" sz="1100">
-                <a:solidFill>
-                  <a:srgbClr val="FFFFFF"/>
-                </a:solidFill>
-                <a:latin typeface="Courier New"/>
-                <a:ea typeface="Courier New"/>
-                <a:cs typeface="Courier New"/>
-                <a:sym typeface="Courier New"/>
-              </a:rPr>
-              <a:t>  },</a:t>
-            </a:r>
-          </a:p>
-          <a:p>
-            <a:pPr lvl="0">
-              <a:spcBef>
-                <a:spcPts val="0"/>
-              </a:spcBef>
-              <a:buNone/>
-            </a:pPr>
-            <a:r>
-              <a:rPr lang="en" sz="1100">
-                <a:solidFill>
-                  <a:srgbClr val="FFFFFF"/>
-                </a:solidFill>
-                <a:latin typeface="Courier New"/>
-                <a:ea typeface="Courier New"/>
-                <a:cs typeface="Courier New"/>
-                <a:sym typeface="Courier New"/>
-              </a:rPr>
-              <a:t>  {  </a:t>
-            </a:r>
-          </a:p>
-          <a:p>
-            <a:pPr lvl="0">
-              <a:spcBef>
-                <a:spcPts val="0"/>
-              </a:spcBef>
-              <a:buNone/>
-            </a:pPr>
-            <a:r>
-              <a:rPr lang="en" sz="1100">
-                <a:solidFill>
-                  <a:srgbClr val="FFFFFF"/>
-                </a:solidFill>
-                <a:latin typeface="Courier New"/>
-                <a:ea typeface="Courier New"/>
-                <a:cs typeface="Courier New"/>
-                <a:sym typeface="Courier New"/>
-              </a:rPr>
-              <a:t>    "ID":131567,</a:t>
-            </a:r>
-          </a:p>
-          <a:p>
-            <a:pPr lvl="0">
-              <a:spcBef>
-                <a:spcPts val="0"/>
-              </a:spcBef>
-              <a:buNone/>
-            </a:pPr>
-            <a:r>
-              <a:rPr lang="en" sz="1100">
-                <a:solidFill>
-                  <a:srgbClr val="FFFFFF"/>
-                </a:solidFill>
-                <a:latin typeface="Courier New"/>
-                <a:ea typeface="Courier New"/>
-                <a:cs typeface="Courier New"/>
-                <a:sym typeface="Courier New"/>
-              </a:rPr>
-              <a:t>    "Name":" biota cellular organisms "</a:t>
-            </a:r>
-          </a:p>
-          <a:p>
-            <a:pPr lvl="0">
-              <a:spcBef>
-                <a:spcPts val="0"/>
-              </a:spcBef>
-              <a:buNone/>
-            </a:pPr>
-            <a:r>
-              <a:rPr lang="en" sz="1100">
-                <a:solidFill>
-                  <a:srgbClr val="FFFFFF"/>
-                </a:solidFill>
-                <a:latin typeface="Courier New"/>
-                <a:ea typeface="Courier New"/>
-                <a:cs typeface="Courier New"/>
-                <a:sym typeface="Courier New"/>
-              </a:rPr>
-              <a:t>  }</a:t>
-            </a:r>
-          </a:p>
-          <a:p>
-            <a:pPr lvl="0">
-              <a:spcBef>
-                <a:spcPts val="0"/>
-              </a:spcBef>
-              <a:buNone/>
-            </a:pPr>
-            <a:r>
-              <a:rPr lang="en" sz="1100">
-                <a:solidFill>
-                  <a:srgbClr val="FFFFFF"/>
-                </a:solidFill>
-                <a:latin typeface="Courier New"/>
-                <a:ea typeface="Courier New"/>
-                <a:cs typeface="Courier New"/>
-                <a:sym typeface="Courier New"/>
-              </a:rPr>
-              <a:t>]</a:t>
-            </a:r>
-          </a:p>
-        </p:txBody>
-      </p:sp>
-    </p:spTree>
-  </p:cSld>
-  <p:clrMapOvr>
-    <a:masterClrMapping/>
-  </p:clrMapOvr>
-</p:sld>
-</file>
-
-<file path=ppt/slides/slide43.xml><?xml version="1.0" encoding="utf-8"?>
-<p:sld xmlns:a="http://schemas.openxmlformats.org/drawingml/2006/main" xmlns:r="http://schemas.openxmlformats.org/officeDocument/2006/relationships" xmlns:p="http://schemas.openxmlformats.org/presentationml/2006/main">
-  <p:cSld>
-    <p:spTree>
-      <p:nvGrpSpPr>
-        <p:cNvPr id="1" name="Shape 412"/>
-        <p:cNvGrpSpPr/>
-        <p:nvPr/>
-      </p:nvGrpSpPr>
-      <p:grpSpPr>
-        <a:xfrm>
-          <a:off x="0" y="0"/>
-          <a:ext cx="0" cy="0"/>
-          <a:chOff x="0" y="0"/>
-          <a:chExt cx="0" cy="0"/>
-        </a:xfrm>
-      </p:grpSpPr>
-      <p:sp>
-        <p:nvSpPr>
-          <p:cNvPr id="413" name="Shape 413"/>
-          <p:cNvSpPr txBox="1">
-            <a:spLocks noGrp="1"/>
-          </p:cNvSpPr>
-          <p:nvPr>
-            <p:ph type="title"/>
-          </p:nvPr>
-        </p:nvSpPr>
-        <p:spPr>
-          <a:xfrm>
-            <a:off x="2894475" y="371173"/>
-            <a:ext cx="5740800" cy="679500"/>
-          </a:xfrm>
-          <a:prstGeom prst="rect">
-            <a:avLst/>
-          </a:prstGeom>
-        </p:spPr>
-        <p:txBody>
-          <a:bodyPr lIns="91425" tIns="91425" rIns="91425" bIns="91425" anchor="b" anchorCtr="0">
-            <a:noAutofit/>
-          </a:bodyPr>
-          <a:lstStyle/>
-          <a:p>
-            <a:pPr lvl="0" rtl="0">
-              <a:spcBef>
-                <a:spcPts val="0"/>
-              </a:spcBef>
-              <a:buNone/>
-            </a:pPr>
-            <a:r>
-              <a:rPr lang="en"/>
-              <a:t>Acceptance Criteria</a:t>
-            </a:r>
-          </a:p>
-        </p:txBody>
-      </p:sp>
-      <p:sp>
-        <p:nvSpPr>
-          <p:cNvPr id="414" name="Shape 414"/>
-          <p:cNvSpPr txBox="1">
-            <a:spLocks noGrp="1"/>
-          </p:cNvSpPr>
-          <p:nvPr>
-            <p:ph type="body" idx="1"/>
-          </p:nvPr>
-        </p:nvSpPr>
-        <p:spPr>
-          <a:xfrm>
-            <a:off x="2894475" y="1298825"/>
-            <a:ext cx="5740800" cy="3428400"/>
-          </a:xfrm>
-          <a:prstGeom prst="rect">
-            <a:avLst/>
-          </a:prstGeom>
-        </p:spPr>
-        <p:txBody>
-          <a:bodyPr lIns="91425" tIns="91425" rIns="91425" bIns="91425" anchor="t" anchorCtr="0">
-            <a:noAutofit/>
-          </a:bodyPr>
-          <a:lstStyle/>
-          <a:p>
-            <a:pPr marL="457200" lvl="0" indent="-228600" rtl="0">
-              <a:spcBef>
-                <a:spcPts val="0"/>
-              </a:spcBef>
-            </a:pPr>
-            <a:r>
-              <a:rPr lang="en"/>
-              <a:t>Have at least 2 search algorithms for sub-tree query.   </a:t>
-            </a:r>
-            <a:r>
-              <a:rPr lang="en" sz="1800">
-                <a:solidFill>
-                  <a:srgbClr val="FF0000"/>
-                </a:solidFill>
-                <a:highlight>
-                  <a:srgbClr val="FFFFFF"/>
-                </a:highlight>
-              </a:rPr>
-              <a:t>✓</a:t>
-            </a:r>
-          </a:p>
-          <a:p>
-            <a:pPr marL="457200" lvl="0" indent="-228600" rtl="0">
-              <a:spcBef>
-                <a:spcPts val="0"/>
-              </a:spcBef>
-            </a:pPr>
-            <a:r>
-              <a:rPr lang="en"/>
-              <a:t>For querying the data, it should be quick for user to use. User should get the result in 2 secs.                    </a:t>
-            </a:r>
-            <a:r>
-              <a:rPr lang="en" sz="1800">
-                <a:solidFill>
-                  <a:srgbClr val="FF0000"/>
-                </a:solidFill>
-                <a:highlight>
-                  <a:srgbClr val="FFFFFF"/>
-                </a:highlight>
-              </a:rPr>
-              <a:t>✓</a:t>
-            </a:r>
-          </a:p>
-          <a:p>
-            <a:pPr marL="457200" lvl="0" indent="-228600" rtl="0">
-              <a:spcBef>
-                <a:spcPts val="0"/>
-              </a:spcBef>
-            </a:pPr>
-            <a:r>
-              <a:rPr lang="en"/>
-              <a:t>The relationship of the target node should be visualized clearly and accurately for its parent node, sibling nodes and children nodes from 1,528,461 nodes.        </a:t>
-            </a:r>
-            <a:r>
-              <a:rPr lang="en" sz="1800">
-                <a:solidFill>
-                  <a:srgbClr val="FF0000"/>
-                </a:solidFill>
-                <a:highlight>
-                  <a:srgbClr val="FFFFFF"/>
-                </a:highlight>
-              </a:rPr>
-              <a:t>✓</a:t>
-            </a:r>
-          </a:p>
-        </p:txBody>
-      </p:sp>
-    </p:spTree>
-  </p:cSld>
-  <p:clrMapOvr>
-    <a:masterClrMapping/>
-  </p:clrMapOvr>
-</p:sld>
-</file>
-
-<file path=ppt/slides/slide44.xml><?xml version="1.0" encoding="utf-8"?>
-<p:sld xmlns:a="http://schemas.openxmlformats.org/drawingml/2006/main" xmlns:r="http://schemas.openxmlformats.org/officeDocument/2006/relationships" xmlns:p="http://schemas.openxmlformats.org/presentationml/2006/main">
-  <p:cSld>
-    <p:spTree>
-      <p:nvGrpSpPr>
-        <p:cNvPr id="1" name="Shape 418"/>
-        <p:cNvGrpSpPr/>
-        <p:nvPr/>
-      </p:nvGrpSpPr>
-      <p:grpSpPr>
-        <a:xfrm>
-          <a:off x="0" y="0"/>
-          <a:ext cx="0" cy="0"/>
-          <a:chOff x="0" y="0"/>
-          <a:chExt cx="0" cy="0"/>
-        </a:xfrm>
-      </p:grpSpPr>
-      <p:sp>
-        <p:nvSpPr>
-          <p:cNvPr id="419" name="Shape 419"/>
-          <p:cNvSpPr txBox="1">
-            <a:spLocks noGrp="1"/>
-          </p:cNvSpPr>
-          <p:nvPr>
-            <p:ph type="title"/>
-          </p:nvPr>
-        </p:nvSpPr>
-        <p:spPr>
-          <a:xfrm>
-            <a:off x="98250" y="16350"/>
-            <a:ext cx="8826600" cy="602700"/>
-          </a:xfrm>
-          <a:prstGeom prst="rect">
-            <a:avLst/>
-          </a:prstGeom>
-        </p:spPr>
-        <p:txBody>
-          <a:bodyPr lIns="91425" tIns="91425" rIns="91425" bIns="91425" anchor="ctr" anchorCtr="0">
-            <a:noAutofit/>
-          </a:bodyPr>
-          <a:lstStyle/>
-          <a:p>
-            <a:pPr lvl="0" rtl="0">
-              <a:spcBef>
-                <a:spcPts val="0"/>
-              </a:spcBef>
-              <a:buNone/>
-            </a:pPr>
-            <a:r>
-              <a:rPr lang="en"/>
-              <a:t>Architecture</a:t>
-            </a:r>
-          </a:p>
-        </p:txBody>
-      </p:sp>
-      <p:pic>
-        <p:nvPicPr>
-          <p:cNvPr id="420" name="Shape 420"/>
-          <p:cNvPicPr preferRelativeResize="0"/>
-          <p:nvPr/>
-        </p:nvPicPr>
-        <p:blipFill>
-          <a:blip r:embed="rId3">
-            <a:alphaModFix/>
-          </a:blip>
-          <a:stretch>
-            <a:fillRect/>
-          </a:stretch>
-        </p:blipFill>
-        <p:spPr>
-          <a:xfrm>
-            <a:off x="997600" y="766025"/>
-            <a:ext cx="7234959" cy="4219649"/>
-          </a:xfrm>
-          <a:prstGeom prst="rect">
-            <a:avLst/>
-          </a:prstGeom>
-          <a:noFill/>
-          <a:ln>
-            <a:noFill/>
-          </a:ln>
-        </p:spPr>
-      </p:pic>
-    </p:spTree>
-  </p:cSld>
-  <p:clrMapOvr>
-    <a:masterClrMapping/>
-  </p:clrMapOvr>
-</p:sld>
-</file>
-
-<file path=ppt/slides/slide45.xml><?xml version="1.0" encoding="utf-8"?>
 <p:sld xmlns:a="http://schemas.openxmlformats.org/drawingml/2006/main" xmlns:r="http://schemas.openxmlformats.org/officeDocument/2006/relationships" xmlns:p="http://schemas.openxmlformats.org/presentationml/2006/main">
   <p:cSld>
     <p:spTree>
@@ -20178,6 +21668,850 @@
         </p:nvSpPr>
         <p:spPr>
           <a:xfrm>
+            <a:off x="98250" y="16350"/>
+            <a:ext cx="8826600" cy="602700"/>
+          </a:xfrm>
+          <a:prstGeom prst="rect">
+            <a:avLst/>
+          </a:prstGeom>
+        </p:spPr>
+        <p:txBody>
+          <a:bodyPr lIns="91425" tIns="91425" rIns="91425" bIns="91425" anchor="ctr" anchorCtr="0">
+            <a:noAutofit/>
+          </a:bodyPr>
+          <a:lstStyle/>
+          <a:p>
+            <a:pPr lvl="0">
+              <a:spcBef>
+                <a:spcPts val="0"/>
+              </a:spcBef>
+              <a:buNone/>
+            </a:pPr>
+            <a:r>
+              <a:rPr lang="en" sz="2000"/>
+              <a:t>Web Interface - Get Siblings</a:t>
+            </a:r>
+          </a:p>
+        </p:txBody>
+      </p:sp>
+      <p:pic>
+        <p:nvPicPr>
+          <p:cNvPr id="426" name="Shape 426" descr="Screen Shot 2016-12-09 at 6.29.46 AM.png"/>
+          <p:cNvPicPr preferRelativeResize="0"/>
+          <p:nvPr/>
+        </p:nvPicPr>
+        <p:blipFill>
+          <a:blip r:embed="rId3">
+            <a:alphaModFix/>
+          </a:blip>
+          <a:stretch>
+            <a:fillRect/>
+          </a:stretch>
+        </p:blipFill>
+        <p:spPr>
+          <a:xfrm>
+            <a:off x="98250" y="706900"/>
+            <a:ext cx="6250425" cy="473325"/>
+          </a:xfrm>
+          <a:prstGeom prst="rect">
+            <a:avLst/>
+          </a:prstGeom>
+          <a:noFill/>
+          <a:ln>
+            <a:noFill/>
+          </a:ln>
+        </p:spPr>
+      </p:pic>
+      <p:pic>
+        <p:nvPicPr>
+          <p:cNvPr id="427" name="Shape 427" descr="Screen Shot 2016-12-09 at 6.31.25 AM.png"/>
+          <p:cNvPicPr preferRelativeResize="0"/>
+          <p:nvPr/>
+        </p:nvPicPr>
+        <p:blipFill>
+          <a:blip r:embed="rId4">
+            <a:alphaModFix/>
+          </a:blip>
+          <a:stretch>
+            <a:fillRect/>
+          </a:stretch>
+        </p:blipFill>
+        <p:spPr>
+          <a:xfrm>
+            <a:off x="152400" y="1332625"/>
+            <a:ext cx="5894975" cy="3089925"/>
+          </a:xfrm>
+          <a:prstGeom prst="rect">
+            <a:avLst/>
+          </a:prstGeom>
+          <a:noFill/>
+          <a:ln>
+            <a:noFill/>
+          </a:ln>
+        </p:spPr>
+      </p:pic>
+      <p:sp>
+        <p:nvSpPr>
+          <p:cNvPr id="428" name="Shape 428"/>
+          <p:cNvSpPr txBox="1"/>
+          <p:nvPr/>
+        </p:nvSpPr>
+        <p:spPr>
+          <a:xfrm>
+            <a:off x="6047375" y="1268075"/>
+            <a:ext cx="3139800" cy="3712500"/>
+          </a:xfrm>
+          <a:prstGeom prst="rect">
+            <a:avLst/>
+          </a:prstGeom>
+          <a:solidFill>
+            <a:schemeClr val="dk1"/>
+          </a:solidFill>
+          <a:ln>
+            <a:noFill/>
+          </a:ln>
+        </p:spPr>
+        <p:txBody>
+          <a:bodyPr lIns="91425" tIns="91425" rIns="91425" bIns="91425" anchor="t" anchorCtr="0">
+            <a:noAutofit/>
+          </a:bodyPr>
+          <a:lstStyle/>
+          <a:p>
+            <a:pPr lvl="0">
+              <a:spcBef>
+                <a:spcPts val="0"/>
+              </a:spcBef>
+              <a:buNone/>
+            </a:pPr>
+            <a:r>
+              <a:rPr lang="en" sz="1100">
+                <a:solidFill>
+                  <a:srgbClr val="FFFFFF"/>
+                </a:solidFill>
+                <a:latin typeface="Courier New"/>
+                <a:ea typeface="Courier New"/>
+                <a:cs typeface="Courier New"/>
+                <a:sym typeface="Courier New"/>
+              </a:rPr>
+              <a:t>[  </a:t>
+            </a:r>
+          </a:p>
+          <a:p>
+            <a:pPr lvl="0">
+              <a:spcBef>
+                <a:spcPts val="0"/>
+              </a:spcBef>
+              <a:buNone/>
+            </a:pPr>
+            <a:r>
+              <a:rPr lang="en" sz="1100">
+                <a:solidFill>
+                  <a:srgbClr val="FFFFFF"/>
+                </a:solidFill>
+                <a:latin typeface="Courier New"/>
+                <a:ea typeface="Courier New"/>
+                <a:cs typeface="Courier New"/>
+                <a:sym typeface="Courier New"/>
+              </a:rPr>
+              <a:t>  {  </a:t>
+            </a:r>
+          </a:p>
+          <a:p>
+            <a:pPr lvl="0">
+              <a:spcBef>
+                <a:spcPts val="0"/>
+              </a:spcBef>
+              <a:buNone/>
+            </a:pPr>
+            <a:r>
+              <a:rPr lang="en" sz="1100">
+                <a:solidFill>
+                  <a:srgbClr val="FFFFFF"/>
+                </a:solidFill>
+                <a:latin typeface="Courier New"/>
+                <a:ea typeface="Courier New"/>
+                <a:cs typeface="Courier New"/>
+                <a:sym typeface="Courier New"/>
+              </a:rPr>
+              <a:t>    "ID":12884,</a:t>
+            </a:r>
+          </a:p>
+          <a:p>
+            <a:pPr lvl="0">
+              <a:spcBef>
+                <a:spcPts val="0"/>
+              </a:spcBef>
+              <a:buNone/>
+            </a:pPr>
+            <a:r>
+              <a:rPr lang="en" sz="1100">
+                <a:solidFill>
+                  <a:srgbClr val="FFFFFF"/>
+                </a:solidFill>
+                <a:latin typeface="Courier New"/>
+                <a:ea typeface="Courier New"/>
+                <a:cs typeface="Courier New"/>
+                <a:sym typeface="Courier New"/>
+              </a:rPr>
+              <a:t>    "Name":" Viroid Viroids viroids "</a:t>
+            </a:r>
+          </a:p>
+          <a:p>
+            <a:pPr lvl="0">
+              <a:spcBef>
+                <a:spcPts val="0"/>
+              </a:spcBef>
+              <a:buNone/>
+            </a:pPr>
+            <a:r>
+              <a:rPr lang="en" sz="1100">
+                <a:solidFill>
+                  <a:srgbClr val="FFFFFF"/>
+                </a:solidFill>
+                <a:latin typeface="Courier New"/>
+                <a:ea typeface="Courier New"/>
+                <a:cs typeface="Courier New"/>
+                <a:sym typeface="Courier New"/>
+              </a:rPr>
+              <a:t>  },</a:t>
+            </a:r>
+          </a:p>
+          <a:p>
+            <a:pPr lvl="0">
+              <a:spcBef>
+                <a:spcPts val="0"/>
+              </a:spcBef>
+              <a:buNone/>
+            </a:pPr>
+            <a:r>
+              <a:rPr lang="en" sz="1100">
+                <a:solidFill>
+                  <a:srgbClr val="FFFFFF"/>
+                </a:solidFill>
+                <a:latin typeface="Courier New"/>
+                <a:ea typeface="Courier New"/>
+                <a:cs typeface="Courier New"/>
+                <a:sym typeface="Courier New"/>
+              </a:rPr>
+              <a:t>  {  </a:t>
+            </a:r>
+          </a:p>
+          <a:p>
+            <a:pPr lvl="0">
+              <a:spcBef>
+                <a:spcPts val="0"/>
+              </a:spcBef>
+              <a:buNone/>
+            </a:pPr>
+            <a:r>
+              <a:rPr lang="en" sz="1100">
+                <a:solidFill>
+                  <a:srgbClr val="FFFFFF"/>
+                </a:solidFill>
+                <a:latin typeface="Courier New"/>
+                <a:ea typeface="Courier New"/>
+                <a:cs typeface="Courier New"/>
+                <a:sym typeface="Courier New"/>
+              </a:rPr>
+              <a:t>    "ID":12908,</a:t>
+            </a:r>
+          </a:p>
+          <a:p>
+            <a:pPr lvl="0">
+              <a:spcBef>
+                <a:spcPts val="0"/>
+              </a:spcBef>
+              <a:buNone/>
+            </a:pPr>
+            <a:r>
+              <a:rPr lang="en" sz="1100">
+                <a:solidFill>
+                  <a:srgbClr val="FFFFFF"/>
+                </a:solidFill>
+                <a:latin typeface="Courier New"/>
+                <a:ea typeface="Courier New"/>
+                <a:cs typeface="Courier New"/>
+                <a:sym typeface="Courier New"/>
+              </a:rPr>
+              <a:t>    "Name":" unclassified unclassified unclassified sequences unclassified. "</a:t>
+            </a:r>
+          </a:p>
+          <a:p>
+            <a:pPr lvl="0">
+              <a:spcBef>
+                <a:spcPts val="0"/>
+              </a:spcBef>
+              <a:buNone/>
+            </a:pPr>
+            <a:r>
+              <a:rPr lang="en" sz="1100">
+                <a:solidFill>
+                  <a:srgbClr val="FFFFFF"/>
+                </a:solidFill>
+                <a:latin typeface="Courier New"/>
+                <a:ea typeface="Courier New"/>
+                <a:cs typeface="Courier New"/>
+                <a:sym typeface="Courier New"/>
+              </a:rPr>
+              <a:t>  },</a:t>
+            </a:r>
+          </a:p>
+          <a:p>
+            <a:pPr lvl="0">
+              <a:spcBef>
+                <a:spcPts val="0"/>
+              </a:spcBef>
+              <a:buNone/>
+            </a:pPr>
+            <a:r>
+              <a:rPr lang="en" sz="1100">
+                <a:solidFill>
+                  <a:srgbClr val="FFFFFF"/>
+                </a:solidFill>
+                <a:latin typeface="Courier New"/>
+                <a:ea typeface="Courier New"/>
+                <a:cs typeface="Courier New"/>
+                <a:sym typeface="Courier New"/>
+              </a:rPr>
+              <a:t>  {  </a:t>
+            </a:r>
+          </a:p>
+          <a:p>
+            <a:pPr lvl="0">
+              <a:spcBef>
+                <a:spcPts val="0"/>
+              </a:spcBef>
+              <a:buNone/>
+            </a:pPr>
+            <a:r>
+              <a:rPr lang="en" sz="1100">
+                <a:solidFill>
+                  <a:srgbClr val="FFFFFF"/>
+                </a:solidFill>
+                <a:latin typeface="Courier New"/>
+                <a:ea typeface="Courier New"/>
+                <a:cs typeface="Courier New"/>
+                <a:sym typeface="Courier New"/>
+              </a:rPr>
+              <a:t>    "ID":28384,</a:t>
+            </a:r>
+          </a:p>
+          <a:p>
+            <a:pPr lvl="0">
+              <a:spcBef>
+                <a:spcPts val="0"/>
+              </a:spcBef>
+              <a:buNone/>
+            </a:pPr>
+            <a:r>
+              <a:rPr lang="en" sz="1100">
+                <a:solidFill>
+                  <a:srgbClr val="FFFFFF"/>
+                </a:solidFill>
+                <a:latin typeface="Courier New"/>
+                <a:ea typeface="Courier New"/>
+                <a:cs typeface="Courier New"/>
+                <a:sym typeface="Courier New"/>
+              </a:rPr>
+              <a:t>    "Name":" other sequences other sequences "</a:t>
+            </a:r>
+          </a:p>
+          <a:p>
+            <a:pPr lvl="0">
+              <a:spcBef>
+                <a:spcPts val="0"/>
+              </a:spcBef>
+              <a:buNone/>
+            </a:pPr>
+            <a:r>
+              <a:rPr lang="en" sz="1100">
+                <a:solidFill>
+                  <a:srgbClr val="FFFFFF"/>
+                </a:solidFill>
+                <a:latin typeface="Courier New"/>
+                <a:ea typeface="Courier New"/>
+                <a:cs typeface="Courier New"/>
+                <a:sym typeface="Courier New"/>
+              </a:rPr>
+              <a:t>  },</a:t>
+            </a:r>
+          </a:p>
+          <a:p>
+            <a:pPr lvl="0">
+              <a:spcBef>
+                <a:spcPts val="0"/>
+              </a:spcBef>
+              <a:buNone/>
+            </a:pPr>
+            <a:r>
+              <a:rPr lang="en" sz="1100">
+                <a:solidFill>
+                  <a:srgbClr val="FFFFFF"/>
+                </a:solidFill>
+                <a:latin typeface="Courier New"/>
+                <a:ea typeface="Courier New"/>
+                <a:cs typeface="Courier New"/>
+                <a:sym typeface="Courier New"/>
+              </a:rPr>
+              <a:t>  {  </a:t>
+            </a:r>
+          </a:p>
+          <a:p>
+            <a:pPr lvl="0">
+              <a:spcBef>
+                <a:spcPts val="0"/>
+              </a:spcBef>
+              <a:buNone/>
+            </a:pPr>
+            <a:r>
+              <a:rPr lang="en" sz="1100">
+                <a:solidFill>
+                  <a:srgbClr val="FFFFFF"/>
+                </a:solidFill>
+                <a:latin typeface="Courier New"/>
+                <a:ea typeface="Courier New"/>
+                <a:cs typeface="Courier New"/>
+                <a:sym typeface="Courier New"/>
+              </a:rPr>
+              <a:t>    "ID":131567,</a:t>
+            </a:r>
+          </a:p>
+          <a:p>
+            <a:pPr lvl="0">
+              <a:spcBef>
+                <a:spcPts val="0"/>
+              </a:spcBef>
+              <a:buNone/>
+            </a:pPr>
+            <a:r>
+              <a:rPr lang="en" sz="1100">
+                <a:solidFill>
+                  <a:srgbClr val="FFFFFF"/>
+                </a:solidFill>
+                <a:latin typeface="Courier New"/>
+                <a:ea typeface="Courier New"/>
+                <a:cs typeface="Courier New"/>
+                <a:sym typeface="Courier New"/>
+              </a:rPr>
+              <a:t>    "Name":" biota cellular organisms "</a:t>
+            </a:r>
+          </a:p>
+          <a:p>
+            <a:pPr lvl="0">
+              <a:spcBef>
+                <a:spcPts val="0"/>
+              </a:spcBef>
+              <a:buNone/>
+            </a:pPr>
+            <a:r>
+              <a:rPr lang="en" sz="1100">
+                <a:solidFill>
+                  <a:srgbClr val="FFFFFF"/>
+                </a:solidFill>
+                <a:latin typeface="Courier New"/>
+                <a:ea typeface="Courier New"/>
+                <a:cs typeface="Courier New"/>
+                <a:sym typeface="Courier New"/>
+              </a:rPr>
+              <a:t>  }</a:t>
+            </a:r>
+          </a:p>
+          <a:p>
+            <a:pPr lvl="0">
+              <a:spcBef>
+                <a:spcPts val="0"/>
+              </a:spcBef>
+              <a:buNone/>
+            </a:pPr>
+            <a:r>
+              <a:rPr lang="en" sz="1100">
+                <a:solidFill>
+                  <a:srgbClr val="FFFFFF"/>
+                </a:solidFill>
+                <a:latin typeface="Courier New"/>
+                <a:ea typeface="Courier New"/>
+                <a:cs typeface="Courier New"/>
+                <a:sym typeface="Courier New"/>
+              </a:rPr>
+              <a:t>]</a:t>
+            </a:r>
+          </a:p>
+        </p:txBody>
+      </p:sp>
+    </p:spTree>
+  </p:cSld>
+  <p:clrMapOvr>
+    <a:masterClrMapping/>
+  </p:clrMapOvr>
+</p:sld>
+</file>
+
+<file path=ppt/slides/slide43.xml><?xml version="1.0" encoding="utf-8"?>
+<p:sld xmlns:a="http://schemas.openxmlformats.org/drawingml/2006/main" xmlns:r="http://schemas.openxmlformats.org/officeDocument/2006/relationships" xmlns:p="http://schemas.openxmlformats.org/presentationml/2006/main">
+  <p:cSld>
+    <p:spTree>
+      <p:nvGrpSpPr>
+        <p:cNvPr id="1" name="Shape 432"/>
+        <p:cNvGrpSpPr/>
+        <p:nvPr/>
+      </p:nvGrpSpPr>
+      <p:grpSpPr>
+        <a:xfrm>
+          <a:off x="0" y="0"/>
+          <a:ext cx="0" cy="0"/>
+          <a:chOff x="0" y="0"/>
+          <a:chExt cx="0" cy="0"/>
+        </a:xfrm>
+      </p:grpSpPr>
+      <p:sp>
+        <p:nvSpPr>
+          <p:cNvPr id="433" name="Shape 433"/>
+          <p:cNvSpPr txBox="1">
+            <a:spLocks noGrp="1"/>
+          </p:cNvSpPr>
+          <p:nvPr>
+            <p:ph type="title"/>
+          </p:nvPr>
+        </p:nvSpPr>
+        <p:spPr>
+          <a:xfrm>
+            <a:off x="2894475" y="371173"/>
+            <a:ext cx="5740800" cy="679500"/>
+          </a:xfrm>
+          <a:prstGeom prst="rect">
+            <a:avLst/>
+          </a:prstGeom>
+        </p:spPr>
+        <p:txBody>
+          <a:bodyPr lIns="91425" tIns="91425" rIns="91425" bIns="91425" anchor="b" anchorCtr="0">
+            <a:noAutofit/>
+          </a:bodyPr>
+          <a:lstStyle/>
+          <a:p>
+            <a:pPr lvl="0" rtl="0">
+              <a:spcBef>
+                <a:spcPts val="0"/>
+              </a:spcBef>
+              <a:buNone/>
+            </a:pPr>
+            <a:r>
+              <a:rPr lang="en"/>
+              <a:t>Acceptance Criteria</a:t>
+            </a:r>
+          </a:p>
+        </p:txBody>
+      </p:sp>
+      <p:sp>
+        <p:nvSpPr>
+          <p:cNvPr id="434" name="Shape 434"/>
+          <p:cNvSpPr txBox="1">
+            <a:spLocks noGrp="1"/>
+          </p:cNvSpPr>
+          <p:nvPr>
+            <p:ph type="body" idx="1"/>
+          </p:nvPr>
+        </p:nvSpPr>
+        <p:spPr>
+          <a:xfrm>
+            <a:off x="2894475" y="1298825"/>
+            <a:ext cx="5740800" cy="3428400"/>
+          </a:xfrm>
+          <a:prstGeom prst="rect">
+            <a:avLst/>
+          </a:prstGeom>
+        </p:spPr>
+        <p:txBody>
+          <a:bodyPr lIns="91425" tIns="91425" rIns="91425" bIns="91425" anchor="t" anchorCtr="0">
+            <a:noAutofit/>
+          </a:bodyPr>
+          <a:lstStyle/>
+          <a:p>
+            <a:pPr marL="457200" lvl="0" indent="-228600" rtl="0">
+              <a:spcBef>
+                <a:spcPts val="0"/>
+              </a:spcBef>
+            </a:pPr>
+            <a:r>
+              <a:rPr lang="en"/>
+              <a:t>Have at least 2 search algorithms for sub-tree query.   </a:t>
+            </a:r>
+            <a:r>
+              <a:rPr lang="en" sz="1800">
+                <a:solidFill>
+                  <a:srgbClr val="FF0000"/>
+                </a:solidFill>
+                <a:highlight>
+                  <a:srgbClr val="FFFFFF"/>
+                </a:highlight>
+              </a:rPr>
+              <a:t>✓</a:t>
+            </a:r>
+          </a:p>
+          <a:p>
+            <a:pPr marL="457200" lvl="0" indent="-228600" rtl="0">
+              <a:spcBef>
+                <a:spcPts val="0"/>
+              </a:spcBef>
+            </a:pPr>
+            <a:r>
+              <a:rPr lang="en"/>
+              <a:t>For querying the data, it should be quick for user to use. User should get the result in 2 secs.                    </a:t>
+            </a:r>
+            <a:r>
+              <a:rPr lang="en" sz="1800">
+                <a:solidFill>
+                  <a:srgbClr val="FF0000"/>
+                </a:solidFill>
+                <a:highlight>
+                  <a:srgbClr val="FFFFFF"/>
+                </a:highlight>
+              </a:rPr>
+              <a:t>✓</a:t>
+            </a:r>
+          </a:p>
+          <a:p>
+            <a:pPr marL="457200" lvl="0" indent="-228600" rtl="0">
+              <a:spcBef>
+                <a:spcPts val="0"/>
+              </a:spcBef>
+            </a:pPr>
+            <a:r>
+              <a:rPr lang="en"/>
+              <a:t>The relationship of the target node should be visualized clearly and accurately for its parent node, sibling nodes and children nodes from 1,528,461 nodes.        </a:t>
+            </a:r>
+            <a:r>
+              <a:rPr lang="en" sz="1800">
+                <a:solidFill>
+                  <a:srgbClr val="FF0000"/>
+                </a:solidFill>
+                <a:highlight>
+                  <a:srgbClr val="FFFFFF"/>
+                </a:highlight>
+              </a:rPr>
+              <a:t>✓</a:t>
+            </a:r>
+          </a:p>
+        </p:txBody>
+      </p:sp>
+    </p:spTree>
+  </p:cSld>
+  <p:clrMapOvr>
+    <a:masterClrMapping/>
+  </p:clrMapOvr>
+</p:sld>
+</file>
+
+<file path=ppt/slides/slide44.xml><?xml version="1.0" encoding="utf-8"?>
+<p:sld xmlns:a="http://schemas.openxmlformats.org/drawingml/2006/main" xmlns:r="http://schemas.openxmlformats.org/officeDocument/2006/relationships" xmlns:p="http://schemas.openxmlformats.org/presentationml/2006/main">
+  <p:cSld>
+    <p:spTree>
+      <p:nvGrpSpPr>
+        <p:cNvPr id="1" name="Shape 438"/>
+        <p:cNvGrpSpPr/>
+        <p:nvPr/>
+      </p:nvGrpSpPr>
+      <p:grpSpPr>
+        <a:xfrm>
+          <a:off x="0" y="0"/>
+          <a:ext cx="0" cy="0"/>
+          <a:chOff x="0" y="0"/>
+          <a:chExt cx="0" cy="0"/>
+        </a:xfrm>
+      </p:grpSpPr>
+      <p:sp>
+        <p:nvSpPr>
+          <p:cNvPr id="439" name="Shape 439"/>
+          <p:cNvSpPr txBox="1">
+            <a:spLocks noGrp="1"/>
+          </p:cNvSpPr>
+          <p:nvPr>
+            <p:ph type="title"/>
+          </p:nvPr>
+        </p:nvSpPr>
+        <p:spPr>
+          <a:xfrm>
+            <a:off x="98250" y="16350"/>
+            <a:ext cx="8826600" cy="602700"/>
+          </a:xfrm>
+          <a:prstGeom prst="rect">
+            <a:avLst/>
+          </a:prstGeom>
+        </p:spPr>
+        <p:txBody>
+          <a:bodyPr lIns="91425" tIns="91425" rIns="91425" bIns="91425" anchor="ctr" anchorCtr="0">
+            <a:noAutofit/>
+          </a:bodyPr>
+          <a:lstStyle/>
+          <a:p>
+            <a:pPr lvl="0" rtl="0">
+              <a:spcBef>
+                <a:spcPts val="0"/>
+              </a:spcBef>
+              <a:buNone/>
+            </a:pPr>
+            <a:r>
+              <a:rPr lang="en"/>
+              <a:t>Milestones- Gantt Chart</a:t>
+            </a:r>
+          </a:p>
+        </p:txBody>
+      </p:sp>
+      <p:pic>
+        <p:nvPicPr>
+          <p:cNvPr id="440" name="Shape 440" descr="Screen Shot 2016-11-03 at 7.43.42 PM.png"/>
+          <p:cNvPicPr preferRelativeResize="0"/>
+          <p:nvPr/>
+        </p:nvPicPr>
+        <p:blipFill>
+          <a:blip r:embed="rId3">
+            <a:alphaModFix/>
+          </a:blip>
+          <a:stretch>
+            <a:fillRect/>
+          </a:stretch>
+        </p:blipFill>
+        <p:spPr>
+          <a:xfrm>
+            <a:off x="0" y="689325"/>
+            <a:ext cx="9143999" cy="4454174"/>
+          </a:xfrm>
+          <a:prstGeom prst="rect">
+            <a:avLst/>
+          </a:prstGeom>
+          <a:noFill/>
+          <a:ln>
+            <a:noFill/>
+          </a:ln>
+        </p:spPr>
+      </p:pic>
+    </p:spTree>
+  </p:cSld>
+  <p:clrMapOvr>
+    <a:masterClrMapping/>
+  </p:clrMapOvr>
+</p:sld>
+</file>
+
+<file path=ppt/slides/slide45.xml><?xml version="1.0" encoding="utf-8"?>
+<p:sld xmlns:a="http://schemas.openxmlformats.org/drawingml/2006/main" xmlns:r="http://schemas.openxmlformats.org/officeDocument/2006/relationships" xmlns:p="http://schemas.openxmlformats.org/presentationml/2006/main">
+  <p:cSld>
+    <p:spTree>
+      <p:nvGrpSpPr>
+        <p:cNvPr id="1" name="Shape 444"/>
+        <p:cNvGrpSpPr/>
+        <p:nvPr/>
+      </p:nvGrpSpPr>
+      <p:grpSpPr>
+        <a:xfrm>
+          <a:off x="0" y="0"/>
+          <a:ext cx="0" cy="0"/>
+          <a:chOff x="0" y="0"/>
+          <a:chExt cx="0" cy="0"/>
+        </a:xfrm>
+      </p:grpSpPr>
+      <p:sp>
+        <p:nvSpPr>
+          <p:cNvPr id="445" name="Shape 445"/>
+          <p:cNvSpPr txBox="1">
+            <a:spLocks noGrp="1"/>
+          </p:cNvSpPr>
+          <p:nvPr>
+            <p:ph type="title"/>
+          </p:nvPr>
+        </p:nvSpPr>
+        <p:spPr>
+          <a:xfrm>
+            <a:off x="98250" y="16350"/>
+            <a:ext cx="8826600" cy="602700"/>
+          </a:xfrm>
+          <a:prstGeom prst="rect">
+            <a:avLst/>
+          </a:prstGeom>
+        </p:spPr>
+        <p:txBody>
+          <a:bodyPr lIns="91425" tIns="91425" rIns="91425" bIns="91425" anchor="ctr" anchorCtr="0">
+            <a:noAutofit/>
+          </a:bodyPr>
+          <a:lstStyle/>
+          <a:p>
+            <a:pPr lvl="0" rtl="0">
+              <a:spcBef>
+                <a:spcPts val="0"/>
+              </a:spcBef>
+              <a:buNone/>
+            </a:pPr>
+            <a:r>
+              <a:rPr lang="en"/>
+              <a:t>Architecture</a:t>
+            </a:r>
+          </a:p>
+        </p:txBody>
+      </p:sp>
+      <p:pic>
+        <p:nvPicPr>
+          <p:cNvPr id="446" name="Shape 446"/>
+          <p:cNvPicPr preferRelativeResize="0"/>
+          <p:nvPr/>
+        </p:nvPicPr>
+        <p:blipFill>
+          <a:blip r:embed="rId3">
+            <a:alphaModFix/>
+          </a:blip>
+          <a:stretch>
+            <a:fillRect/>
+          </a:stretch>
+        </p:blipFill>
+        <p:spPr>
+          <a:xfrm>
+            <a:off x="997600" y="766025"/>
+            <a:ext cx="7234959" cy="4219649"/>
+          </a:xfrm>
+          <a:prstGeom prst="rect">
+            <a:avLst/>
+          </a:prstGeom>
+          <a:noFill/>
+          <a:ln>
+            <a:noFill/>
+          </a:ln>
+        </p:spPr>
+      </p:pic>
+    </p:spTree>
+  </p:cSld>
+  <p:clrMapOvr>
+    <a:masterClrMapping/>
+  </p:clrMapOvr>
+</p:sld>
+</file>
+
+<file path=ppt/slides/slide46.xml><?xml version="1.0" encoding="utf-8"?>
+<p:sld xmlns:a="http://schemas.openxmlformats.org/drawingml/2006/main" xmlns:r="http://schemas.openxmlformats.org/officeDocument/2006/relationships" xmlns:p="http://schemas.openxmlformats.org/presentationml/2006/main">
+  <p:cSld>
+    <p:spTree>
+      <p:nvGrpSpPr>
+        <p:cNvPr id="1" name="Shape 450"/>
+        <p:cNvGrpSpPr/>
+        <p:nvPr/>
+      </p:nvGrpSpPr>
+      <p:grpSpPr>
+        <a:xfrm>
+          <a:off x="0" y="0"/>
+          <a:ext cx="0" cy="0"/>
+          <a:chOff x="0" y="0"/>
+          <a:chExt cx="0" cy="0"/>
+        </a:xfrm>
+      </p:grpSpPr>
+      <p:sp>
+        <p:nvSpPr>
+          <p:cNvPr id="451" name="Shape 451"/>
+          <p:cNvSpPr txBox="1">
+            <a:spLocks noGrp="1"/>
+          </p:cNvSpPr>
+          <p:nvPr>
+            <p:ph type="title"/>
+          </p:nvPr>
+        </p:nvSpPr>
+        <p:spPr>
+          <a:xfrm>
             <a:off x="490250" y="488250"/>
             <a:ext cx="6227100" cy="4090800"/>
           </a:xfrm>
@@ -20217,7 +22551,7 @@
   <p:cSld>
     <p:spTree>
       <p:nvGrpSpPr>
-        <p:cNvPr id="1" name=""/>
+        <p:cNvPr id="1" name="Shape 138"/>
         <p:cNvGrpSpPr/>
         <p:nvPr/>
       </p:nvGrpSpPr>
@@ -20231,74 +22565,71 @@
       </p:grpSpPr>
       <p:sp>
         <p:nvSpPr>
-          <p:cNvPr id="2" name="Title 1"/>
-          <p:cNvSpPr>
+          <p:cNvPr id="139" name="Shape 139"/>
+          <p:cNvSpPr txBox="1">
             <a:spLocks noGrp="1"/>
           </p:cNvSpPr>
           <p:nvPr>
             <p:ph type="title"/>
           </p:nvPr>
         </p:nvSpPr>
-        <p:spPr/>
+        <p:spPr>
+          <a:xfrm>
+            <a:off x="471900" y="738725"/>
+            <a:ext cx="8222100" cy="767700"/>
+          </a:xfrm>
+          <a:prstGeom prst="rect">
+            <a:avLst/>
+          </a:prstGeom>
+        </p:spPr>
         <p:txBody>
-          <a:bodyPr/>
+          <a:bodyPr lIns="91425" tIns="91425" rIns="91425" bIns="91425" anchor="b" anchorCtr="0">
+            <a:noAutofit/>
+          </a:bodyPr>
           <a:lstStyle/>
           <a:p>
+            <a:pPr lvl="0">
+              <a:spcBef>
+                <a:spcPts val="0"/>
+              </a:spcBef>
+              <a:buNone/>
+            </a:pPr>
             <a:r>
-              <a:rPr lang="en-US" dirty="0" smtClean="0"/>
+              <a:rPr lang="en"/>
               <a:t>Use Case</a:t>
             </a:r>
-            <a:endParaRPr lang="en-US" dirty="0"/>
           </a:p>
         </p:txBody>
       </p:sp>
       <p:pic>
         <p:nvPicPr>
-          <p:cNvPr id="1026" name="Picture 2" descr="creen Shot 2016-11-03 at 3.44.23 PM.png"/>
-          <p:cNvPicPr>
-            <a:picLocks noChangeAspect="1" noChangeArrowheads="1"/>
-          </p:cNvPicPr>
+          <p:cNvPr id="140" name="Shape 140" descr="Screen Shot 2016-11-03 at 3.44.23 PM.png"/>
+          <p:cNvPicPr preferRelativeResize="0"/>
           <p:nvPr/>
         </p:nvPicPr>
         <p:blipFill>
-          <a:blip r:embed="rId2">
-            <a:extLst>
-              <a:ext uri="{28A0092B-C50C-407E-A947-70E740481C1C}">
-                <a14:useLocalDpi xmlns:a14="http://schemas.microsoft.com/office/drawing/2010/main" val="0"/>
-              </a:ext>
-            </a:extLst>
+          <a:blip r:embed="rId3">
+            <a:alphaModFix/>
           </a:blip>
-          <a:srcRect/>
           <a:stretch>
             <a:fillRect/>
           </a:stretch>
         </p:blipFill>
-        <p:spPr bwMode="auto">
-          <a:xfrm>
-            <a:off x="1412340" y="1704975"/>
-            <a:ext cx="5629275" cy="3438525"/>
+        <p:spPr>
+          <a:xfrm>
+            <a:off x="1507900" y="1724850"/>
+            <a:ext cx="5814299" cy="3551549"/>
           </a:xfrm>
           <a:prstGeom prst="rect">
             <a:avLst/>
           </a:prstGeom>
           <a:noFill/>
-          <a:extLst>
-            <a:ext uri="{909E8E84-426E-40DD-AFC4-6F175D3DCCD1}">
-              <a14:hiddenFill xmlns:a14="http://schemas.microsoft.com/office/drawing/2010/main">
-                <a:solidFill>
-                  <a:srgbClr val="FFFFFF"/>
-                </a:solidFill>
-              </a14:hiddenFill>
-            </a:ext>
-          </a:extLst>
+          <a:ln>
+            <a:noFill/>
+          </a:ln>
         </p:spPr>
       </p:pic>
     </p:spTree>
-    <p:extLst>
-      <p:ext uri="{BB962C8B-B14F-4D97-AF65-F5344CB8AC3E}">
-        <p14:creationId xmlns:p14="http://schemas.microsoft.com/office/powerpoint/2010/main" val="274712029"/>
-      </p:ext>
-    </p:extLst>
   </p:cSld>
   <p:clrMapOvr>
     <a:masterClrMapping/>
@@ -20307,177 +22638,6 @@
 </file>
 
 <file path=ppt/slides/slide6.xml><?xml version="1.0" encoding="utf-8"?>
-<p:sld xmlns:a="http://schemas.openxmlformats.org/drawingml/2006/main" xmlns:r="http://schemas.openxmlformats.org/officeDocument/2006/relationships" xmlns:p="http://schemas.openxmlformats.org/presentationml/2006/main">
-  <p:cSld>
-    <p:spTree>
-      <p:nvGrpSpPr>
-        <p:cNvPr id="1" name="Shape 137"/>
-        <p:cNvGrpSpPr/>
-        <p:nvPr/>
-      </p:nvGrpSpPr>
-      <p:grpSpPr>
-        <a:xfrm>
-          <a:off x="0" y="0"/>
-          <a:ext cx="0" cy="0"/>
-          <a:chOff x="0" y="0"/>
-          <a:chExt cx="0" cy="0"/>
-        </a:xfrm>
-      </p:grpSpPr>
-      <p:sp>
-        <p:nvSpPr>
-          <p:cNvPr id="138" name="Shape 138"/>
-          <p:cNvSpPr txBox="1">
-            <a:spLocks noGrp="1"/>
-          </p:cNvSpPr>
-          <p:nvPr>
-            <p:ph type="title"/>
-          </p:nvPr>
-        </p:nvSpPr>
-        <p:spPr>
-          <a:xfrm>
-            <a:off x="471900" y="738725"/>
-            <a:ext cx="8222100" cy="767700"/>
-          </a:xfrm>
-          <a:prstGeom prst="rect">
-            <a:avLst/>
-          </a:prstGeom>
-        </p:spPr>
-        <p:txBody>
-          <a:bodyPr lIns="91425" tIns="91425" rIns="91425" bIns="91425" anchor="b" anchorCtr="0">
-            <a:noAutofit/>
-          </a:bodyPr>
-          <a:lstStyle/>
-          <a:p>
-            <a:pPr lvl="0">
-              <a:spcBef>
-                <a:spcPts val="0"/>
-              </a:spcBef>
-              <a:buNone/>
-            </a:pPr>
-            <a:r>
-              <a:rPr lang="en"/>
-              <a:t>Data Structures</a:t>
-            </a:r>
-          </a:p>
-        </p:txBody>
-      </p:sp>
-      <p:sp>
-        <p:nvSpPr>
-          <p:cNvPr id="139" name="Shape 139"/>
-          <p:cNvSpPr txBox="1">
-            <a:spLocks noGrp="1"/>
-          </p:cNvSpPr>
-          <p:nvPr>
-            <p:ph type="body" idx="1"/>
-          </p:nvPr>
-        </p:nvSpPr>
-        <p:spPr>
-          <a:xfrm>
-            <a:off x="471900" y="1919075"/>
-            <a:ext cx="3999900" cy="2710199"/>
-          </a:xfrm>
-          <a:prstGeom prst="rect">
-            <a:avLst/>
-          </a:prstGeom>
-        </p:spPr>
-        <p:txBody>
-          <a:bodyPr lIns="91425" tIns="91425" rIns="91425" bIns="91425" anchor="t" anchorCtr="0">
-            <a:noAutofit/>
-          </a:bodyPr>
-          <a:lstStyle/>
-          <a:p>
-            <a:pPr lvl="0" rtl="0">
-              <a:spcBef>
-                <a:spcPts val="0"/>
-              </a:spcBef>
-              <a:buNone/>
-            </a:pPr>
-            <a:r>
-              <a:rPr lang="en" sz="2400">
-                <a:solidFill>
-                  <a:srgbClr val="FF0000"/>
-                </a:solidFill>
-              </a:rPr>
-              <a:t>1. DataFrame</a:t>
-            </a:r>
-          </a:p>
-          <a:p>
-            <a:pPr lvl="0">
-              <a:spcBef>
-                <a:spcPts val="0"/>
-              </a:spcBef>
-              <a:buNone/>
-            </a:pPr>
-            <a:r>
-              <a:rPr lang="en"/>
-              <a:t>A DataFrame is a Dataset organized into named columns. It is conceptually equivalent to a table in a relational database. It's a part of Spark SQL.</a:t>
-            </a:r>
-          </a:p>
-        </p:txBody>
-      </p:sp>
-      <p:sp>
-        <p:nvSpPr>
-          <p:cNvPr id="140" name="Shape 140"/>
-          <p:cNvSpPr txBox="1">
-            <a:spLocks noGrp="1"/>
-          </p:cNvSpPr>
-          <p:nvPr>
-            <p:ph type="body" idx="2"/>
-          </p:nvPr>
-        </p:nvSpPr>
-        <p:spPr>
-          <a:xfrm>
-            <a:off x="4694250" y="1919075"/>
-            <a:ext cx="3999900" cy="2710199"/>
-          </a:xfrm>
-          <a:prstGeom prst="rect">
-            <a:avLst/>
-          </a:prstGeom>
-        </p:spPr>
-        <p:txBody>
-          <a:bodyPr lIns="91425" tIns="91425" rIns="91425" bIns="91425" anchor="t" anchorCtr="0">
-            <a:noAutofit/>
-          </a:bodyPr>
-          <a:lstStyle/>
-          <a:p>
-            <a:pPr lvl="0">
-              <a:spcBef>
-                <a:spcPts val="0"/>
-              </a:spcBef>
-              <a:buNone/>
-            </a:pPr>
-            <a:r>
-              <a:rPr lang="en" sz="2400">
-                <a:solidFill>
-                  <a:srgbClr val="FF0000"/>
-                </a:solidFill>
-              </a:rPr>
-              <a:t>2. GraphFrame</a:t>
-            </a:r>
-          </a:p>
-          <a:p>
-            <a:pPr lvl="0">
-              <a:spcBef>
-                <a:spcPts val="0"/>
-              </a:spcBef>
-              <a:buNone/>
-            </a:pPr>
-            <a:r>
-              <a:rPr lang="en"/>
-              <a:t>GraphFrames is a package for Apache Spark which provides DataFrame-based Graphs. It extended functionality includes motif finding, which could traversal itself. </a:t>
-            </a:r>
-          </a:p>
-        </p:txBody>
-      </p:sp>
-    </p:spTree>
-  </p:cSld>
-  <p:clrMapOvr>
-    <a:masterClrMapping/>
-  </p:clrMapOvr>
-</p:sld>
-</file>
-
-<file path=ppt/slides/slide7.xml><?xml version="1.0" encoding="utf-8"?>
 <p:sld xmlns:a="http://schemas.openxmlformats.org/drawingml/2006/main" xmlns:r="http://schemas.openxmlformats.org/officeDocument/2006/relationships" xmlns:p="http://schemas.openxmlformats.org/presentationml/2006/main">
   <p:cSld>
     <p:spTree>
@@ -20568,7 +22728,7 @@
 </p:sld>
 </file>
 
-<file path=ppt/slides/slide8.xml><?xml version="1.0" encoding="utf-8"?>
+<file path=ppt/slides/slide7.xml><?xml version="1.0" encoding="utf-8"?>
 <p:sld xmlns:a="http://schemas.openxmlformats.org/drawingml/2006/main" xmlns:r="http://schemas.openxmlformats.org/officeDocument/2006/relationships" xmlns:p="http://schemas.openxmlformats.org/presentationml/2006/main">
   <p:cSld>
     <p:spTree>
@@ -20631,7 +22791,7 @@
 </p:sld>
 </file>
 
-<file path=ppt/slides/slide9.xml><?xml version="1.0" encoding="utf-8"?>
+<file path=ppt/slides/slide8.xml><?xml version="1.0" encoding="utf-8"?>
 <p:sld xmlns:a="http://schemas.openxmlformats.org/drawingml/2006/main" xmlns:r="http://schemas.openxmlformats.org/officeDocument/2006/relationships" xmlns:p="http://schemas.openxmlformats.org/presentationml/2006/main">
   <p:cSld>
     <p:spTree>
@@ -20660,8 +22820,8 @@
         </p:nvSpPr>
         <p:spPr>
           <a:xfrm>
-            <a:off x="226077" y="357800"/>
-            <a:ext cx="2808000" cy="953400"/>
+            <a:off x="471900" y="738725"/>
+            <a:ext cx="8222100" cy="767700"/>
           </a:xfrm>
           <a:prstGeom prst="rect">
             <a:avLst/>
@@ -20673,6 +22833,177 @@
           </a:bodyPr>
           <a:lstStyle/>
           <a:p>
+            <a:pPr lvl="0">
+              <a:spcBef>
+                <a:spcPts val="0"/>
+              </a:spcBef>
+              <a:buNone/>
+            </a:pPr>
+            <a:r>
+              <a:rPr lang="en"/>
+              <a:t>Data Structures</a:t>
+            </a:r>
+          </a:p>
+        </p:txBody>
+      </p:sp>
+      <p:sp>
+        <p:nvSpPr>
+          <p:cNvPr id="157" name="Shape 157"/>
+          <p:cNvSpPr txBox="1">
+            <a:spLocks noGrp="1"/>
+          </p:cNvSpPr>
+          <p:nvPr>
+            <p:ph type="body" idx="1"/>
+          </p:nvPr>
+        </p:nvSpPr>
+        <p:spPr>
+          <a:xfrm>
+            <a:off x="471900" y="1919075"/>
+            <a:ext cx="3999900" cy="2710199"/>
+          </a:xfrm>
+          <a:prstGeom prst="rect">
+            <a:avLst/>
+          </a:prstGeom>
+        </p:spPr>
+        <p:txBody>
+          <a:bodyPr lIns="91425" tIns="91425" rIns="91425" bIns="91425" anchor="t" anchorCtr="0">
+            <a:noAutofit/>
+          </a:bodyPr>
+          <a:lstStyle/>
+          <a:p>
+            <a:pPr lvl="0" rtl="0">
+              <a:spcBef>
+                <a:spcPts val="0"/>
+              </a:spcBef>
+              <a:buNone/>
+            </a:pPr>
+            <a:r>
+              <a:rPr lang="en" sz="2400">
+                <a:solidFill>
+                  <a:srgbClr val="FF0000"/>
+                </a:solidFill>
+              </a:rPr>
+              <a:t>1. DataFrame</a:t>
+            </a:r>
+          </a:p>
+          <a:p>
+            <a:pPr lvl="0">
+              <a:spcBef>
+                <a:spcPts val="0"/>
+              </a:spcBef>
+              <a:buNone/>
+            </a:pPr>
+            <a:r>
+              <a:rPr lang="en"/>
+              <a:t>A DataFrame is a Dataset organized into named columns. It is conceptually equivalent to a table in a relational database. It's a part of Spark SQL.</a:t>
+            </a:r>
+          </a:p>
+        </p:txBody>
+      </p:sp>
+      <p:sp>
+        <p:nvSpPr>
+          <p:cNvPr id="158" name="Shape 158"/>
+          <p:cNvSpPr txBox="1">
+            <a:spLocks noGrp="1"/>
+          </p:cNvSpPr>
+          <p:nvPr>
+            <p:ph type="body" idx="2"/>
+          </p:nvPr>
+        </p:nvSpPr>
+        <p:spPr>
+          <a:xfrm>
+            <a:off x="4694250" y="1919075"/>
+            <a:ext cx="3999900" cy="2710199"/>
+          </a:xfrm>
+          <a:prstGeom prst="rect">
+            <a:avLst/>
+          </a:prstGeom>
+        </p:spPr>
+        <p:txBody>
+          <a:bodyPr lIns="91425" tIns="91425" rIns="91425" bIns="91425" anchor="t" anchorCtr="0">
+            <a:noAutofit/>
+          </a:bodyPr>
+          <a:lstStyle/>
+          <a:p>
+            <a:pPr lvl="0">
+              <a:spcBef>
+                <a:spcPts val="0"/>
+              </a:spcBef>
+              <a:buNone/>
+            </a:pPr>
+            <a:r>
+              <a:rPr lang="en" sz="2400">
+                <a:solidFill>
+                  <a:srgbClr val="FF0000"/>
+                </a:solidFill>
+              </a:rPr>
+              <a:t>2. GraphFrame</a:t>
+            </a:r>
+          </a:p>
+          <a:p>
+            <a:pPr lvl="0">
+              <a:spcBef>
+                <a:spcPts val="0"/>
+              </a:spcBef>
+              <a:buNone/>
+            </a:pPr>
+            <a:r>
+              <a:rPr lang="en"/>
+              <a:t>GraphFrames is a package for Apache Spark which provides DataFrame-based Graphs. It extended functionality includes motif finding, which could traversal itself. </a:t>
+            </a:r>
+          </a:p>
+        </p:txBody>
+      </p:sp>
+    </p:spTree>
+  </p:cSld>
+  <p:clrMapOvr>
+    <a:masterClrMapping/>
+  </p:clrMapOvr>
+</p:sld>
+</file>
+
+<file path=ppt/slides/slide9.xml><?xml version="1.0" encoding="utf-8"?>
+<p:sld xmlns:a="http://schemas.openxmlformats.org/drawingml/2006/main" xmlns:r="http://schemas.openxmlformats.org/officeDocument/2006/relationships" xmlns:p="http://schemas.openxmlformats.org/presentationml/2006/main">
+  <p:cSld>
+    <p:spTree>
+      <p:nvGrpSpPr>
+        <p:cNvPr id="1" name="Shape 162"/>
+        <p:cNvGrpSpPr/>
+        <p:nvPr/>
+      </p:nvGrpSpPr>
+      <p:grpSpPr>
+        <a:xfrm>
+          <a:off x="0" y="0"/>
+          <a:ext cx="0" cy="0"/>
+          <a:chOff x="0" y="0"/>
+          <a:chExt cx="0" cy="0"/>
+        </a:xfrm>
+      </p:grpSpPr>
+      <p:sp>
+        <p:nvSpPr>
+          <p:cNvPr id="163" name="Shape 163"/>
+          <p:cNvSpPr txBox="1">
+            <a:spLocks noGrp="1"/>
+          </p:cNvSpPr>
+          <p:nvPr>
+            <p:ph type="title"/>
+          </p:nvPr>
+        </p:nvSpPr>
+        <p:spPr>
+          <a:xfrm>
+            <a:off x="226077" y="357800"/>
+            <a:ext cx="2808000" cy="953400"/>
+          </a:xfrm>
+          <a:prstGeom prst="rect">
+            <a:avLst/>
+          </a:prstGeom>
+        </p:spPr>
+        <p:txBody>
+          <a:bodyPr lIns="91425" tIns="91425" rIns="91425" bIns="91425" anchor="b" anchorCtr="0">
+            <a:noAutofit/>
+          </a:bodyPr>
+          <a:lstStyle/>
+          <a:p>
             <a:pPr lvl="0" rtl="0">
               <a:spcBef>
                 <a:spcPts val="0"/>
@@ -20688,7 +23019,7 @@
       </p:sp>
       <p:sp>
         <p:nvSpPr>
-          <p:cNvPr id="157" name="Shape 157"/>
+          <p:cNvPr id="164" name="Shape 164"/>
           <p:cNvSpPr txBox="1">
             <a:spLocks noGrp="1"/>
           </p:cNvSpPr>
@@ -20771,7 +23102,7 @@
       </p:sp>
       <p:pic>
         <p:nvPicPr>
-          <p:cNvPr id="158" name="Shape 158"/>
+          <p:cNvPr id="165" name="Shape 165"/>
           <p:cNvPicPr preferRelativeResize="0"/>
           <p:nvPr/>
         </p:nvPicPr>
@@ -20797,6 +23128,202 @@
           </a:ln>
         </p:spPr>
       </p:pic>
+      <p:graphicFrame>
+        <p:nvGraphicFramePr>
+          <p:cNvPr id="166" name="Shape 166"/>
+          <p:cNvGraphicFramePr/>
+          <p:nvPr/>
+        </p:nvGraphicFramePr>
+        <p:xfrm>
+          <a:off x="3658375" y="4305675"/>
+          <a:ext cx="4661400" cy="457170"/>
+        </p:xfrm>
+        <a:graphic>
+          <a:graphicData uri="http://schemas.openxmlformats.org/drawingml/2006/table">
+            <a:tbl>
+              <a:tblPr>
+                <a:noFill/>
+                <a:tableStyleId>{BE830A24-B3AD-4CCF-8FEA-9583EB577766}</a:tableStyleId>
+              </a:tblPr>
+              <a:tblGrid>
+                <a:gridCol w="1553800"/>
+                <a:gridCol w="1553800"/>
+                <a:gridCol w="1553800"/>
+              </a:tblGrid>
+              <a:tr h="381000">
+                <a:tc>
+                  <a:txBody>
+                    <a:bodyPr/>
+                    <a:lstStyle/>
+                    <a:p>
+                      <a:pPr lvl="0" algn="ctr">
+                        <a:spcBef>
+                          <a:spcPts val="0"/>
+                        </a:spcBef>
+                        <a:buNone/>
+                      </a:pPr>
+                      <a:r>
+                        <a:rPr lang="en" sz="1800"/>
+                        <a:t>src</a:t>
+                      </a:r>
+                    </a:p>
+                  </a:txBody>
+                  <a:tcPr marL="91425" marR="91425" marT="91425" marB="91425" anchor="ctr">
+                    <a:lnL w="38100" cap="flat" cmpd="sng">
+                      <a:solidFill>
+                        <a:srgbClr val="FF9900"/>
+                      </a:solidFill>
+                      <a:prstDash val="solid"/>
+                      <a:round/>
+                      <a:headEnd type="none" w="med" len="med"/>
+                      <a:tailEnd type="none" w="med" len="med"/>
+                    </a:lnL>
+                    <a:lnR w="38100" cap="flat" cmpd="sng">
+                      <a:solidFill>
+                        <a:srgbClr val="FF9900"/>
+                      </a:solidFill>
+                      <a:prstDash val="solid"/>
+                      <a:round/>
+                      <a:headEnd type="none" w="med" len="med"/>
+                      <a:tailEnd type="none" w="med" len="med"/>
+                    </a:lnR>
+                    <a:lnT w="38100" cap="flat" cmpd="sng">
+                      <a:solidFill>
+                        <a:srgbClr val="FF9900"/>
+                      </a:solidFill>
+                      <a:prstDash val="solid"/>
+                      <a:round/>
+                      <a:headEnd type="none" w="med" len="med"/>
+                      <a:tailEnd type="none" w="med" len="med"/>
+                    </a:lnT>
+                    <a:lnB w="38100" cap="flat" cmpd="sng">
+                      <a:solidFill>
+                        <a:srgbClr val="FF9900"/>
+                      </a:solidFill>
+                      <a:prstDash val="solid"/>
+                      <a:round/>
+                      <a:headEnd type="none" w="med" len="med"/>
+                      <a:tailEnd type="none" w="med" len="med"/>
+                    </a:lnB>
+                  </a:tcPr>
+                </a:tc>
+                <a:tc>
+                  <a:txBody>
+                    <a:bodyPr/>
+                    <a:lstStyle/>
+                    <a:p>
+                      <a:pPr lvl="0" algn="ctr">
+                        <a:spcBef>
+                          <a:spcPts val="0"/>
+                        </a:spcBef>
+                        <a:buNone/>
+                      </a:pPr>
+                      <a:r>
+                        <a:rPr lang="en" sz="1800"/>
+                        <a:t>dst</a:t>
+                      </a:r>
+                    </a:p>
+                  </a:txBody>
+                  <a:tcPr marL="91425" marR="91425" marT="91425" marB="91425" anchor="ctr">
+                    <a:lnL w="38100" cap="flat" cmpd="sng">
+                      <a:solidFill>
+                        <a:srgbClr val="FF9900"/>
+                      </a:solidFill>
+                      <a:prstDash val="solid"/>
+                      <a:round/>
+                      <a:headEnd type="none" w="med" len="med"/>
+                      <a:tailEnd type="none" w="med" len="med"/>
+                    </a:lnL>
+                    <a:lnR w="38100" cap="flat" cmpd="sng">
+                      <a:solidFill>
+                        <a:srgbClr val="FF9900"/>
+                      </a:solidFill>
+                      <a:prstDash val="solid"/>
+                      <a:round/>
+                      <a:headEnd type="none" w="med" len="med"/>
+                      <a:tailEnd type="none" w="med" len="med"/>
+                    </a:lnR>
+                    <a:lnT w="38100" cap="flat" cmpd="sng">
+                      <a:solidFill>
+                        <a:srgbClr val="FF9900"/>
+                      </a:solidFill>
+                      <a:prstDash val="solid"/>
+                      <a:round/>
+                      <a:headEnd type="none" w="med" len="med"/>
+                      <a:tailEnd type="none" w="med" len="med"/>
+                    </a:lnT>
+                    <a:lnB w="38100" cap="flat" cmpd="sng">
+                      <a:solidFill>
+                        <a:srgbClr val="FF9900"/>
+                      </a:solidFill>
+                      <a:prstDash val="solid"/>
+                      <a:round/>
+                      <a:headEnd type="none" w="med" len="med"/>
+                      <a:tailEnd type="none" w="med" len="med"/>
+                    </a:lnB>
+                  </a:tcPr>
+                </a:tc>
+                <a:tc>
+                  <a:txBody>
+                    <a:bodyPr/>
+                    <a:lstStyle/>
+                    <a:p>
+                      <a:pPr lvl="0" algn="ctr">
+                        <a:spcBef>
+                          <a:spcPts val="0"/>
+                        </a:spcBef>
+                        <a:buNone/>
+                      </a:pPr>
+                      <a:r>
+                        <a:rPr lang="en" sz="1800"/>
+                        <a:t>relationship</a:t>
+                      </a:r>
+                    </a:p>
+                  </a:txBody>
+                  <a:tcPr marL="91425" marR="91425" marT="91425" marB="91425" anchor="ctr">
+                    <a:lnL w="38100" cap="flat" cmpd="sng">
+                      <a:solidFill>
+                        <a:srgbClr val="FF9900"/>
+                      </a:solidFill>
+                      <a:prstDash val="solid"/>
+                      <a:round/>
+                      <a:headEnd type="none" w="med" len="med"/>
+                      <a:tailEnd type="none" w="med" len="med"/>
+                    </a:lnL>
+                    <a:lnR w="38100" cap="flat" cmpd="sng">
+                      <a:solidFill>
+                        <a:srgbClr val="FF9900"/>
+                      </a:solidFill>
+                      <a:prstDash val="solid"/>
+                      <a:round/>
+                      <a:headEnd type="none" w="med" len="med"/>
+                      <a:tailEnd type="none" w="med" len="med"/>
+                    </a:lnR>
+                    <a:lnT w="38100" cap="flat" cmpd="sng">
+                      <a:solidFill>
+                        <a:srgbClr val="FF9900"/>
+                      </a:solidFill>
+                      <a:prstDash val="solid"/>
+                      <a:round/>
+                      <a:headEnd type="none" w="med" len="med"/>
+                      <a:tailEnd type="none" w="med" len="med"/>
+                    </a:lnT>
+                    <a:lnB w="38100" cap="flat" cmpd="sng">
+                      <a:solidFill>
+                        <a:srgbClr val="FF9900"/>
+                      </a:solidFill>
+                      <a:prstDash val="solid"/>
+                      <a:round/>
+                      <a:headEnd type="none" w="med" len="med"/>
+                      <a:tailEnd type="none" w="med" len="med"/>
+                    </a:lnB>
+                  </a:tcPr>
+                </a:tc>
+              </a:tr>
+            </a:tbl>
+          </a:graphicData>
+        </a:graphic>
+      </p:graphicFrame>
     </p:spTree>
   </p:cSld>
   <p:clrMapOvr>
